--- a/dataPowerPoint.pptx
+++ b/dataPowerPoint.pptx
@@ -8,15 +8,16 @@
     <p:sldId id="256" r:id="rId2"/>
     <p:sldId id="257" r:id="rId3"/>
     <p:sldId id="267" r:id="rId4"/>
-    <p:sldId id="258" r:id="rId5"/>
-    <p:sldId id="259" r:id="rId6"/>
-    <p:sldId id="261" r:id="rId7"/>
-    <p:sldId id="260" r:id="rId8"/>
-    <p:sldId id="262" r:id="rId9"/>
-    <p:sldId id="263" r:id="rId10"/>
-    <p:sldId id="264" r:id="rId11"/>
-    <p:sldId id="266" r:id="rId12"/>
-    <p:sldId id="265" r:id="rId13"/>
+    <p:sldId id="268" r:id="rId5"/>
+    <p:sldId id="258" r:id="rId6"/>
+    <p:sldId id="259" r:id="rId7"/>
+    <p:sldId id="261" r:id="rId8"/>
+    <p:sldId id="260" r:id="rId9"/>
+    <p:sldId id="262" r:id="rId10"/>
+    <p:sldId id="263" r:id="rId11"/>
+    <p:sldId id="264" r:id="rId12"/>
+    <p:sldId id="266" r:id="rId13"/>
+    <p:sldId id="265" r:id="rId14"/>
   </p:sldIdLst>
   <p:sldSz cx="12192000" cy="6858000"/>
   <p:notesSz cx="6858000" cy="9144000"/>
@@ -14597,6 +14598,474 @@
       </p:grpSpPr>
       <p:sp useBgFill="1">
         <p:nvSpPr>
+          <p:cNvPr id="33" name="Rectangle 32">
+            <a:extLst>
+              <a:ext uri="{FF2B5EF4-FFF2-40B4-BE49-F238E27FC236}">
+                <a16:creationId xmlns:a16="http://schemas.microsoft.com/office/drawing/2014/main" id="{2B97F24A-32CE-4C1C-A50D-3016B394DCFB}"/>
+              </a:ext>
+              <a:ext uri="{C183D7F6-B498-43B3-948B-1728B52AA6E4}">
+                <adec:decorative xmlns:adec="http://schemas.microsoft.com/office/drawing/2017/decorative" val="1"/>
+              </a:ext>
+            </a:extLst>
+          </p:cNvPr>
+          <p:cNvSpPr>
+            <a:spLocks noGrp="1" noRot="1" noChangeAspect="1" noMove="1" noResize="1" noEditPoints="1" noAdjustHandles="1" noChangeArrowheads="1" noChangeShapeType="1" noTextEdit="1"/>
+          </p:cNvSpPr>
+          <p:nvPr>
+            <p:extLst>
+              <p:ext uri="{386F3935-93C4-4BCD-93E2-E3B085C9AB24}">
+                <p16:designElem xmlns:p16="http://schemas.microsoft.com/office/powerpoint/2015/main" val="1"/>
+              </p:ext>
+            </p:extLst>
+          </p:nvPr>
+        </p:nvSpPr>
+        <p:spPr>
+          <a:xfrm>
+            <a:off x="0" y="0"/>
+            <a:ext cx="12192000" cy="6858000"/>
+          </a:xfrm>
+          <a:prstGeom prst="rect">
+            <a:avLst/>
+          </a:prstGeom>
+          <a:ln>
+            <a:noFill/>
+          </a:ln>
+        </p:spPr>
+        <p:style>
+          <a:lnRef idx="2">
+            <a:schemeClr val="accent1">
+              <a:shade val="50000"/>
+            </a:schemeClr>
+          </a:lnRef>
+          <a:fillRef idx="1">
+            <a:schemeClr val="accent1"/>
+          </a:fillRef>
+          <a:effectRef idx="0">
+            <a:schemeClr val="accent1"/>
+          </a:effectRef>
+          <a:fontRef idx="minor">
+            <a:schemeClr val="lt1"/>
+          </a:fontRef>
+        </p:style>
+        <p:txBody>
+          <a:bodyPr rtlCol="0" anchor="ctr"/>
+          <a:lstStyle/>
+          <a:p>
+            <a:pPr algn="ctr"/>
+            <a:endParaRPr lang="en-US"/>
+          </a:p>
+        </p:txBody>
+      </p:sp>
+      <p:sp>
+        <p:nvSpPr>
+          <p:cNvPr id="2" name="Title 1">
+            <a:extLst>
+              <a:ext uri="{FF2B5EF4-FFF2-40B4-BE49-F238E27FC236}">
+                <a16:creationId xmlns:a16="http://schemas.microsoft.com/office/drawing/2014/main" id="{1CB61A8B-7742-3454-8AB0-CAB8116E2A76}"/>
+              </a:ext>
+            </a:extLst>
+          </p:cNvPr>
+          <p:cNvSpPr>
+            <a:spLocks noGrp="1"/>
+          </p:cNvSpPr>
+          <p:nvPr>
+            <p:ph type="title"/>
+          </p:nvPr>
+        </p:nvSpPr>
+        <p:spPr>
+          <a:xfrm>
+            <a:off x="630936" y="639520"/>
+            <a:ext cx="3429000" cy="1719072"/>
+          </a:xfrm>
+        </p:spPr>
+        <p:txBody>
+          <a:bodyPr anchor="b">
+            <a:normAutofit/>
+          </a:bodyPr>
+          <a:lstStyle/>
+          <a:p>
+            <a:r>
+              <a:rPr lang="en-US" sz="3800"/>
+              <a:t>Dataset Attribute Descriptions</a:t>
+            </a:r>
+          </a:p>
+        </p:txBody>
+      </p:sp>
+      <p:sp>
+        <p:nvSpPr>
+          <p:cNvPr id="35" name="sketch line">
+            <a:extLst>
+              <a:ext uri="{FF2B5EF4-FFF2-40B4-BE49-F238E27FC236}">
+                <a16:creationId xmlns:a16="http://schemas.microsoft.com/office/drawing/2014/main" id="{6357EC4F-235E-4222-A36F-C7878ACE37F2}"/>
+              </a:ext>
+              <a:ext uri="{C183D7F6-B498-43B3-948B-1728B52AA6E4}">
+                <adec:decorative xmlns:adec="http://schemas.microsoft.com/office/drawing/2017/decorative" val="1"/>
+              </a:ext>
+            </a:extLst>
+          </p:cNvPr>
+          <p:cNvSpPr>
+            <a:spLocks noGrp="1" noRot="1" noChangeAspect="1" noMove="1" noResize="1" noEditPoints="1" noAdjustHandles="1" noChangeArrowheads="1" noChangeShapeType="1" noTextEdit="1"/>
+          </p:cNvSpPr>
+          <p:nvPr>
+            <p:extLst>
+              <p:ext uri="{386F3935-93C4-4BCD-93E2-E3B085C9AB24}">
+                <p16:designElem xmlns:p16="http://schemas.microsoft.com/office/powerpoint/2015/main" val="1"/>
+              </p:ext>
+            </p:extLst>
+          </p:nvPr>
+        </p:nvSpPr>
+        <p:spPr>
+          <a:xfrm>
+            <a:off x="643278" y="2573756"/>
+            <a:ext cx="3255095" cy="18288"/>
+          </a:xfrm>
+          <a:custGeom>
+            <a:avLst/>
+            <a:gdLst>
+              <a:gd name="connsiteX0" fmla="*/ 0 w 3255095"/>
+              <a:gd name="connsiteY0" fmla="*/ 0 h 18288"/>
+              <a:gd name="connsiteX1" fmla="*/ 618468 w 3255095"/>
+              <a:gd name="connsiteY1" fmla="*/ 0 h 18288"/>
+              <a:gd name="connsiteX2" fmla="*/ 1269487 w 3255095"/>
+              <a:gd name="connsiteY2" fmla="*/ 0 h 18288"/>
+              <a:gd name="connsiteX3" fmla="*/ 1953057 w 3255095"/>
+              <a:gd name="connsiteY3" fmla="*/ 0 h 18288"/>
+              <a:gd name="connsiteX4" fmla="*/ 2636627 w 3255095"/>
+              <a:gd name="connsiteY4" fmla="*/ 0 h 18288"/>
+              <a:gd name="connsiteX5" fmla="*/ 3255095 w 3255095"/>
+              <a:gd name="connsiteY5" fmla="*/ 0 h 18288"/>
+              <a:gd name="connsiteX6" fmla="*/ 3255095 w 3255095"/>
+              <a:gd name="connsiteY6" fmla="*/ 18288 h 18288"/>
+              <a:gd name="connsiteX7" fmla="*/ 2538974 w 3255095"/>
+              <a:gd name="connsiteY7" fmla="*/ 18288 h 18288"/>
+              <a:gd name="connsiteX8" fmla="*/ 1822853 w 3255095"/>
+              <a:gd name="connsiteY8" fmla="*/ 18288 h 18288"/>
+              <a:gd name="connsiteX9" fmla="*/ 1171834 w 3255095"/>
+              <a:gd name="connsiteY9" fmla="*/ 18288 h 18288"/>
+              <a:gd name="connsiteX10" fmla="*/ 0 w 3255095"/>
+              <a:gd name="connsiteY10" fmla="*/ 18288 h 18288"/>
+              <a:gd name="connsiteX11" fmla="*/ 0 w 3255095"/>
+              <a:gd name="connsiteY11" fmla="*/ 0 h 18288"/>
+            </a:gdLst>
+            <a:ahLst/>
+            <a:cxnLst>
+              <a:cxn ang="0">
+                <a:pos x="connsiteX0" y="connsiteY0"/>
+              </a:cxn>
+              <a:cxn ang="0">
+                <a:pos x="connsiteX1" y="connsiteY1"/>
+              </a:cxn>
+              <a:cxn ang="0">
+                <a:pos x="connsiteX2" y="connsiteY2"/>
+              </a:cxn>
+              <a:cxn ang="0">
+                <a:pos x="connsiteX3" y="connsiteY3"/>
+              </a:cxn>
+              <a:cxn ang="0">
+                <a:pos x="connsiteX4" y="connsiteY4"/>
+              </a:cxn>
+              <a:cxn ang="0">
+                <a:pos x="connsiteX5" y="connsiteY5"/>
+              </a:cxn>
+              <a:cxn ang="0">
+                <a:pos x="connsiteX6" y="connsiteY6"/>
+              </a:cxn>
+              <a:cxn ang="0">
+                <a:pos x="connsiteX7" y="connsiteY7"/>
+              </a:cxn>
+              <a:cxn ang="0">
+                <a:pos x="connsiteX8" y="connsiteY8"/>
+              </a:cxn>
+              <a:cxn ang="0">
+                <a:pos x="connsiteX9" y="connsiteY9"/>
+              </a:cxn>
+              <a:cxn ang="0">
+                <a:pos x="connsiteX10" y="connsiteY10"/>
+              </a:cxn>
+              <a:cxn ang="0">
+                <a:pos x="connsiteX11" y="connsiteY11"/>
+              </a:cxn>
+            </a:cxnLst>
+            <a:rect l="l" t="t" r="r" b="b"/>
+            <a:pathLst>
+              <a:path w="3255095" h="18288" fill="none" extrusionOk="0">
+                <a:moveTo>
+                  <a:pt x="0" y="0"/>
+                </a:moveTo>
+                <a:cubicBezTo>
+                  <a:pt x="240201" y="-22123"/>
+                  <a:pt x="462021" y="-19623"/>
+                  <a:pt x="618468" y="0"/>
+                </a:cubicBezTo>
+                <a:cubicBezTo>
+                  <a:pt x="774915" y="19623"/>
+                  <a:pt x="974734" y="2035"/>
+                  <a:pt x="1269487" y="0"/>
+                </a:cubicBezTo>
+                <a:cubicBezTo>
+                  <a:pt x="1564240" y="-2035"/>
+                  <a:pt x="1733579" y="10639"/>
+                  <a:pt x="1953057" y="0"/>
+                </a:cubicBezTo>
+                <a:cubicBezTo>
+                  <a:pt x="2172535" y="-10639"/>
+                  <a:pt x="2453962" y="14018"/>
+                  <a:pt x="2636627" y="0"/>
+                </a:cubicBezTo>
+                <a:cubicBezTo>
+                  <a:pt x="2819292" y="-14018"/>
+                  <a:pt x="3121375" y="5399"/>
+                  <a:pt x="3255095" y="0"/>
+                </a:cubicBezTo>
+                <a:cubicBezTo>
+                  <a:pt x="3254386" y="8157"/>
+                  <a:pt x="3254682" y="12125"/>
+                  <a:pt x="3255095" y="18288"/>
+                </a:cubicBezTo>
+                <a:cubicBezTo>
+                  <a:pt x="3088545" y="23203"/>
+                  <a:pt x="2687475" y="7419"/>
+                  <a:pt x="2538974" y="18288"/>
+                </a:cubicBezTo>
+                <a:cubicBezTo>
+                  <a:pt x="2390473" y="29157"/>
+                  <a:pt x="2137381" y="-8959"/>
+                  <a:pt x="1822853" y="18288"/>
+                </a:cubicBezTo>
+                <a:cubicBezTo>
+                  <a:pt x="1508325" y="45535"/>
+                  <a:pt x="1466437" y="20385"/>
+                  <a:pt x="1171834" y="18288"/>
+                </a:cubicBezTo>
+                <a:cubicBezTo>
+                  <a:pt x="877231" y="16191"/>
+                  <a:pt x="561097" y="37643"/>
+                  <a:pt x="0" y="18288"/>
+                </a:cubicBezTo>
+                <a:cubicBezTo>
+                  <a:pt x="-46" y="12483"/>
+                  <a:pt x="-203" y="6491"/>
+                  <a:pt x="0" y="0"/>
+                </a:cubicBezTo>
+                <a:close/>
+              </a:path>
+              <a:path w="3255095" h="18288" stroke="0" extrusionOk="0">
+                <a:moveTo>
+                  <a:pt x="0" y="0"/>
+                </a:moveTo>
+                <a:cubicBezTo>
+                  <a:pt x="291965" y="19429"/>
+                  <a:pt x="363155" y="8568"/>
+                  <a:pt x="618468" y="0"/>
+                </a:cubicBezTo>
+                <a:cubicBezTo>
+                  <a:pt x="873781" y="-8568"/>
+                  <a:pt x="904459" y="-19505"/>
+                  <a:pt x="1171834" y="0"/>
+                </a:cubicBezTo>
+                <a:cubicBezTo>
+                  <a:pt x="1439209" y="19505"/>
+                  <a:pt x="1744369" y="9790"/>
+                  <a:pt x="1887955" y="0"/>
+                </a:cubicBezTo>
+                <a:cubicBezTo>
+                  <a:pt x="2031541" y="-9790"/>
+                  <a:pt x="2346378" y="21240"/>
+                  <a:pt x="2506423" y="0"/>
+                </a:cubicBezTo>
+                <a:cubicBezTo>
+                  <a:pt x="2666468" y="-21240"/>
+                  <a:pt x="2990257" y="30414"/>
+                  <a:pt x="3255095" y="0"/>
+                </a:cubicBezTo>
+                <a:cubicBezTo>
+                  <a:pt x="3254831" y="4493"/>
+                  <a:pt x="3255479" y="9472"/>
+                  <a:pt x="3255095" y="18288"/>
+                </a:cubicBezTo>
+                <a:cubicBezTo>
+                  <a:pt x="3120743" y="16690"/>
+                  <a:pt x="2759628" y="42462"/>
+                  <a:pt x="2604076" y="18288"/>
+                </a:cubicBezTo>
+                <a:cubicBezTo>
+                  <a:pt x="2448524" y="-5886"/>
+                  <a:pt x="2184336" y="19599"/>
+                  <a:pt x="1887955" y="18288"/>
+                </a:cubicBezTo>
+                <a:cubicBezTo>
+                  <a:pt x="1591574" y="16977"/>
+                  <a:pt x="1548845" y="6870"/>
+                  <a:pt x="1334589" y="18288"/>
+                </a:cubicBezTo>
+                <a:cubicBezTo>
+                  <a:pt x="1120333" y="29706"/>
+                  <a:pt x="996014" y="9662"/>
+                  <a:pt x="683570" y="18288"/>
+                </a:cubicBezTo>
+                <a:cubicBezTo>
+                  <a:pt x="371126" y="26914"/>
+                  <a:pt x="198687" y="16167"/>
+                  <a:pt x="0" y="18288"/>
+                </a:cubicBezTo>
+                <a:cubicBezTo>
+                  <a:pt x="843" y="9577"/>
+                  <a:pt x="371" y="6900"/>
+                  <a:pt x="0" y="0"/>
+                </a:cubicBezTo>
+                <a:close/>
+              </a:path>
+            </a:pathLst>
+          </a:custGeom>
+          <a:solidFill>
+            <a:schemeClr val="accent2"/>
+          </a:solidFill>
+          <a:ln w="38100" cap="rnd">
+            <a:solidFill>
+              <a:schemeClr val="accent2"/>
+            </a:solidFill>
+            <a:round/>
+            <a:extLst>
+              <a:ext uri="{C807C97D-BFC1-408E-A445-0C87EB9F89A2}">
+                <ask:lineSketchStyleProps xmlns:ask="http://schemas.microsoft.com/office/drawing/2018/sketchyshapes" sd="1219033472">
+                  <a:prstGeom prst="rect">
+                    <a:avLst/>
+                  </a:prstGeom>
+                  <ask:type>
+                    <ask:lineSketchFreehand/>
+                  </ask:type>
+                </ask:lineSketchStyleProps>
+              </a:ext>
+            </a:extLst>
+          </a:ln>
+        </p:spPr>
+        <p:style>
+          <a:lnRef idx="2">
+            <a:schemeClr val="accent1">
+              <a:shade val="50000"/>
+            </a:schemeClr>
+          </a:lnRef>
+          <a:fillRef idx="1">
+            <a:schemeClr val="accent1"/>
+          </a:fillRef>
+          <a:effectRef idx="0">
+            <a:schemeClr val="accent1"/>
+          </a:effectRef>
+          <a:fontRef idx="minor">
+            <a:schemeClr val="lt1"/>
+          </a:fontRef>
+        </p:style>
+        <p:txBody>
+          <a:bodyPr rtlCol="0" anchor="ctr"/>
+          <a:lstStyle/>
+          <a:p>
+            <a:pPr algn="ctr"/>
+            <a:endParaRPr lang="en-US"/>
+          </a:p>
+        </p:txBody>
+      </p:sp>
+      <p:sp>
+        <p:nvSpPr>
+          <p:cNvPr id="9" name="Content Placeholder 8">
+            <a:extLst>
+              <a:ext uri="{FF2B5EF4-FFF2-40B4-BE49-F238E27FC236}">
+                <a16:creationId xmlns:a16="http://schemas.microsoft.com/office/drawing/2014/main" id="{DE2F42F5-1311-0E36-F275-63E29D4B3284}"/>
+              </a:ext>
+            </a:extLst>
+          </p:cNvPr>
+          <p:cNvSpPr>
+            <a:spLocks noGrp="1"/>
+          </p:cNvSpPr>
+          <p:nvPr>
+            <p:ph idx="1"/>
+          </p:nvPr>
+        </p:nvSpPr>
+        <p:spPr>
+          <a:xfrm>
+            <a:off x="630936" y="2807208"/>
+            <a:ext cx="3429000" cy="3410712"/>
+          </a:xfrm>
+        </p:spPr>
+        <p:txBody>
+          <a:bodyPr anchor="t">
+            <a:normAutofit/>
+          </a:bodyPr>
+          <a:lstStyle/>
+          <a:p>
+            <a:endParaRPr lang="en-US" sz="2200"/>
+          </a:p>
+        </p:txBody>
+      </p:sp>
+      <p:pic>
+        <p:nvPicPr>
+          <p:cNvPr id="7" name="Picture 6">
+            <a:extLst>
+              <a:ext uri="{FF2B5EF4-FFF2-40B4-BE49-F238E27FC236}">
+                <a16:creationId xmlns:a16="http://schemas.microsoft.com/office/drawing/2014/main" id="{70865A98-CDCA-0C60-40BC-32CE56CE097B}"/>
+              </a:ext>
+            </a:extLst>
+          </p:cNvPr>
+          <p:cNvPicPr>
+            <a:picLocks noChangeAspect="1"/>
+          </p:cNvPicPr>
+          <p:nvPr/>
+        </p:nvPicPr>
+        <p:blipFill>
+          <a:blip r:embed="rId2"/>
+          <a:stretch>
+            <a:fillRect/>
+          </a:stretch>
+        </p:blipFill>
+        <p:spPr>
+          <a:xfrm>
+            <a:off x="727788" y="2807207"/>
+            <a:ext cx="11228614" cy="3490955"/>
+          </a:xfrm>
+          <a:prstGeom prst="rect">
+            <a:avLst/>
+          </a:prstGeom>
+        </p:spPr>
+      </p:pic>
+    </p:spTree>
+    <p:extLst>
+      <p:ext uri="{BB962C8B-B14F-4D97-AF65-F5344CB8AC3E}">
+        <p14:creationId xmlns:p14="http://schemas.microsoft.com/office/powerpoint/2010/main" val="1720333153"/>
+      </p:ext>
+    </p:extLst>
+  </p:cSld>
+  <p:clrMapOvr>
+    <a:masterClrMapping/>
+  </p:clrMapOvr>
+</p:sld>
+</file>
+
+<file path=ppt/slides/slide11.xml><?xml version="1.0" encoding="utf-8"?>
+<p:sld xmlns:a="http://schemas.openxmlformats.org/drawingml/2006/main" xmlns:r="http://schemas.openxmlformats.org/officeDocument/2006/relationships" xmlns:p="http://schemas.openxmlformats.org/presentationml/2006/main">
+  <p:cSld>
+    <p:bg>
+      <p:bgPr>
+        <a:solidFill>
+          <a:schemeClr val="bg1"/>
+        </a:solidFill>
+        <a:effectLst/>
+      </p:bgPr>
+    </p:bg>
+    <p:spTree>
+      <p:nvGrpSpPr>
+        <p:cNvPr id="1" name=""/>
+        <p:cNvGrpSpPr/>
+        <p:nvPr/>
+      </p:nvGrpSpPr>
+      <p:grpSpPr>
+        <a:xfrm>
+          <a:off x="0" y="0"/>
+          <a:ext cx="0" cy="0"/>
+          <a:chOff x="0" y="0"/>
+          <a:chExt cx="0" cy="0"/>
+        </a:xfrm>
+      </p:grpSpPr>
+      <p:sp useBgFill="1">
+        <p:nvSpPr>
           <p:cNvPr id="8" name="Rectangle 7">
             <a:extLst>
               <a:ext uri="{FF2B5EF4-FFF2-40B4-BE49-F238E27FC236}">
@@ -16188,15 +16657,6 @@
           </a:p>
           <a:p>
             <a:r>
-              <a:rPr lang="en-US" sz="2200" dirty="0">
-                <a:effectLst/>
-                <a:latin typeface="Calibri" panose="020F0502020204030204" pitchFamily="34" charset="0"/>
-                <a:ea typeface="Calibri" panose="020F0502020204030204" pitchFamily="34" charset="0"/>
-                <a:cs typeface="Times New Roman" panose="02020603050405020304" pitchFamily="18" charset="0"/>
-              </a:rPr>
-              <a:t> </a:t>
-            </a:r>
-            <a:r>
               <a:rPr lang="tr-TR" sz="2200" dirty="0" err="1">
                 <a:effectLst/>
                 <a:latin typeface="Calibri" panose="020F0502020204030204" pitchFamily="34" charset="0"/>
@@ -16683,7 +17143,7 @@
 </p:sld>
 </file>
 
-<file path=ppt/slides/slide11.xml><?xml version="1.0" encoding="utf-8"?>
+<file path=ppt/slides/slide12.xml><?xml version="1.0" encoding="utf-8"?>
 <p:sld xmlns:a="http://schemas.openxmlformats.org/drawingml/2006/main" xmlns:r="http://schemas.openxmlformats.org/officeDocument/2006/relationships" xmlns:p="http://schemas.openxmlformats.org/presentationml/2006/main">
   <p:cSld>
     <p:spTree>
@@ -16769,7 +17229,7 @@
 </p:sld>
 </file>
 
-<file path=ppt/slides/slide12.xml><?xml version="1.0" encoding="utf-8"?>
+<file path=ppt/slides/slide13.xml><?xml version="1.0" encoding="utf-8"?>
 <p:sld xmlns:a="http://schemas.openxmlformats.org/drawingml/2006/main" xmlns:r="http://schemas.openxmlformats.org/officeDocument/2006/relationships" xmlns:p="http://schemas.openxmlformats.org/presentationml/2006/main">
   <p:cSld>
     <p:bg>
@@ -24358,6 +24818,3305 @@
       </p:grpSpPr>
       <p:sp useBgFill="1">
         <p:nvSpPr>
+          <p:cNvPr id="8" name="Rectangle 7">
+            <a:extLst>
+              <a:ext uri="{FF2B5EF4-FFF2-40B4-BE49-F238E27FC236}">
+                <a16:creationId xmlns:a16="http://schemas.microsoft.com/office/drawing/2014/main" id="{18873D23-2DCF-4B31-A009-95721C06E8E1}"/>
+              </a:ext>
+              <a:ext uri="{C183D7F6-B498-43B3-948B-1728B52AA6E4}">
+                <adec:decorative xmlns:adec="http://schemas.microsoft.com/office/drawing/2017/decorative" val="1"/>
+              </a:ext>
+            </a:extLst>
+          </p:cNvPr>
+          <p:cNvSpPr>
+            <a:spLocks noGrp="1" noRot="1" noChangeAspect="1" noMove="1" noResize="1" noEditPoints="1" noAdjustHandles="1" noChangeArrowheads="1" noChangeShapeType="1" noTextEdit="1"/>
+          </p:cNvSpPr>
+          <p:nvPr>
+            <p:extLst>
+              <p:ext uri="{386F3935-93C4-4BCD-93E2-E3B085C9AB24}">
+                <p16:designElem xmlns:p16="http://schemas.microsoft.com/office/powerpoint/2015/main" val="1"/>
+              </p:ext>
+            </p:extLst>
+          </p:nvPr>
+        </p:nvSpPr>
+        <p:spPr>
+          <a:xfrm>
+            <a:off x="0" y="1"/>
+            <a:ext cx="12191695" cy="6858000"/>
+          </a:xfrm>
+          <a:prstGeom prst="rect">
+            <a:avLst/>
+          </a:prstGeom>
+          <a:ln>
+            <a:noFill/>
+          </a:ln>
+        </p:spPr>
+        <p:style>
+          <a:lnRef idx="2">
+            <a:schemeClr val="accent1">
+              <a:shade val="50000"/>
+            </a:schemeClr>
+          </a:lnRef>
+          <a:fillRef idx="1">
+            <a:schemeClr val="accent1"/>
+          </a:fillRef>
+          <a:effectRef idx="0">
+            <a:schemeClr val="accent1"/>
+          </a:effectRef>
+          <a:fontRef idx="minor">
+            <a:schemeClr val="lt1"/>
+          </a:fontRef>
+        </p:style>
+        <p:txBody>
+          <a:bodyPr rtlCol="0" anchor="ctr"/>
+          <a:lstStyle/>
+          <a:p>
+            <a:pPr algn="ctr"/>
+            <a:endParaRPr lang="en-US"/>
+          </a:p>
+        </p:txBody>
+      </p:sp>
+      <p:sp>
+        <p:nvSpPr>
+          <p:cNvPr id="10" name="Rectangle 9">
+            <a:extLst>
+              <a:ext uri="{FF2B5EF4-FFF2-40B4-BE49-F238E27FC236}">
+                <a16:creationId xmlns:a16="http://schemas.microsoft.com/office/drawing/2014/main" id="{C13EF075-D4EF-4929-ADBC-91B27DA19955}"/>
+              </a:ext>
+              <a:ext uri="{C183D7F6-B498-43B3-948B-1728B52AA6E4}">
+                <adec:decorative xmlns:adec="http://schemas.microsoft.com/office/drawing/2017/decorative" val="1"/>
+              </a:ext>
+            </a:extLst>
+          </p:cNvPr>
+          <p:cNvSpPr>
+            <a:spLocks noGrp="1" noRot="1" noChangeAspect="1" noMove="1" noResize="1" noEditPoints="1" noAdjustHandles="1" noChangeArrowheads="1" noChangeShapeType="1" noTextEdit="1"/>
+          </p:cNvSpPr>
+          <p:nvPr>
+            <p:extLst>
+              <p:ext uri="{386F3935-93C4-4BCD-93E2-E3B085C9AB24}">
+                <p16:designElem xmlns:p16="http://schemas.microsoft.com/office/powerpoint/2015/main" val="1"/>
+              </p:ext>
+            </p:extLst>
+          </p:nvPr>
+        </p:nvSpPr>
+        <p:spPr>
+          <a:xfrm>
+            <a:off x="305" y="0"/>
+            <a:ext cx="12191695" cy="6858000"/>
+          </a:xfrm>
+          <a:prstGeom prst="rect">
+            <a:avLst/>
+          </a:prstGeom>
+          <a:solidFill>
+            <a:schemeClr val="bg1"/>
+          </a:solidFill>
+          <a:ln>
+            <a:noFill/>
+          </a:ln>
+        </p:spPr>
+        <p:style>
+          <a:lnRef idx="2">
+            <a:schemeClr val="accent1">
+              <a:shade val="50000"/>
+            </a:schemeClr>
+          </a:lnRef>
+          <a:fillRef idx="1">
+            <a:schemeClr val="accent1"/>
+          </a:fillRef>
+          <a:effectRef idx="0">
+            <a:schemeClr val="accent1"/>
+          </a:effectRef>
+          <a:fontRef idx="minor">
+            <a:schemeClr val="lt1"/>
+          </a:fontRef>
+        </p:style>
+        <p:txBody>
+          <a:bodyPr rtlCol="0" anchor="ctr"/>
+          <a:lstStyle/>
+          <a:p>
+            <a:pPr algn="ctr"/>
+            <a:endParaRPr lang="en-US" sz="800"/>
+          </a:p>
+        </p:txBody>
+      </p:sp>
+      <p:grpSp>
+        <p:nvGrpSpPr>
+          <p:cNvPr id="12" name="Group 11">
+            <a:extLst>
+              <a:ext uri="{FF2B5EF4-FFF2-40B4-BE49-F238E27FC236}">
+                <a16:creationId xmlns:a16="http://schemas.microsoft.com/office/drawing/2014/main" id="{DAA26DFA-AAB2-4973-9C17-16D587C7B198}"/>
+              </a:ext>
+              <a:ext uri="{C183D7F6-B498-43B3-948B-1728B52AA6E4}">
+                <adec:decorative xmlns:adec="http://schemas.microsoft.com/office/drawing/2017/decorative" val="1"/>
+              </a:ext>
+            </a:extLst>
+          </p:cNvPr>
+          <p:cNvGrpSpPr>
+            <a:grpSpLocks noGrp="1" noUngrp="1" noRot="1" noChangeAspect="1" noMove="1" noResize="1"/>
+          </p:cNvGrpSpPr>
+          <p:nvPr>
+            <p:extLst>
+              <p:ext uri="{386F3935-93C4-4BCD-93E2-E3B085C9AB24}">
+                <p16:designElem xmlns:p16="http://schemas.microsoft.com/office/powerpoint/2015/main" val="1"/>
+              </p:ext>
+            </p:extLst>
+          </p:nvPr>
+        </p:nvGrpSpPr>
+        <p:grpSpPr>
+          <a:xfrm>
+            <a:off x="-21863" y="508838"/>
+            <a:ext cx="5217958" cy="6239661"/>
+            <a:chOff x="-19221" y="251144"/>
+            <a:chExt cx="5217958" cy="6239661"/>
+          </a:xfrm>
+        </p:grpSpPr>
+        <p:sp>
+          <p:nvSpPr>
+            <p:cNvPr id="13" name="Freeform: Shape 12">
+              <a:extLst>
+                <a:ext uri="{FF2B5EF4-FFF2-40B4-BE49-F238E27FC236}">
+                  <a16:creationId xmlns:a16="http://schemas.microsoft.com/office/drawing/2014/main" id="{3F407F11-7321-4BF6-8536-CCE8E342454B}"/>
+                </a:ext>
+                <a:ext uri="{C183D7F6-B498-43B3-948B-1728B52AA6E4}">
+                  <adec:decorative xmlns:adec="http://schemas.microsoft.com/office/drawing/2017/decorative" val="1"/>
+                </a:ext>
+              </a:extLst>
+            </p:cNvPr>
+            <p:cNvSpPr/>
+            <p:nvPr>
+              <p:extLst>
+                <p:ext uri="{386F3935-93C4-4BCD-93E2-E3B085C9AB24}">
+                  <p16:designElem xmlns:p16="http://schemas.microsoft.com/office/powerpoint/2015/main" val="1"/>
+                </p:ext>
+              </p:extLst>
+            </p:nvPr>
+          </p:nvSpPr>
+          <p:spPr>
+            <a:xfrm>
+              <a:off x="-19221" y="251144"/>
+              <a:ext cx="5187198" cy="6239661"/>
+            </a:xfrm>
+            <a:custGeom>
+              <a:avLst/>
+              <a:gdLst>
+                <a:gd name="connsiteX0" fmla="*/ 2011811 w 5187198"/>
+                <a:gd name="connsiteY0" fmla="*/ 4 h 6239661"/>
+                <a:gd name="connsiteX1" fmla="*/ 2617011 w 5187198"/>
+                <a:gd name="connsiteY1" fmla="*/ 70590 h 6239661"/>
+                <a:gd name="connsiteX2" fmla="*/ 2690321 w 5187198"/>
+                <a:gd name="connsiteY2" fmla="*/ 88146 h 6239661"/>
+                <a:gd name="connsiteX3" fmla="*/ 2726863 w 5187198"/>
+                <a:gd name="connsiteY3" fmla="*/ 97127 h 6239661"/>
+                <a:gd name="connsiteX4" fmla="*/ 2762951 w 5187198"/>
+                <a:gd name="connsiteY4" fmla="*/ 107375 h 6239661"/>
+                <a:gd name="connsiteX5" fmla="*/ 2834843 w 5187198"/>
+                <a:gd name="connsiteY5" fmla="*/ 128493 h 6239661"/>
+                <a:gd name="connsiteX6" fmla="*/ 2906574 w 5187198"/>
+                <a:gd name="connsiteY6" fmla="*/ 151076 h 6239661"/>
+                <a:gd name="connsiteX7" fmla="*/ 3049504 w 5187198"/>
+                <a:gd name="connsiteY7" fmla="*/ 202124 h 6239661"/>
+                <a:gd name="connsiteX8" fmla="*/ 3189518 w 5187198"/>
+                <a:gd name="connsiteY8" fmla="*/ 260159 h 6239661"/>
+                <a:gd name="connsiteX9" fmla="*/ 3326048 w 5187198"/>
+                <a:gd name="connsiteY9" fmla="*/ 325143 h 6239661"/>
+                <a:gd name="connsiteX10" fmla="*/ 3459166 w 5187198"/>
+                <a:gd name="connsiteY10" fmla="*/ 395936 h 6239661"/>
+                <a:gd name="connsiteX11" fmla="*/ 3588578 w 5187198"/>
+                <a:gd name="connsiteY11" fmla="*/ 472343 h 6239661"/>
+                <a:gd name="connsiteX12" fmla="*/ 3651864 w 5187198"/>
+                <a:gd name="connsiteY12" fmla="*/ 512600 h 6239661"/>
+                <a:gd name="connsiteX13" fmla="*/ 3714514 w 5187198"/>
+                <a:gd name="connsiteY13" fmla="*/ 553499 h 6239661"/>
+                <a:gd name="connsiteX14" fmla="*/ 4181221 w 5187198"/>
+                <a:gd name="connsiteY14" fmla="*/ 922912 h 6239661"/>
+                <a:gd name="connsiteX15" fmla="*/ 4582963 w 5187198"/>
+                <a:gd name="connsiteY15" fmla="*/ 1358264 h 6239661"/>
+                <a:gd name="connsiteX16" fmla="*/ 4670721 w 5187198"/>
+                <a:gd name="connsiteY16" fmla="*/ 1477644 h 6239661"/>
+                <a:gd name="connsiteX17" fmla="*/ 4752378 w 5187198"/>
+                <a:gd name="connsiteY17" fmla="*/ 1601187 h 6239661"/>
+                <a:gd name="connsiteX18" fmla="*/ 4772168 w 5187198"/>
+                <a:gd name="connsiteY18" fmla="*/ 1632456 h 6239661"/>
+                <a:gd name="connsiteX19" fmla="*/ 4782117 w 5187198"/>
+                <a:gd name="connsiteY19" fmla="*/ 1648104 h 6239661"/>
+                <a:gd name="connsiteX20" fmla="*/ 4791381 w 5187198"/>
+                <a:gd name="connsiteY20" fmla="*/ 1664150 h 6239661"/>
+                <a:gd name="connsiteX21" fmla="*/ 4828190 w 5187198"/>
+                <a:gd name="connsiteY21" fmla="*/ 1728379 h 6239661"/>
+                <a:gd name="connsiteX22" fmla="*/ 4864832 w 5187198"/>
+                <a:gd name="connsiteY22" fmla="*/ 1792796 h 6239661"/>
+                <a:gd name="connsiteX23" fmla="*/ 4899201 w 5187198"/>
+                <a:gd name="connsiteY23" fmla="*/ 1858342 h 6239661"/>
+                <a:gd name="connsiteX24" fmla="*/ 4933266 w 5187198"/>
+                <a:gd name="connsiteY24" fmla="*/ 1924155 h 6239661"/>
+                <a:gd name="connsiteX25" fmla="*/ 4964403 w 5187198"/>
+                <a:gd name="connsiteY25" fmla="*/ 1991384 h 6239661"/>
+                <a:gd name="connsiteX26" fmla="*/ 4995019 w 5187198"/>
+                <a:gd name="connsiteY26" fmla="*/ 2058823 h 6239661"/>
+                <a:gd name="connsiteX27" fmla="*/ 5021999 w 5187198"/>
+                <a:gd name="connsiteY27" fmla="*/ 2127723 h 6239661"/>
+                <a:gd name="connsiteX28" fmla="*/ 5048321 w 5187198"/>
+                <a:gd name="connsiteY28" fmla="*/ 2196908 h 6239661"/>
+                <a:gd name="connsiteX29" fmla="*/ 5070546 w 5187198"/>
+                <a:gd name="connsiteY29" fmla="*/ 2267547 h 6239661"/>
+                <a:gd name="connsiteX30" fmla="*/ 5092171 w 5187198"/>
+                <a:gd name="connsiteY30" fmla="*/ 2338256 h 6239661"/>
+                <a:gd name="connsiteX31" fmla="*/ 5110305 w 5187198"/>
+                <a:gd name="connsiteY31" fmla="*/ 2409886 h 6239661"/>
+                <a:gd name="connsiteX32" fmla="*/ 5186393 w 5187198"/>
+                <a:gd name="connsiteY32" fmla="*/ 2992022 h 6239661"/>
+                <a:gd name="connsiteX33" fmla="*/ 5149045 w 5187198"/>
+                <a:gd name="connsiteY33" fmla="*/ 3571816 h 6239661"/>
+                <a:gd name="connsiteX34" fmla="*/ 5126572 w 5187198"/>
+                <a:gd name="connsiteY34" fmla="*/ 3714520 h 6239661"/>
+                <a:gd name="connsiteX35" fmla="*/ 5099067 w 5187198"/>
+                <a:gd name="connsiteY35" fmla="*/ 3856108 h 6239661"/>
+                <a:gd name="connsiteX36" fmla="*/ 5095699 w 5187198"/>
+                <a:gd name="connsiteY36" fmla="*/ 3873868 h 6239661"/>
+                <a:gd name="connsiteX37" fmla="*/ 5091573 w 5187198"/>
+                <a:gd name="connsiteY37" fmla="*/ 3891426 h 6239661"/>
+                <a:gd name="connsiteX38" fmla="*/ 5083324 w 5187198"/>
+                <a:gd name="connsiteY38" fmla="*/ 3926541 h 6239661"/>
+                <a:gd name="connsiteX39" fmla="*/ 5067256 w 5187198"/>
+                <a:gd name="connsiteY39" fmla="*/ 3996889 h 6239661"/>
+                <a:gd name="connsiteX40" fmla="*/ 5059194 w 5187198"/>
+                <a:gd name="connsiteY40" fmla="*/ 4032171 h 6239661"/>
+                <a:gd name="connsiteX41" fmla="*/ 5049522 w 5187198"/>
+                <a:gd name="connsiteY41" fmla="*/ 4067833 h 6239661"/>
+                <a:gd name="connsiteX42" fmla="*/ 5040067 w 5187198"/>
+                <a:gd name="connsiteY42" fmla="*/ 4103553 h 6239661"/>
+                <a:gd name="connsiteX43" fmla="*/ 5028960 w 5187198"/>
+                <a:gd name="connsiteY43" fmla="*/ 4138946 h 6239661"/>
+                <a:gd name="connsiteX44" fmla="*/ 4917351 w 5187198"/>
+                <a:gd name="connsiteY44" fmla="*/ 4417041 h 6239661"/>
+                <a:gd name="connsiteX45" fmla="*/ 4756163 w 5187198"/>
+                <a:gd name="connsiteY45" fmla="*/ 4676402 h 6239661"/>
+                <a:gd name="connsiteX46" fmla="*/ 4322493 w 5187198"/>
+                <a:gd name="connsiteY46" fmla="*/ 5105604 h 6239661"/>
+                <a:gd name="connsiteX47" fmla="*/ 3840510 w 5187198"/>
+                <a:gd name="connsiteY47" fmla="*/ 5429590 h 6239661"/>
+                <a:gd name="connsiteX48" fmla="*/ 3606447 w 5187198"/>
+                <a:gd name="connsiteY48" fmla="*/ 5572862 h 6239661"/>
+                <a:gd name="connsiteX49" fmla="*/ 3488814 w 5187198"/>
+                <a:gd name="connsiteY49" fmla="*/ 5647178 h 6239661"/>
+                <a:gd name="connsiteX50" fmla="*/ 3365864 w 5187198"/>
+                <a:gd name="connsiteY50" fmla="*/ 5722735 h 6239661"/>
+                <a:gd name="connsiteX51" fmla="*/ 2839486 w 5187198"/>
+                <a:gd name="connsiteY51" fmla="*/ 5999120 h 6239661"/>
+                <a:gd name="connsiteX52" fmla="*/ 2242423 w 5187198"/>
+                <a:gd name="connsiteY52" fmla="*/ 6192346 h 6239661"/>
+                <a:gd name="connsiteX53" fmla="*/ 1589380 w 5187198"/>
+                <a:gd name="connsiteY53" fmla="*/ 6230657 h 6239661"/>
+                <a:gd name="connsiteX54" fmla="*/ 1548244 w 5187198"/>
+                <a:gd name="connsiteY54" fmla="*/ 6226706 h 6239661"/>
+                <a:gd name="connsiteX55" fmla="*/ 1507348 w 5187198"/>
+                <a:gd name="connsiteY55" fmla="*/ 6221428 h 6239661"/>
+                <a:gd name="connsiteX56" fmla="*/ 1466401 w 5187198"/>
+                <a:gd name="connsiteY56" fmla="*/ 6215904 h 6239661"/>
+                <a:gd name="connsiteX57" fmla="*/ 1425773 w 5187198"/>
+                <a:gd name="connsiteY57" fmla="*/ 6209191 h 6239661"/>
+                <a:gd name="connsiteX58" fmla="*/ 1344960 w 5187198"/>
+                <a:gd name="connsiteY58" fmla="*/ 6193681 h 6239661"/>
+                <a:gd name="connsiteX59" fmla="*/ 1265007 w 5187198"/>
+                <a:gd name="connsiteY59" fmla="*/ 6175388 h 6239661"/>
+                <a:gd name="connsiteX60" fmla="*/ 1225415 w 5187198"/>
+                <a:gd name="connsiteY60" fmla="*/ 6165243 h 6239661"/>
+                <a:gd name="connsiteX61" fmla="*/ 1186567 w 5187198"/>
+                <a:gd name="connsiteY61" fmla="*/ 6154486 h 6239661"/>
+                <a:gd name="connsiteX62" fmla="*/ 1111158 w 5187198"/>
+                <a:gd name="connsiteY62" fmla="*/ 6130918 h 6239661"/>
+                <a:gd name="connsiteX63" fmla="*/ 1035915 w 5187198"/>
+                <a:gd name="connsiteY63" fmla="*/ 6107163 h 6239661"/>
+                <a:gd name="connsiteX64" fmla="*/ 961579 w 5187198"/>
+                <a:gd name="connsiteY64" fmla="*/ 6079594 h 6239661"/>
+                <a:gd name="connsiteX65" fmla="*/ 395297 w 5187198"/>
+                <a:gd name="connsiteY65" fmla="*/ 5792812 h 6239661"/>
+                <a:gd name="connsiteX66" fmla="*/ 265239 w 5187198"/>
+                <a:gd name="connsiteY66" fmla="*/ 5701511 h 6239661"/>
+                <a:gd name="connsiteX67" fmla="*/ 233756 w 5187198"/>
+                <a:gd name="connsiteY67" fmla="*/ 5677542 h 6239661"/>
+                <a:gd name="connsiteX68" fmla="*/ 202800 w 5187198"/>
+                <a:gd name="connsiteY68" fmla="*/ 5652902 h 6239661"/>
+                <a:gd name="connsiteX69" fmla="*/ 140918 w 5187198"/>
+                <a:gd name="connsiteY69" fmla="*/ 5603515 h 6239661"/>
+                <a:gd name="connsiteX70" fmla="*/ 110625 w 5187198"/>
+                <a:gd name="connsiteY70" fmla="*/ 5578127 h 6239661"/>
+                <a:gd name="connsiteX71" fmla="*/ 95631 w 5187198"/>
+                <a:gd name="connsiteY71" fmla="*/ 5565299 h 6239661"/>
+                <a:gd name="connsiteX72" fmla="*/ 81966 w 5187198"/>
+                <a:gd name="connsiteY72" fmla="*/ 5550973 h 6239661"/>
+                <a:gd name="connsiteX73" fmla="*/ 27991 w 5187198"/>
+                <a:gd name="connsiteY73" fmla="*/ 5493272 h 6239661"/>
+                <a:gd name="connsiteX74" fmla="*/ 1454 w 5187198"/>
+                <a:gd name="connsiteY74" fmla="*/ 5464252 h 6239661"/>
+                <a:gd name="connsiteX75" fmla="*/ 0 w 5187198"/>
+                <a:gd name="connsiteY75" fmla="*/ 5462518 h 6239661"/>
+                <a:gd name="connsiteX76" fmla="*/ 0 w 5187198"/>
+                <a:gd name="connsiteY76" fmla="*/ 4720187 h 6239661"/>
+                <a:gd name="connsiteX77" fmla="*/ 109684 w 5187198"/>
+                <a:gd name="connsiteY77" fmla="*/ 4836724 h 6239661"/>
+                <a:gd name="connsiteX78" fmla="*/ 306959 w 5187198"/>
+                <a:gd name="connsiteY78" fmla="*/ 5007200 h 6239661"/>
+                <a:gd name="connsiteX79" fmla="*/ 358101 w 5187198"/>
+                <a:gd name="connsiteY79" fmla="*/ 5046057 h 6239661"/>
+                <a:gd name="connsiteX80" fmla="*/ 383328 w 5187198"/>
+                <a:gd name="connsiteY80" fmla="*/ 5065684 h 6239661"/>
+                <a:gd name="connsiteX81" fmla="*/ 409503 w 5187198"/>
+                <a:gd name="connsiteY81" fmla="*/ 5083942 h 6239661"/>
+                <a:gd name="connsiteX82" fmla="*/ 461889 w 5187198"/>
+                <a:gd name="connsiteY82" fmla="*/ 5119888 h 6239661"/>
+                <a:gd name="connsiteX83" fmla="*/ 474883 w 5187198"/>
+                <a:gd name="connsiteY83" fmla="*/ 5128933 h 6239661"/>
+                <a:gd name="connsiteX84" fmla="*/ 486410 w 5187198"/>
+                <a:gd name="connsiteY84" fmla="*/ 5139557 h 6239661"/>
+                <a:gd name="connsiteX85" fmla="*/ 510852 w 5187198"/>
+                <a:gd name="connsiteY85" fmla="*/ 5159089 h 6239661"/>
+                <a:gd name="connsiteX86" fmla="*/ 560653 w 5187198"/>
+                <a:gd name="connsiteY86" fmla="*/ 5196893 h 6239661"/>
+                <a:gd name="connsiteX87" fmla="*/ 585485 w 5187198"/>
+                <a:gd name="connsiteY87" fmla="*/ 5215834 h 6239661"/>
+                <a:gd name="connsiteX88" fmla="*/ 610707 w 5187198"/>
+                <a:gd name="connsiteY88" fmla="*/ 5234185 h 6239661"/>
+                <a:gd name="connsiteX89" fmla="*/ 714768 w 5187198"/>
+                <a:gd name="connsiteY89" fmla="*/ 5303103 h 6239661"/>
+                <a:gd name="connsiteX90" fmla="*/ 1166634 w 5187198"/>
+                <a:gd name="connsiteY90" fmla="*/ 5513322 h 6239661"/>
+                <a:gd name="connsiteX91" fmla="*/ 1225991 w 5187198"/>
+                <a:gd name="connsiteY91" fmla="*/ 5533632 h 6239661"/>
+                <a:gd name="connsiteX92" fmla="*/ 1286680 w 5187198"/>
+                <a:gd name="connsiteY92" fmla="*/ 5550705 h 6239661"/>
+                <a:gd name="connsiteX93" fmla="*/ 1347310 w 5187198"/>
+                <a:gd name="connsiteY93" fmla="*/ 5567995 h 6239661"/>
+                <a:gd name="connsiteX94" fmla="*/ 1377002 w 5187198"/>
+                <a:gd name="connsiteY94" fmla="*/ 5575719 h 6239661"/>
+                <a:gd name="connsiteX95" fmla="*/ 1406328 w 5187198"/>
+                <a:gd name="connsiteY95" fmla="*/ 5582649 h 6239661"/>
+                <a:gd name="connsiteX96" fmla="*/ 1465060 w 5187198"/>
+                <a:gd name="connsiteY96" fmla="*/ 5594909 h 6239661"/>
+                <a:gd name="connsiteX97" fmla="*/ 1523881 w 5187198"/>
+                <a:gd name="connsiteY97" fmla="*/ 5605105 h 6239661"/>
+                <a:gd name="connsiteX98" fmla="*/ 1553325 w 5187198"/>
+                <a:gd name="connsiteY98" fmla="*/ 5609865 h 6239661"/>
+                <a:gd name="connsiteX99" fmla="*/ 1582813 w 5187198"/>
+                <a:gd name="connsiteY99" fmla="*/ 5613593 h 6239661"/>
+                <a:gd name="connsiteX100" fmla="*/ 1612301 w 5187198"/>
+                <a:gd name="connsiteY100" fmla="*/ 5617321 h 6239661"/>
+                <a:gd name="connsiteX101" fmla="*/ 1641863 w 5187198"/>
+                <a:gd name="connsiteY101" fmla="*/ 5619910 h 6239661"/>
+                <a:gd name="connsiteX102" fmla="*/ 2117508 w 5187198"/>
+                <a:gd name="connsiteY102" fmla="*/ 5595156 h 6239661"/>
+                <a:gd name="connsiteX103" fmla="*/ 2597368 w 5187198"/>
+                <a:gd name="connsiteY103" fmla="*/ 5447381 h 6239661"/>
+                <a:gd name="connsiteX104" fmla="*/ 3082968 w 5187198"/>
+                <a:gd name="connsiteY104" fmla="*/ 5223245 h 6239661"/>
+                <a:gd name="connsiteX105" fmla="*/ 3334855 w 5187198"/>
+                <a:gd name="connsiteY105" fmla="*/ 5097383 h 6239661"/>
+                <a:gd name="connsiteX106" fmla="*/ 3599509 w 5187198"/>
+                <a:gd name="connsiteY106" fmla="*/ 4976217 h 6239661"/>
+                <a:gd name="connsiteX107" fmla="*/ 4112002 w 5187198"/>
+                <a:gd name="connsiteY107" fmla="*/ 4766359 h 6239661"/>
+                <a:gd name="connsiteX108" fmla="*/ 4348983 w 5187198"/>
+                <a:gd name="connsiteY108" fmla="*/ 4649833 h 6239661"/>
+                <a:gd name="connsiteX109" fmla="*/ 4560505 w 5187198"/>
+                <a:gd name="connsiteY109" fmla="*/ 4501564 h 6239661"/>
+                <a:gd name="connsiteX110" fmla="*/ 4731963 w 5187198"/>
+                <a:gd name="connsiteY110" fmla="*/ 4309870 h 6239661"/>
+                <a:gd name="connsiteX111" fmla="*/ 4852344 w 5187198"/>
+                <a:gd name="connsiteY111" fmla="*/ 4078640 h 6239661"/>
+                <a:gd name="connsiteX112" fmla="*/ 4863972 w 5187198"/>
+                <a:gd name="connsiteY112" fmla="*/ 4047790 h 6239661"/>
+                <a:gd name="connsiteX113" fmla="*/ 4874144 w 5187198"/>
+                <a:gd name="connsiteY113" fmla="*/ 4016320 h 6239661"/>
+                <a:gd name="connsiteX114" fmla="*/ 4884127 w 5187198"/>
+                <a:gd name="connsiteY114" fmla="*/ 3984682 h 6239661"/>
+                <a:gd name="connsiteX115" fmla="*/ 4892800 w 5187198"/>
+                <a:gd name="connsiteY115" fmla="*/ 3951883 h 6239661"/>
+                <a:gd name="connsiteX116" fmla="*/ 4909526 w 5187198"/>
+                <a:gd name="connsiteY116" fmla="*/ 3886001 h 6239661"/>
+                <a:gd name="connsiteX117" fmla="*/ 4917687 w 5187198"/>
+                <a:gd name="connsiteY117" fmla="*/ 3852948 h 6239661"/>
+                <a:gd name="connsiteX118" fmla="*/ 4921768 w 5187198"/>
+                <a:gd name="connsiteY118" fmla="*/ 3836422 h 6239661"/>
+                <a:gd name="connsiteX119" fmla="*/ 4924845 w 5187198"/>
+                <a:gd name="connsiteY119" fmla="*/ 3819742 h 6239661"/>
+                <a:gd name="connsiteX120" fmla="*/ 4948230 w 5187198"/>
+                <a:gd name="connsiteY120" fmla="*/ 3685744 h 6239661"/>
+                <a:gd name="connsiteX121" fmla="*/ 4962782 w 5187198"/>
+                <a:gd name="connsiteY121" fmla="*/ 3550540 h 6239661"/>
+                <a:gd name="connsiteX122" fmla="*/ 4939468 w 5187198"/>
+                <a:gd name="connsiteY122" fmla="*/ 3010249 h 6239661"/>
+                <a:gd name="connsiteX123" fmla="*/ 4816901 w 5187198"/>
+                <a:gd name="connsiteY123" fmla="*/ 2488224 h 6239661"/>
+                <a:gd name="connsiteX124" fmla="*/ 4797005 w 5187198"/>
+                <a:gd name="connsiteY124" fmla="*/ 2424470 h 6239661"/>
+                <a:gd name="connsiteX125" fmla="*/ 4774433 w 5187198"/>
+                <a:gd name="connsiteY125" fmla="*/ 2361620 h 6239661"/>
+                <a:gd name="connsiteX126" fmla="*/ 4752459 w 5187198"/>
+                <a:gd name="connsiteY126" fmla="*/ 2298700 h 6239661"/>
+                <a:gd name="connsiteX127" fmla="*/ 4728083 w 5187198"/>
+                <a:gd name="connsiteY127" fmla="*/ 2236526 h 6239661"/>
+                <a:gd name="connsiteX128" fmla="*/ 4704471 w 5187198"/>
+                <a:gd name="connsiteY128" fmla="*/ 2174095 h 6239661"/>
+                <a:gd name="connsiteX129" fmla="*/ 4678399 w 5187198"/>
+                <a:gd name="connsiteY129" fmla="*/ 2112626 h 6239661"/>
+                <a:gd name="connsiteX130" fmla="*/ 4652601 w 5187198"/>
+                <a:gd name="connsiteY130" fmla="*/ 2050999 h 6239661"/>
+                <a:gd name="connsiteX131" fmla="*/ 4624205 w 5187198"/>
+                <a:gd name="connsiteY131" fmla="*/ 1990415 h 6239661"/>
+                <a:gd name="connsiteX132" fmla="*/ 4595398 w 5187198"/>
+                <a:gd name="connsiteY132" fmla="*/ 1930069 h 6239661"/>
+                <a:gd name="connsiteX133" fmla="*/ 4563827 w 5187198"/>
+                <a:gd name="connsiteY133" fmla="*/ 1870952 h 6239661"/>
+                <a:gd name="connsiteX134" fmla="*/ 4531433 w 5187198"/>
+                <a:gd name="connsiteY134" fmla="*/ 1812311 h 6239661"/>
+                <a:gd name="connsiteX135" fmla="*/ 4523315 w 5187198"/>
+                <a:gd name="connsiteY135" fmla="*/ 1797616 h 6239661"/>
+                <a:gd name="connsiteX136" fmla="*/ 4514482 w 5187198"/>
+                <a:gd name="connsiteY136" fmla="*/ 1783425 h 6239661"/>
+                <a:gd name="connsiteX137" fmla="*/ 4496845 w 5187198"/>
+                <a:gd name="connsiteY137" fmla="*/ 1754936 h 6239661"/>
+                <a:gd name="connsiteX138" fmla="*/ 4461463 w 5187198"/>
+                <a:gd name="connsiteY138" fmla="*/ 1697929 h 6239661"/>
+                <a:gd name="connsiteX139" fmla="*/ 4452660 w 5187198"/>
+                <a:gd name="connsiteY139" fmla="*/ 1683629 h 6239661"/>
+                <a:gd name="connsiteX140" fmla="*/ 4443141 w 5187198"/>
+                <a:gd name="connsiteY140" fmla="*/ 1669834 h 6239661"/>
+                <a:gd name="connsiteX141" fmla="*/ 4424241 w 5187198"/>
+                <a:gd name="connsiteY141" fmla="*/ 1642166 h 6239661"/>
+                <a:gd name="connsiteX142" fmla="*/ 4346886 w 5187198"/>
+                <a:gd name="connsiteY142" fmla="*/ 1532412 h 6239661"/>
+                <a:gd name="connsiteX143" fmla="*/ 3985497 w 5187198"/>
+                <a:gd name="connsiteY143" fmla="*/ 1134649 h 6239661"/>
+                <a:gd name="connsiteX144" fmla="*/ 3545665 w 5187198"/>
+                <a:gd name="connsiteY144" fmla="*/ 825877 h 6239661"/>
+                <a:gd name="connsiteX145" fmla="*/ 3486190 w 5187198"/>
+                <a:gd name="connsiteY145" fmla="*/ 794756 h 6239661"/>
+                <a:gd name="connsiteX146" fmla="*/ 3426182 w 5187198"/>
+                <a:gd name="connsiteY146" fmla="*/ 764765 h 6239661"/>
+                <a:gd name="connsiteX147" fmla="*/ 3365044 w 5187198"/>
+                <a:gd name="connsiteY147" fmla="*/ 737255 h 6239661"/>
+                <a:gd name="connsiteX148" fmla="*/ 3334529 w 5187198"/>
+                <a:gd name="connsiteY148" fmla="*/ 723514 h 6239661"/>
+                <a:gd name="connsiteX149" fmla="*/ 3303733 w 5187198"/>
+                <a:gd name="connsiteY149" fmla="*/ 710395 h 6239661"/>
+                <a:gd name="connsiteX150" fmla="*/ 3179033 w 5187198"/>
+                <a:gd name="connsiteY150" fmla="*/ 662259 h 6239661"/>
+                <a:gd name="connsiteX151" fmla="*/ 3052408 w 5187198"/>
+                <a:gd name="connsiteY151" fmla="*/ 620447 h 6239661"/>
+                <a:gd name="connsiteX152" fmla="*/ 2924325 w 5187198"/>
+                <a:gd name="connsiteY152" fmla="*/ 584505 h 6239661"/>
+                <a:gd name="connsiteX153" fmla="*/ 2859667 w 5187198"/>
+                <a:gd name="connsiteY153" fmla="*/ 569266 h 6239661"/>
+                <a:gd name="connsiteX154" fmla="*/ 2795226 w 5187198"/>
+                <a:gd name="connsiteY154" fmla="*/ 554085 h 6239661"/>
+                <a:gd name="connsiteX155" fmla="*/ 2729702 w 5187198"/>
+                <a:gd name="connsiteY155" fmla="*/ 540354 h 6239661"/>
+                <a:gd name="connsiteX156" fmla="*/ 2663758 w 5187198"/>
+                <a:gd name="connsiteY156" fmla="*/ 527322 h 6239661"/>
+                <a:gd name="connsiteX157" fmla="*/ 2630927 w 5187198"/>
+                <a:gd name="connsiteY157" fmla="*/ 520495 h 6239661"/>
+                <a:gd name="connsiteX158" fmla="*/ 2597965 w 5187198"/>
+                <a:gd name="connsiteY158" fmla="*/ 515024 h 6239661"/>
+                <a:gd name="connsiteX159" fmla="*/ 2532205 w 5187198"/>
+                <a:gd name="connsiteY159" fmla="*/ 503895 h 6239661"/>
+                <a:gd name="connsiteX160" fmla="*/ 2010064 w 5187198"/>
+                <a:gd name="connsiteY160" fmla="*/ 452552 h 6239661"/>
+                <a:gd name="connsiteX161" fmla="*/ 1494552 w 5187198"/>
+                <a:gd name="connsiteY161" fmla="*/ 485055 h 6239661"/>
+                <a:gd name="connsiteX162" fmla="*/ 1366896 w 5187198"/>
+                <a:gd name="connsiteY162" fmla="*/ 509389 h 6239661"/>
+                <a:gd name="connsiteX163" fmla="*/ 1240175 w 5187198"/>
+                <a:gd name="connsiteY163" fmla="*/ 541045 h 6239661"/>
+                <a:gd name="connsiteX164" fmla="*/ 1177438 w 5187198"/>
+                <a:gd name="connsiteY164" fmla="*/ 560170 h 6239661"/>
+                <a:gd name="connsiteX165" fmla="*/ 1145987 w 5187198"/>
+                <a:gd name="connsiteY165" fmla="*/ 569826 h 6239661"/>
+                <a:gd name="connsiteX166" fmla="*/ 1130315 w 5187198"/>
+                <a:gd name="connsiteY166" fmla="*/ 574669 h 6239661"/>
+                <a:gd name="connsiteX167" fmla="*/ 1114873 w 5187198"/>
+                <a:gd name="connsiteY167" fmla="*/ 580384 h 6239661"/>
+                <a:gd name="connsiteX168" fmla="*/ 1052839 w 5187198"/>
+                <a:gd name="connsiteY168" fmla="*/ 602943 h 6239661"/>
+                <a:gd name="connsiteX169" fmla="*/ 991135 w 5187198"/>
+                <a:gd name="connsiteY169" fmla="*/ 626866 h 6239661"/>
+                <a:gd name="connsiteX170" fmla="*/ 930179 w 5187198"/>
+                <a:gd name="connsiteY170" fmla="*/ 653191 h 6239661"/>
+                <a:gd name="connsiteX171" fmla="*/ 869768 w 5187198"/>
+                <a:gd name="connsiteY171" fmla="*/ 680937 h 6239661"/>
+                <a:gd name="connsiteX172" fmla="*/ 810085 w 5187198"/>
+                <a:gd name="connsiteY172" fmla="*/ 710734 h 6239661"/>
+                <a:gd name="connsiteX173" fmla="*/ 751220 w 5187198"/>
+                <a:gd name="connsiteY173" fmla="*/ 741794 h 6239661"/>
+                <a:gd name="connsiteX174" fmla="*/ 532669 w 5187198"/>
+                <a:gd name="connsiteY174" fmla="*/ 881688 h 6239661"/>
+                <a:gd name="connsiteX175" fmla="*/ 354185 w 5187198"/>
+                <a:gd name="connsiteY175" fmla="*/ 1050286 h 6239661"/>
+                <a:gd name="connsiteX176" fmla="*/ 315980 w 5187198"/>
+                <a:gd name="connsiteY176" fmla="*/ 1098125 h 6239661"/>
+                <a:gd name="connsiteX177" fmla="*/ 280345 w 5187198"/>
+                <a:gd name="connsiteY177" fmla="*/ 1149782 h 6239661"/>
+                <a:gd name="connsiteX178" fmla="*/ 245890 w 5187198"/>
+                <a:gd name="connsiteY178" fmla="*/ 1203959 h 6239661"/>
+                <a:gd name="connsiteX179" fmla="*/ 212162 w 5187198"/>
+                <a:gd name="connsiteY179" fmla="*/ 1260184 h 6239661"/>
+                <a:gd name="connsiteX180" fmla="*/ 80716 w 5187198"/>
+                <a:gd name="connsiteY180" fmla="*/ 1502476 h 6239661"/>
+                <a:gd name="connsiteX181" fmla="*/ 0 w 5187198"/>
+                <a:gd name="connsiteY181" fmla="*/ 1648841 h 6239661"/>
+                <a:gd name="connsiteX182" fmla="*/ 0 w 5187198"/>
+                <a:gd name="connsiteY182" fmla="*/ 954863 h 6239661"/>
+                <a:gd name="connsiteX183" fmla="*/ 43491 w 5187198"/>
+                <a:gd name="connsiteY183" fmla="*/ 895513 h 6239661"/>
+                <a:gd name="connsiteX184" fmla="*/ 93923 w 5187198"/>
+                <a:gd name="connsiteY184" fmla="*/ 834489 h 6239661"/>
+                <a:gd name="connsiteX185" fmla="*/ 323465 w 5187198"/>
+                <a:gd name="connsiteY185" fmla="*/ 617671 h 6239661"/>
+                <a:gd name="connsiteX186" fmla="*/ 574777 w 5187198"/>
+                <a:gd name="connsiteY186" fmla="*/ 446794 h 6239661"/>
+                <a:gd name="connsiteX187" fmla="*/ 638943 w 5187198"/>
+                <a:gd name="connsiteY187" fmla="*/ 408925 h 6239661"/>
+                <a:gd name="connsiteX188" fmla="*/ 703505 w 5187198"/>
+                <a:gd name="connsiteY188" fmla="*/ 371742 h 6239661"/>
+                <a:gd name="connsiteX189" fmla="*/ 769262 w 5187198"/>
+                <a:gd name="connsiteY189" fmla="*/ 336154 h 6239661"/>
+                <a:gd name="connsiteX190" fmla="*/ 835552 w 5187198"/>
+                <a:gd name="connsiteY190" fmla="*/ 301173 h 6239661"/>
+                <a:gd name="connsiteX191" fmla="*/ 902979 w 5187198"/>
+                <a:gd name="connsiteY191" fmla="*/ 268004 h 6239661"/>
+                <a:gd name="connsiteX192" fmla="*/ 971127 w 5187198"/>
+                <a:gd name="connsiteY192" fmla="*/ 235607 h 6239661"/>
+                <a:gd name="connsiteX193" fmla="*/ 988238 w 5187198"/>
+                <a:gd name="connsiteY193" fmla="*/ 227556 h 6239661"/>
+                <a:gd name="connsiteX194" fmla="*/ 1005744 w 5187198"/>
+                <a:gd name="connsiteY194" fmla="*/ 220191 h 6239661"/>
+                <a:gd name="connsiteX195" fmla="*/ 1040729 w 5187198"/>
+                <a:gd name="connsiteY195" fmla="*/ 205569 h 6239661"/>
+                <a:gd name="connsiteX196" fmla="*/ 1110835 w 5187198"/>
+                <a:gd name="connsiteY196" fmla="*/ 176248 h 6239661"/>
+                <a:gd name="connsiteX197" fmla="*/ 1254256 w 5187198"/>
+                <a:gd name="connsiteY197" fmla="*/ 123796 h 6239661"/>
+                <a:gd name="connsiteX198" fmla="*/ 1401310 w 5187198"/>
+                <a:gd name="connsiteY198" fmla="*/ 79852 h 6239661"/>
+                <a:gd name="connsiteX199" fmla="*/ 2011811 w 5187198"/>
+                <a:gd name="connsiteY199" fmla="*/ 4 h 6239661"/>
+              </a:gdLst>
+              <a:ahLst/>
+              <a:cxnLst>
+                <a:cxn ang="0">
+                  <a:pos x="connsiteX0" y="connsiteY0"/>
+                </a:cxn>
+                <a:cxn ang="0">
+                  <a:pos x="connsiteX1" y="connsiteY1"/>
+                </a:cxn>
+                <a:cxn ang="0">
+                  <a:pos x="connsiteX2" y="connsiteY2"/>
+                </a:cxn>
+                <a:cxn ang="0">
+                  <a:pos x="connsiteX3" y="connsiteY3"/>
+                </a:cxn>
+                <a:cxn ang="0">
+                  <a:pos x="connsiteX4" y="connsiteY4"/>
+                </a:cxn>
+                <a:cxn ang="0">
+                  <a:pos x="connsiteX5" y="connsiteY5"/>
+                </a:cxn>
+                <a:cxn ang="0">
+                  <a:pos x="connsiteX6" y="connsiteY6"/>
+                </a:cxn>
+                <a:cxn ang="0">
+                  <a:pos x="connsiteX7" y="connsiteY7"/>
+                </a:cxn>
+                <a:cxn ang="0">
+                  <a:pos x="connsiteX8" y="connsiteY8"/>
+                </a:cxn>
+                <a:cxn ang="0">
+                  <a:pos x="connsiteX9" y="connsiteY9"/>
+                </a:cxn>
+                <a:cxn ang="0">
+                  <a:pos x="connsiteX10" y="connsiteY10"/>
+                </a:cxn>
+                <a:cxn ang="0">
+                  <a:pos x="connsiteX11" y="connsiteY11"/>
+                </a:cxn>
+                <a:cxn ang="0">
+                  <a:pos x="connsiteX12" y="connsiteY12"/>
+                </a:cxn>
+                <a:cxn ang="0">
+                  <a:pos x="connsiteX13" y="connsiteY13"/>
+                </a:cxn>
+                <a:cxn ang="0">
+                  <a:pos x="connsiteX14" y="connsiteY14"/>
+                </a:cxn>
+                <a:cxn ang="0">
+                  <a:pos x="connsiteX15" y="connsiteY15"/>
+                </a:cxn>
+                <a:cxn ang="0">
+                  <a:pos x="connsiteX16" y="connsiteY16"/>
+                </a:cxn>
+                <a:cxn ang="0">
+                  <a:pos x="connsiteX17" y="connsiteY17"/>
+                </a:cxn>
+                <a:cxn ang="0">
+                  <a:pos x="connsiteX18" y="connsiteY18"/>
+                </a:cxn>
+                <a:cxn ang="0">
+                  <a:pos x="connsiteX19" y="connsiteY19"/>
+                </a:cxn>
+                <a:cxn ang="0">
+                  <a:pos x="connsiteX20" y="connsiteY20"/>
+                </a:cxn>
+                <a:cxn ang="0">
+                  <a:pos x="connsiteX21" y="connsiteY21"/>
+                </a:cxn>
+                <a:cxn ang="0">
+                  <a:pos x="connsiteX22" y="connsiteY22"/>
+                </a:cxn>
+                <a:cxn ang="0">
+                  <a:pos x="connsiteX23" y="connsiteY23"/>
+                </a:cxn>
+                <a:cxn ang="0">
+                  <a:pos x="connsiteX24" y="connsiteY24"/>
+                </a:cxn>
+                <a:cxn ang="0">
+                  <a:pos x="connsiteX25" y="connsiteY25"/>
+                </a:cxn>
+                <a:cxn ang="0">
+                  <a:pos x="connsiteX26" y="connsiteY26"/>
+                </a:cxn>
+                <a:cxn ang="0">
+                  <a:pos x="connsiteX27" y="connsiteY27"/>
+                </a:cxn>
+                <a:cxn ang="0">
+                  <a:pos x="connsiteX28" y="connsiteY28"/>
+                </a:cxn>
+                <a:cxn ang="0">
+                  <a:pos x="connsiteX29" y="connsiteY29"/>
+                </a:cxn>
+                <a:cxn ang="0">
+                  <a:pos x="connsiteX30" y="connsiteY30"/>
+                </a:cxn>
+                <a:cxn ang="0">
+                  <a:pos x="connsiteX31" y="connsiteY31"/>
+                </a:cxn>
+                <a:cxn ang="0">
+                  <a:pos x="connsiteX32" y="connsiteY32"/>
+                </a:cxn>
+                <a:cxn ang="0">
+                  <a:pos x="connsiteX33" y="connsiteY33"/>
+                </a:cxn>
+                <a:cxn ang="0">
+                  <a:pos x="connsiteX34" y="connsiteY34"/>
+                </a:cxn>
+                <a:cxn ang="0">
+                  <a:pos x="connsiteX35" y="connsiteY35"/>
+                </a:cxn>
+                <a:cxn ang="0">
+                  <a:pos x="connsiteX36" y="connsiteY36"/>
+                </a:cxn>
+                <a:cxn ang="0">
+                  <a:pos x="connsiteX37" y="connsiteY37"/>
+                </a:cxn>
+                <a:cxn ang="0">
+                  <a:pos x="connsiteX38" y="connsiteY38"/>
+                </a:cxn>
+                <a:cxn ang="0">
+                  <a:pos x="connsiteX39" y="connsiteY39"/>
+                </a:cxn>
+                <a:cxn ang="0">
+                  <a:pos x="connsiteX40" y="connsiteY40"/>
+                </a:cxn>
+                <a:cxn ang="0">
+                  <a:pos x="connsiteX41" y="connsiteY41"/>
+                </a:cxn>
+                <a:cxn ang="0">
+                  <a:pos x="connsiteX42" y="connsiteY42"/>
+                </a:cxn>
+                <a:cxn ang="0">
+                  <a:pos x="connsiteX43" y="connsiteY43"/>
+                </a:cxn>
+                <a:cxn ang="0">
+                  <a:pos x="connsiteX44" y="connsiteY44"/>
+                </a:cxn>
+                <a:cxn ang="0">
+                  <a:pos x="connsiteX45" y="connsiteY45"/>
+                </a:cxn>
+                <a:cxn ang="0">
+                  <a:pos x="connsiteX46" y="connsiteY46"/>
+                </a:cxn>
+                <a:cxn ang="0">
+                  <a:pos x="connsiteX47" y="connsiteY47"/>
+                </a:cxn>
+                <a:cxn ang="0">
+                  <a:pos x="connsiteX48" y="connsiteY48"/>
+                </a:cxn>
+                <a:cxn ang="0">
+                  <a:pos x="connsiteX49" y="connsiteY49"/>
+                </a:cxn>
+                <a:cxn ang="0">
+                  <a:pos x="connsiteX50" y="connsiteY50"/>
+                </a:cxn>
+                <a:cxn ang="0">
+                  <a:pos x="connsiteX51" y="connsiteY51"/>
+                </a:cxn>
+                <a:cxn ang="0">
+                  <a:pos x="connsiteX52" y="connsiteY52"/>
+                </a:cxn>
+                <a:cxn ang="0">
+                  <a:pos x="connsiteX53" y="connsiteY53"/>
+                </a:cxn>
+                <a:cxn ang="0">
+                  <a:pos x="connsiteX54" y="connsiteY54"/>
+                </a:cxn>
+                <a:cxn ang="0">
+                  <a:pos x="connsiteX55" y="connsiteY55"/>
+                </a:cxn>
+                <a:cxn ang="0">
+                  <a:pos x="connsiteX56" y="connsiteY56"/>
+                </a:cxn>
+                <a:cxn ang="0">
+                  <a:pos x="connsiteX57" y="connsiteY57"/>
+                </a:cxn>
+                <a:cxn ang="0">
+                  <a:pos x="connsiteX58" y="connsiteY58"/>
+                </a:cxn>
+                <a:cxn ang="0">
+                  <a:pos x="connsiteX59" y="connsiteY59"/>
+                </a:cxn>
+                <a:cxn ang="0">
+                  <a:pos x="connsiteX60" y="connsiteY60"/>
+                </a:cxn>
+                <a:cxn ang="0">
+                  <a:pos x="connsiteX61" y="connsiteY61"/>
+                </a:cxn>
+                <a:cxn ang="0">
+                  <a:pos x="connsiteX62" y="connsiteY62"/>
+                </a:cxn>
+                <a:cxn ang="0">
+                  <a:pos x="connsiteX63" y="connsiteY63"/>
+                </a:cxn>
+                <a:cxn ang="0">
+                  <a:pos x="connsiteX64" y="connsiteY64"/>
+                </a:cxn>
+                <a:cxn ang="0">
+                  <a:pos x="connsiteX65" y="connsiteY65"/>
+                </a:cxn>
+                <a:cxn ang="0">
+                  <a:pos x="connsiteX66" y="connsiteY66"/>
+                </a:cxn>
+                <a:cxn ang="0">
+                  <a:pos x="connsiteX67" y="connsiteY67"/>
+                </a:cxn>
+                <a:cxn ang="0">
+                  <a:pos x="connsiteX68" y="connsiteY68"/>
+                </a:cxn>
+                <a:cxn ang="0">
+                  <a:pos x="connsiteX69" y="connsiteY69"/>
+                </a:cxn>
+                <a:cxn ang="0">
+                  <a:pos x="connsiteX70" y="connsiteY70"/>
+                </a:cxn>
+                <a:cxn ang="0">
+                  <a:pos x="connsiteX71" y="connsiteY71"/>
+                </a:cxn>
+                <a:cxn ang="0">
+                  <a:pos x="connsiteX72" y="connsiteY72"/>
+                </a:cxn>
+                <a:cxn ang="0">
+                  <a:pos x="connsiteX73" y="connsiteY73"/>
+                </a:cxn>
+                <a:cxn ang="0">
+                  <a:pos x="connsiteX74" y="connsiteY74"/>
+                </a:cxn>
+                <a:cxn ang="0">
+                  <a:pos x="connsiteX75" y="connsiteY75"/>
+                </a:cxn>
+                <a:cxn ang="0">
+                  <a:pos x="connsiteX76" y="connsiteY76"/>
+                </a:cxn>
+                <a:cxn ang="0">
+                  <a:pos x="connsiteX77" y="connsiteY77"/>
+                </a:cxn>
+                <a:cxn ang="0">
+                  <a:pos x="connsiteX78" y="connsiteY78"/>
+                </a:cxn>
+                <a:cxn ang="0">
+                  <a:pos x="connsiteX79" y="connsiteY79"/>
+                </a:cxn>
+                <a:cxn ang="0">
+                  <a:pos x="connsiteX80" y="connsiteY80"/>
+                </a:cxn>
+                <a:cxn ang="0">
+                  <a:pos x="connsiteX81" y="connsiteY81"/>
+                </a:cxn>
+                <a:cxn ang="0">
+                  <a:pos x="connsiteX82" y="connsiteY82"/>
+                </a:cxn>
+                <a:cxn ang="0">
+                  <a:pos x="connsiteX83" y="connsiteY83"/>
+                </a:cxn>
+                <a:cxn ang="0">
+                  <a:pos x="connsiteX84" y="connsiteY84"/>
+                </a:cxn>
+                <a:cxn ang="0">
+                  <a:pos x="connsiteX85" y="connsiteY85"/>
+                </a:cxn>
+                <a:cxn ang="0">
+                  <a:pos x="connsiteX86" y="connsiteY86"/>
+                </a:cxn>
+                <a:cxn ang="0">
+                  <a:pos x="connsiteX87" y="connsiteY87"/>
+                </a:cxn>
+                <a:cxn ang="0">
+                  <a:pos x="connsiteX88" y="connsiteY88"/>
+                </a:cxn>
+                <a:cxn ang="0">
+                  <a:pos x="connsiteX89" y="connsiteY89"/>
+                </a:cxn>
+                <a:cxn ang="0">
+                  <a:pos x="connsiteX90" y="connsiteY90"/>
+                </a:cxn>
+                <a:cxn ang="0">
+                  <a:pos x="connsiteX91" y="connsiteY91"/>
+                </a:cxn>
+                <a:cxn ang="0">
+                  <a:pos x="connsiteX92" y="connsiteY92"/>
+                </a:cxn>
+                <a:cxn ang="0">
+                  <a:pos x="connsiteX93" y="connsiteY93"/>
+                </a:cxn>
+                <a:cxn ang="0">
+                  <a:pos x="connsiteX94" y="connsiteY94"/>
+                </a:cxn>
+                <a:cxn ang="0">
+                  <a:pos x="connsiteX95" y="connsiteY95"/>
+                </a:cxn>
+                <a:cxn ang="0">
+                  <a:pos x="connsiteX96" y="connsiteY96"/>
+                </a:cxn>
+                <a:cxn ang="0">
+                  <a:pos x="connsiteX97" y="connsiteY97"/>
+                </a:cxn>
+                <a:cxn ang="0">
+                  <a:pos x="connsiteX98" y="connsiteY98"/>
+                </a:cxn>
+                <a:cxn ang="0">
+                  <a:pos x="connsiteX99" y="connsiteY99"/>
+                </a:cxn>
+                <a:cxn ang="0">
+                  <a:pos x="connsiteX100" y="connsiteY100"/>
+                </a:cxn>
+                <a:cxn ang="0">
+                  <a:pos x="connsiteX101" y="connsiteY101"/>
+                </a:cxn>
+                <a:cxn ang="0">
+                  <a:pos x="connsiteX102" y="connsiteY102"/>
+                </a:cxn>
+                <a:cxn ang="0">
+                  <a:pos x="connsiteX103" y="connsiteY103"/>
+                </a:cxn>
+                <a:cxn ang="0">
+                  <a:pos x="connsiteX104" y="connsiteY104"/>
+                </a:cxn>
+                <a:cxn ang="0">
+                  <a:pos x="connsiteX105" y="connsiteY105"/>
+                </a:cxn>
+                <a:cxn ang="0">
+                  <a:pos x="connsiteX106" y="connsiteY106"/>
+                </a:cxn>
+                <a:cxn ang="0">
+                  <a:pos x="connsiteX107" y="connsiteY107"/>
+                </a:cxn>
+                <a:cxn ang="0">
+                  <a:pos x="connsiteX108" y="connsiteY108"/>
+                </a:cxn>
+                <a:cxn ang="0">
+                  <a:pos x="connsiteX109" y="connsiteY109"/>
+                </a:cxn>
+                <a:cxn ang="0">
+                  <a:pos x="connsiteX110" y="connsiteY110"/>
+                </a:cxn>
+                <a:cxn ang="0">
+                  <a:pos x="connsiteX111" y="connsiteY111"/>
+                </a:cxn>
+                <a:cxn ang="0">
+                  <a:pos x="connsiteX112" y="connsiteY112"/>
+                </a:cxn>
+                <a:cxn ang="0">
+                  <a:pos x="connsiteX113" y="connsiteY113"/>
+                </a:cxn>
+                <a:cxn ang="0">
+                  <a:pos x="connsiteX114" y="connsiteY114"/>
+                </a:cxn>
+                <a:cxn ang="0">
+                  <a:pos x="connsiteX115" y="connsiteY115"/>
+                </a:cxn>
+                <a:cxn ang="0">
+                  <a:pos x="connsiteX116" y="connsiteY116"/>
+                </a:cxn>
+                <a:cxn ang="0">
+                  <a:pos x="connsiteX117" y="connsiteY117"/>
+                </a:cxn>
+                <a:cxn ang="0">
+                  <a:pos x="connsiteX118" y="connsiteY118"/>
+                </a:cxn>
+                <a:cxn ang="0">
+                  <a:pos x="connsiteX119" y="connsiteY119"/>
+                </a:cxn>
+                <a:cxn ang="0">
+                  <a:pos x="connsiteX120" y="connsiteY120"/>
+                </a:cxn>
+                <a:cxn ang="0">
+                  <a:pos x="connsiteX121" y="connsiteY121"/>
+                </a:cxn>
+                <a:cxn ang="0">
+                  <a:pos x="connsiteX122" y="connsiteY122"/>
+                </a:cxn>
+                <a:cxn ang="0">
+                  <a:pos x="connsiteX123" y="connsiteY123"/>
+                </a:cxn>
+                <a:cxn ang="0">
+                  <a:pos x="connsiteX124" y="connsiteY124"/>
+                </a:cxn>
+                <a:cxn ang="0">
+                  <a:pos x="connsiteX125" y="connsiteY125"/>
+                </a:cxn>
+                <a:cxn ang="0">
+                  <a:pos x="connsiteX126" y="connsiteY126"/>
+                </a:cxn>
+                <a:cxn ang="0">
+                  <a:pos x="connsiteX127" y="connsiteY127"/>
+                </a:cxn>
+                <a:cxn ang="0">
+                  <a:pos x="connsiteX128" y="connsiteY128"/>
+                </a:cxn>
+                <a:cxn ang="0">
+                  <a:pos x="connsiteX129" y="connsiteY129"/>
+                </a:cxn>
+                <a:cxn ang="0">
+                  <a:pos x="connsiteX130" y="connsiteY130"/>
+                </a:cxn>
+                <a:cxn ang="0">
+                  <a:pos x="connsiteX131" y="connsiteY131"/>
+                </a:cxn>
+                <a:cxn ang="0">
+                  <a:pos x="connsiteX132" y="connsiteY132"/>
+                </a:cxn>
+                <a:cxn ang="0">
+                  <a:pos x="connsiteX133" y="connsiteY133"/>
+                </a:cxn>
+                <a:cxn ang="0">
+                  <a:pos x="connsiteX134" y="connsiteY134"/>
+                </a:cxn>
+                <a:cxn ang="0">
+                  <a:pos x="connsiteX135" y="connsiteY135"/>
+                </a:cxn>
+                <a:cxn ang="0">
+                  <a:pos x="connsiteX136" y="connsiteY136"/>
+                </a:cxn>
+                <a:cxn ang="0">
+                  <a:pos x="connsiteX137" y="connsiteY137"/>
+                </a:cxn>
+                <a:cxn ang="0">
+                  <a:pos x="connsiteX138" y="connsiteY138"/>
+                </a:cxn>
+                <a:cxn ang="0">
+                  <a:pos x="connsiteX139" y="connsiteY139"/>
+                </a:cxn>
+                <a:cxn ang="0">
+                  <a:pos x="connsiteX140" y="connsiteY140"/>
+                </a:cxn>
+                <a:cxn ang="0">
+                  <a:pos x="connsiteX141" y="connsiteY141"/>
+                </a:cxn>
+                <a:cxn ang="0">
+                  <a:pos x="connsiteX142" y="connsiteY142"/>
+                </a:cxn>
+                <a:cxn ang="0">
+                  <a:pos x="connsiteX143" y="connsiteY143"/>
+                </a:cxn>
+                <a:cxn ang="0">
+                  <a:pos x="connsiteX144" y="connsiteY144"/>
+                </a:cxn>
+                <a:cxn ang="0">
+                  <a:pos x="connsiteX145" y="connsiteY145"/>
+                </a:cxn>
+                <a:cxn ang="0">
+                  <a:pos x="connsiteX146" y="connsiteY146"/>
+                </a:cxn>
+                <a:cxn ang="0">
+                  <a:pos x="connsiteX147" y="connsiteY147"/>
+                </a:cxn>
+                <a:cxn ang="0">
+                  <a:pos x="connsiteX148" y="connsiteY148"/>
+                </a:cxn>
+                <a:cxn ang="0">
+                  <a:pos x="connsiteX149" y="connsiteY149"/>
+                </a:cxn>
+                <a:cxn ang="0">
+                  <a:pos x="connsiteX150" y="connsiteY150"/>
+                </a:cxn>
+                <a:cxn ang="0">
+                  <a:pos x="connsiteX151" y="connsiteY151"/>
+                </a:cxn>
+                <a:cxn ang="0">
+                  <a:pos x="connsiteX152" y="connsiteY152"/>
+                </a:cxn>
+                <a:cxn ang="0">
+                  <a:pos x="connsiteX153" y="connsiteY153"/>
+                </a:cxn>
+                <a:cxn ang="0">
+                  <a:pos x="connsiteX154" y="connsiteY154"/>
+                </a:cxn>
+                <a:cxn ang="0">
+                  <a:pos x="connsiteX155" y="connsiteY155"/>
+                </a:cxn>
+                <a:cxn ang="0">
+                  <a:pos x="connsiteX156" y="connsiteY156"/>
+                </a:cxn>
+                <a:cxn ang="0">
+                  <a:pos x="connsiteX157" y="connsiteY157"/>
+                </a:cxn>
+                <a:cxn ang="0">
+                  <a:pos x="connsiteX158" y="connsiteY158"/>
+                </a:cxn>
+                <a:cxn ang="0">
+                  <a:pos x="connsiteX159" y="connsiteY159"/>
+                </a:cxn>
+                <a:cxn ang="0">
+                  <a:pos x="connsiteX160" y="connsiteY160"/>
+                </a:cxn>
+                <a:cxn ang="0">
+                  <a:pos x="connsiteX161" y="connsiteY161"/>
+                </a:cxn>
+                <a:cxn ang="0">
+                  <a:pos x="connsiteX162" y="connsiteY162"/>
+                </a:cxn>
+                <a:cxn ang="0">
+                  <a:pos x="connsiteX163" y="connsiteY163"/>
+                </a:cxn>
+                <a:cxn ang="0">
+                  <a:pos x="connsiteX164" y="connsiteY164"/>
+                </a:cxn>
+                <a:cxn ang="0">
+                  <a:pos x="connsiteX165" y="connsiteY165"/>
+                </a:cxn>
+                <a:cxn ang="0">
+                  <a:pos x="connsiteX166" y="connsiteY166"/>
+                </a:cxn>
+                <a:cxn ang="0">
+                  <a:pos x="connsiteX167" y="connsiteY167"/>
+                </a:cxn>
+                <a:cxn ang="0">
+                  <a:pos x="connsiteX168" y="connsiteY168"/>
+                </a:cxn>
+                <a:cxn ang="0">
+                  <a:pos x="connsiteX169" y="connsiteY169"/>
+                </a:cxn>
+                <a:cxn ang="0">
+                  <a:pos x="connsiteX170" y="connsiteY170"/>
+                </a:cxn>
+                <a:cxn ang="0">
+                  <a:pos x="connsiteX171" y="connsiteY171"/>
+                </a:cxn>
+                <a:cxn ang="0">
+                  <a:pos x="connsiteX172" y="connsiteY172"/>
+                </a:cxn>
+                <a:cxn ang="0">
+                  <a:pos x="connsiteX173" y="connsiteY173"/>
+                </a:cxn>
+                <a:cxn ang="0">
+                  <a:pos x="connsiteX174" y="connsiteY174"/>
+                </a:cxn>
+                <a:cxn ang="0">
+                  <a:pos x="connsiteX175" y="connsiteY175"/>
+                </a:cxn>
+                <a:cxn ang="0">
+                  <a:pos x="connsiteX176" y="connsiteY176"/>
+                </a:cxn>
+                <a:cxn ang="0">
+                  <a:pos x="connsiteX177" y="connsiteY177"/>
+                </a:cxn>
+                <a:cxn ang="0">
+                  <a:pos x="connsiteX178" y="connsiteY178"/>
+                </a:cxn>
+                <a:cxn ang="0">
+                  <a:pos x="connsiteX179" y="connsiteY179"/>
+                </a:cxn>
+                <a:cxn ang="0">
+                  <a:pos x="connsiteX180" y="connsiteY180"/>
+                </a:cxn>
+                <a:cxn ang="0">
+                  <a:pos x="connsiteX181" y="connsiteY181"/>
+                </a:cxn>
+                <a:cxn ang="0">
+                  <a:pos x="connsiteX182" y="connsiteY182"/>
+                </a:cxn>
+                <a:cxn ang="0">
+                  <a:pos x="connsiteX183" y="connsiteY183"/>
+                </a:cxn>
+                <a:cxn ang="0">
+                  <a:pos x="connsiteX184" y="connsiteY184"/>
+                </a:cxn>
+                <a:cxn ang="0">
+                  <a:pos x="connsiteX185" y="connsiteY185"/>
+                </a:cxn>
+                <a:cxn ang="0">
+                  <a:pos x="connsiteX186" y="connsiteY186"/>
+                </a:cxn>
+                <a:cxn ang="0">
+                  <a:pos x="connsiteX187" y="connsiteY187"/>
+                </a:cxn>
+                <a:cxn ang="0">
+                  <a:pos x="connsiteX188" y="connsiteY188"/>
+                </a:cxn>
+                <a:cxn ang="0">
+                  <a:pos x="connsiteX189" y="connsiteY189"/>
+                </a:cxn>
+                <a:cxn ang="0">
+                  <a:pos x="connsiteX190" y="connsiteY190"/>
+                </a:cxn>
+                <a:cxn ang="0">
+                  <a:pos x="connsiteX191" y="connsiteY191"/>
+                </a:cxn>
+                <a:cxn ang="0">
+                  <a:pos x="connsiteX192" y="connsiteY192"/>
+                </a:cxn>
+                <a:cxn ang="0">
+                  <a:pos x="connsiteX193" y="connsiteY193"/>
+                </a:cxn>
+                <a:cxn ang="0">
+                  <a:pos x="connsiteX194" y="connsiteY194"/>
+                </a:cxn>
+                <a:cxn ang="0">
+                  <a:pos x="connsiteX195" y="connsiteY195"/>
+                </a:cxn>
+                <a:cxn ang="0">
+                  <a:pos x="connsiteX196" y="connsiteY196"/>
+                </a:cxn>
+                <a:cxn ang="0">
+                  <a:pos x="connsiteX197" y="connsiteY197"/>
+                </a:cxn>
+                <a:cxn ang="0">
+                  <a:pos x="connsiteX198" y="connsiteY198"/>
+                </a:cxn>
+                <a:cxn ang="0">
+                  <a:pos x="connsiteX199" y="connsiteY199"/>
+                </a:cxn>
+              </a:cxnLst>
+              <a:rect l="l" t="t" r="r" b="b"/>
+              <a:pathLst>
+                <a:path w="5187198" h="6239661">
+                  <a:moveTo>
+                    <a:pt x="2011811" y="4"/>
+                  </a:moveTo>
+                  <a:cubicBezTo>
+                    <a:pt x="2217306" y="120"/>
+                    <a:pt x="2420903" y="25925"/>
+                    <a:pt x="2617011" y="70590"/>
+                  </a:cubicBezTo>
+                  <a:lnTo>
+                    <a:pt x="2690321" y="88146"/>
+                  </a:lnTo>
+                  <a:lnTo>
+                    <a:pt x="2726863" y="97127"/>
+                  </a:lnTo>
+                  <a:lnTo>
+                    <a:pt x="2762951" y="107375"/>
+                  </a:lnTo>
+                  <a:lnTo>
+                    <a:pt x="2834843" y="128493"/>
+                  </a:lnTo>
+                  <a:cubicBezTo>
+                    <a:pt x="2858788" y="135605"/>
+                    <a:pt x="2882632" y="142226"/>
+                    <a:pt x="2906574" y="151076"/>
+                  </a:cubicBezTo>
+                  <a:cubicBezTo>
+                    <a:pt x="2954475" y="167852"/>
+                    <a:pt x="3002363" y="183813"/>
+                    <a:pt x="3049504" y="202124"/>
+                  </a:cubicBezTo>
+                  <a:lnTo>
+                    <a:pt x="3189518" y="260159"/>
+                  </a:lnTo>
+                  <a:lnTo>
+                    <a:pt x="3326048" y="325143"/>
+                  </a:lnTo>
+                  <a:cubicBezTo>
+                    <a:pt x="3370687" y="348464"/>
+                    <a:pt x="3414908" y="372485"/>
+                    <a:pt x="3459166" y="395936"/>
+                  </a:cubicBezTo>
+                  <a:cubicBezTo>
+                    <a:pt x="3502947" y="420302"/>
+                    <a:pt x="3545491" y="447118"/>
+                    <a:pt x="3588578" y="472343"/>
+                  </a:cubicBezTo>
+                  <a:cubicBezTo>
+                    <a:pt x="3610346" y="484551"/>
+                    <a:pt x="3630797" y="499072"/>
+                    <a:pt x="3651864" y="512600"/>
+                  </a:cubicBezTo>
+                  <a:lnTo>
+                    <a:pt x="3714514" y="553499"/>
+                  </a:lnTo>
+                  <a:cubicBezTo>
+                    <a:pt x="3880005" y="664844"/>
+                    <a:pt x="4036083" y="788388"/>
+                    <a:pt x="4181221" y="922912"/>
+                  </a:cubicBezTo>
+                  <a:cubicBezTo>
+                    <a:pt x="4326221" y="1057515"/>
+                    <a:pt x="4461955" y="1202038"/>
+                    <a:pt x="4582963" y="1358264"/>
+                  </a:cubicBezTo>
+                  <a:cubicBezTo>
+                    <a:pt x="4614206" y="1396543"/>
+                    <a:pt x="4642091" y="1437400"/>
+                    <a:pt x="4670721" y="1477644"/>
+                  </a:cubicBezTo>
+                  <a:cubicBezTo>
+                    <a:pt x="4700172" y="1517414"/>
+                    <a:pt x="4725864" y="1559538"/>
+                    <a:pt x="4752378" y="1601187"/>
+                  </a:cubicBezTo>
+                  <a:lnTo>
+                    <a:pt x="4772168" y="1632456"/>
+                  </a:lnTo>
+                  <a:lnTo>
+                    <a:pt x="4782117" y="1648104"/>
+                  </a:lnTo>
+                  <a:lnTo>
+                    <a:pt x="4791381" y="1664150"/>
+                  </a:lnTo>
+                  <a:lnTo>
+                    <a:pt x="4828190" y="1728379"/>
+                  </a:lnTo>
+                  <a:cubicBezTo>
+                    <a:pt x="4840266" y="1749930"/>
+                    <a:pt x="4853470" y="1770740"/>
+                    <a:pt x="4864832" y="1792796"/>
+                  </a:cubicBezTo>
+                  <a:lnTo>
+                    <a:pt x="4899201" y="1858342"/>
+                  </a:lnTo>
+                  <a:cubicBezTo>
+                    <a:pt x="4910484" y="1880260"/>
+                    <a:pt x="4922532" y="1901920"/>
+                    <a:pt x="4933266" y="1924155"/>
+                  </a:cubicBezTo>
+                  <a:lnTo>
+                    <a:pt x="4964403" y="1991384"/>
+                  </a:lnTo>
+                  <a:cubicBezTo>
+                    <a:pt x="4974618" y="2013829"/>
+                    <a:pt x="4985323" y="2036171"/>
+                    <a:pt x="4995019" y="2058823"/>
+                  </a:cubicBezTo>
+                  <a:lnTo>
+                    <a:pt x="5021999" y="2127723"/>
+                  </a:lnTo>
+                  <a:lnTo>
+                    <a:pt x="5048321" y="2196908"/>
+                  </a:lnTo>
+                  <a:lnTo>
+                    <a:pt x="5070546" y="2267547"/>
+                  </a:lnTo>
+                  <a:cubicBezTo>
+                    <a:pt x="5078054" y="2291004"/>
+                    <a:pt x="5085044" y="2314670"/>
+                    <a:pt x="5092171" y="2338256"/>
+                  </a:cubicBezTo>
+                  <a:cubicBezTo>
+                    <a:pt x="5098670" y="2362023"/>
+                    <a:pt x="5104296" y="2386019"/>
+                    <a:pt x="5110305" y="2409886"/>
+                  </a:cubicBezTo>
+                  <a:cubicBezTo>
+                    <a:pt x="5158097" y="2600976"/>
+                    <a:pt x="5182068" y="2797044"/>
+                    <a:pt x="5186393" y="2992022"/>
+                  </a:cubicBezTo>
+                  <a:cubicBezTo>
+                    <a:pt x="5191013" y="3187195"/>
+                    <a:pt x="5175397" y="3380886"/>
+                    <a:pt x="5149045" y="3571816"/>
+                  </a:cubicBezTo>
+                  <a:cubicBezTo>
+                    <a:pt x="5141154" y="3619431"/>
+                    <a:pt x="5133539" y="3666889"/>
+                    <a:pt x="5126572" y="3714520"/>
+                  </a:cubicBezTo>
+                  <a:cubicBezTo>
+                    <a:pt x="5117276" y="3761759"/>
+                    <a:pt x="5107793" y="3808831"/>
+                    <a:pt x="5099067" y="3856108"/>
+                  </a:cubicBezTo>
+                  <a:lnTo>
+                    <a:pt x="5095699" y="3873868"/>
+                  </a:lnTo>
+                  <a:lnTo>
+                    <a:pt x="5091573" y="3891426"/>
+                  </a:lnTo>
+                  <a:lnTo>
+                    <a:pt x="5083324" y="3926541"/>
+                  </a:lnTo>
+                  <a:lnTo>
+                    <a:pt x="5067256" y="3996889"/>
+                  </a:lnTo>
+                  <a:cubicBezTo>
+                    <a:pt x="5064451" y="4008657"/>
+                    <a:pt x="5062244" y="4020353"/>
+                    <a:pt x="5059194" y="4032171"/>
+                  </a:cubicBezTo>
+                  <a:lnTo>
+                    <a:pt x="5049522" y="4067833"/>
+                  </a:lnTo>
+                  <a:lnTo>
+                    <a:pt x="5040067" y="4103553"/>
+                  </a:lnTo>
+                  <a:cubicBezTo>
+                    <a:pt x="5036554" y="4115363"/>
+                    <a:pt x="5032689" y="4127194"/>
+                    <a:pt x="5028960" y="4138946"/>
+                  </a:cubicBezTo>
+                  <a:cubicBezTo>
+                    <a:pt x="4999693" y="4233462"/>
+                    <a:pt x="4962869" y="4326764"/>
+                    <a:pt x="4917351" y="4417041"/>
+                  </a:cubicBezTo>
+                  <a:cubicBezTo>
+                    <a:pt x="4871860" y="4507209"/>
+                    <a:pt x="4817597" y="4594215"/>
+                    <a:pt x="4756163" y="4676402"/>
+                  </a:cubicBezTo>
+                  <a:cubicBezTo>
+                    <a:pt x="4632803" y="4840875"/>
+                    <a:pt x="4480597" y="4982783"/>
+                    <a:pt x="4322493" y="5105604"/>
+                  </a:cubicBezTo>
+                  <a:cubicBezTo>
+                    <a:pt x="4163928" y="5228420"/>
+                    <a:pt x="3999564" y="5332640"/>
+                    <a:pt x="3840510" y="5429590"/>
+                  </a:cubicBezTo>
+                  <a:cubicBezTo>
+                    <a:pt x="3760954" y="5478172"/>
+                    <a:pt x="3682353" y="5524924"/>
+                    <a:pt x="3606447" y="5572862"/>
+                  </a:cubicBezTo>
+                  <a:lnTo>
+                    <a:pt x="3488814" y="5647178"/>
+                  </a:lnTo>
+                  <a:cubicBezTo>
+                    <a:pt x="3448270" y="5672597"/>
+                    <a:pt x="3407323" y="5697792"/>
+                    <a:pt x="3365864" y="5722735"/>
+                  </a:cubicBezTo>
+                  <a:cubicBezTo>
+                    <a:pt x="3200163" y="5822424"/>
+                    <a:pt x="3026125" y="5917328"/>
+                    <a:pt x="2839486" y="5999120"/>
+                  </a:cubicBezTo>
+                  <a:cubicBezTo>
+                    <a:pt x="2653201" y="6080891"/>
+                    <a:pt x="2453560" y="6149344"/>
+                    <a:pt x="2242423" y="6192346"/>
+                  </a:cubicBezTo>
+                  <a:cubicBezTo>
+                    <a:pt x="2031719" y="6235463"/>
+                    <a:pt x="1808952" y="6251353"/>
+                    <a:pt x="1589380" y="6230657"/>
+                  </a:cubicBezTo>
+                  <a:lnTo>
+                    <a:pt x="1548244" y="6226706"/>
+                  </a:lnTo>
+                  <a:cubicBezTo>
+                    <a:pt x="1534528" y="6225117"/>
+                    <a:pt x="1520898" y="6223203"/>
+                    <a:pt x="1507348" y="6221428"/>
+                  </a:cubicBezTo>
+                  <a:lnTo>
+                    <a:pt x="1466401" y="6215904"/>
+                  </a:lnTo>
+                  <a:cubicBezTo>
+                    <a:pt x="1452772" y="6213991"/>
+                    <a:pt x="1439316" y="6211428"/>
+                    <a:pt x="1425773" y="6209191"/>
+                  </a:cubicBezTo>
+                  <a:cubicBezTo>
+                    <a:pt x="1398775" y="6204391"/>
+                    <a:pt x="1371610" y="6199779"/>
+                    <a:pt x="1344960" y="6193681"/>
+                  </a:cubicBezTo>
+                  <a:cubicBezTo>
+                    <a:pt x="1318251" y="6187799"/>
+                    <a:pt x="1291260" y="6182538"/>
+                    <a:pt x="1265007" y="6175388"/>
+                  </a:cubicBezTo>
+                  <a:lnTo>
+                    <a:pt x="1225415" y="6165243"/>
+                  </a:lnTo>
+                  <a:cubicBezTo>
+                    <a:pt x="1212163" y="6161924"/>
+                    <a:pt x="1198939" y="6158496"/>
+                    <a:pt x="1186567" y="6154486"/>
+                  </a:cubicBezTo>
+                  <a:lnTo>
+                    <a:pt x="1111158" y="6130918"/>
+                  </a:lnTo>
+                  <a:lnTo>
+                    <a:pt x="1035915" y="6107163"/>
+                  </a:lnTo>
+                  <a:cubicBezTo>
+                    <a:pt x="1010846" y="6099055"/>
+                    <a:pt x="986357" y="6088784"/>
+                    <a:pt x="961579" y="6079594"/>
+                  </a:cubicBezTo>
+                  <a:cubicBezTo>
+                    <a:pt x="763709" y="6005594"/>
+                    <a:pt x="572401" y="5909703"/>
+                    <a:pt x="395297" y="5792812"/>
+                  </a:cubicBezTo>
+                  <a:lnTo>
+                    <a:pt x="265239" y="5701511"/>
+                  </a:lnTo>
+                  <a:cubicBezTo>
+                    <a:pt x="254227" y="5694155"/>
+                    <a:pt x="244103" y="5685646"/>
+                    <a:pt x="233756" y="5677542"/>
+                  </a:cubicBezTo>
+                  <a:lnTo>
+                    <a:pt x="202800" y="5652902"/>
+                  </a:lnTo>
+                  <a:lnTo>
+                    <a:pt x="140918" y="5603515"/>
+                  </a:lnTo>
+                  <a:cubicBezTo>
+                    <a:pt x="130598" y="5595302"/>
+                    <a:pt x="120280" y="5587089"/>
+                    <a:pt x="110625" y="5578127"/>
+                  </a:cubicBezTo>
+                  <a:cubicBezTo>
+                    <a:pt x="105647" y="5573779"/>
+                    <a:pt x="100444" y="5569834"/>
+                    <a:pt x="95631" y="5565299"/>
+                  </a:cubicBezTo>
+                  <a:cubicBezTo>
+                    <a:pt x="90955" y="5560684"/>
+                    <a:pt x="86505" y="5555666"/>
+                    <a:pt x="81966" y="5550973"/>
+                  </a:cubicBezTo>
+                  <a:lnTo>
+                    <a:pt x="27991" y="5493272"/>
+                  </a:lnTo>
+                  <a:cubicBezTo>
+                    <a:pt x="19109" y="5483589"/>
+                    <a:pt x="9758" y="5474359"/>
+                    <a:pt x="1454" y="5464252"/>
+                  </a:cubicBezTo>
+                  <a:lnTo>
+                    <a:pt x="0" y="5462518"/>
+                  </a:lnTo>
+                  <a:lnTo>
+                    <a:pt x="0" y="4720187"/>
+                  </a:lnTo>
+                  <a:lnTo>
+                    <a:pt x="109684" y="4836724"/>
+                  </a:lnTo>
+                  <a:cubicBezTo>
+                    <a:pt x="173316" y="4897375"/>
+                    <a:pt x="239447" y="4954160"/>
+                    <a:pt x="306959" y="5007200"/>
+                  </a:cubicBezTo>
+                  <a:lnTo>
+                    <a:pt x="358101" y="5046057"/>
+                  </a:lnTo>
+                  <a:lnTo>
+                    <a:pt x="383328" y="5065684"/>
+                  </a:lnTo>
+                  <a:cubicBezTo>
+                    <a:pt x="391637" y="5072316"/>
+                    <a:pt x="400805" y="5077902"/>
+                    <a:pt x="409503" y="5083942"/>
+                  </a:cubicBezTo>
+                  <a:lnTo>
+                    <a:pt x="461889" y="5119888"/>
+                  </a:lnTo>
+                  <a:cubicBezTo>
+                    <a:pt x="466184" y="5122893"/>
+                    <a:pt x="470616" y="5125820"/>
+                    <a:pt x="474883" y="5128933"/>
+                  </a:cubicBezTo>
+                  <a:cubicBezTo>
+                    <a:pt x="478982" y="5132235"/>
+                    <a:pt x="482476" y="5136069"/>
+                    <a:pt x="486410" y="5139557"/>
+                  </a:cubicBezTo>
+                  <a:cubicBezTo>
+                    <a:pt x="494140" y="5146613"/>
+                    <a:pt x="502565" y="5152812"/>
+                    <a:pt x="510852" y="5159089"/>
+                  </a:cubicBezTo>
+                  <a:lnTo>
+                    <a:pt x="560653" y="5196893"/>
+                  </a:lnTo>
+                  <a:lnTo>
+                    <a:pt x="585485" y="5215834"/>
+                  </a:lnTo>
+                  <a:cubicBezTo>
+                    <a:pt x="593773" y="5222111"/>
+                    <a:pt x="601864" y="5228685"/>
+                    <a:pt x="610707" y="5234185"/>
+                  </a:cubicBezTo>
+                  <a:lnTo>
+                    <a:pt x="714768" y="5303103"/>
+                  </a:lnTo>
+                  <a:cubicBezTo>
+                    <a:pt x="856162" y="5390603"/>
+                    <a:pt x="1008099" y="5459947"/>
+                    <a:pt x="1166634" y="5513322"/>
+                  </a:cubicBezTo>
+                  <a:cubicBezTo>
+                    <a:pt x="1186540" y="5519932"/>
+                    <a:pt x="1205774" y="5527751"/>
+                    <a:pt x="1225991" y="5533632"/>
+                  </a:cubicBezTo>
+                  <a:lnTo>
+                    <a:pt x="1286680" y="5550705"/>
+                  </a:lnTo>
+                  <a:lnTo>
+                    <a:pt x="1347310" y="5567995"/>
+                  </a:lnTo>
+                  <a:cubicBezTo>
+                    <a:pt x="1357469" y="5571180"/>
+                    <a:pt x="1367261" y="5573572"/>
+                    <a:pt x="1377002" y="5575719"/>
+                  </a:cubicBezTo>
+                  <a:lnTo>
+                    <a:pt x="1406328" y="5582649"/>
+                  </a:lnTo>
+                  <a:cubicBezTo>
+                    <a:pt x="1425825" y="5587757"/>
+                    <a:pt x="1445490" y="5590939"/>
+                    <a:pt x="1465060" y="5594909"/>
+                  </a:cubicBezTo>
+                  <a:cubicBezTo>
+                    <a:pt x="1484652" y="5599231"/>
+                    <a:pt x="1504324" y="5601952"/>
+                    <a:pt x="1523881" y="5605105"/>
+                  </a:cubicBezTo>
+                  <a:cubicBezTo>
+                    <a:pt x="1533660" y="5606682"/>
+                    <a:pt x="1543460" y="5608613"/>
+                    <a:pt x="1553325" y="5609865"/>
+                  </a:cubicBezTo>
+                  <a:lnTo>
+                    <a:pt x="1582813" y="5613593"/>
+                  </a:lnTo>
+                  <a:lnTo>
+                    <a:pt x="1612301" y="5617321"/>
+                  </a:lnTo>
+                  <a:lnTo>
+                    <a:pt x="1641863" y="5619910"/>
+                  </a:lnTo>
+                  <a:cubicBezTo>
+                    <a:pt x="1799348" y="5633940"/>
+                    <a:pt x="1957913" y="5625770"/>
+                    <a:pt x="2117508" y="5595156"/>
+                  </a:cubicBezTo>
+                  <a:cubicBezTo>
+                    <a:pt x="2277124" y="5564895"/>
+                    <a:pt x="2437004" y="5512449"/>
+                    <a:pt x="2597368" y="5447381"/>
+                  </a:cubicBezTo>
+                  <a:cubicBezTo>
+                    <a:pt x="2757791" y="5382096"/>
+                    <a:pt x="2918855" y="5304464"/>
+                    <a:pt x="3082968" y="5223245"/>
+                  </a:cubicBezTo>
+                  <a:lnTo>
+                    <a:pt x="3334855" y="5097383"/>
+                  </a:lnTo>
+                  <a:cubicBezTo>
+                    <a:pt x="3423528" y="5054142"/>
+                    <a:pt x="3511773" y="5013798"/>
+                    <a:pt x="3599509" y="4976217"/>
+                  </a:cubicBezTo>
+                  <a:cubicBezTo>
+                    <a:pt x="3774960" y="4900701"/>
+                    <a:pt x="3948276" y="4837481"/>
+                    <a:pt x="4112002" y="4766359"/>
+                  </a:cubicBezTo>
+                  <a:cubicBezTo>
+                    <a:pt x="4193972" y="4730827"/>
+                    <a:pt x="4273429" y="4692997"/>
+                    <a:pt x="4348983" y="4649833"/>
+                  </a:cubicBezTo>
+                  <a:cubicBezTo>
+                    <a:pt x="4424508" y="4606778"/>
+                    <a:pt x="4496050" y="4558250"/>
+                    <a:pt x="4560505" y="4501564"/>
+                  </a:cubicBezTo>
+                  <a:cubicBezTo>
+                    <a:pt x="4625198" y="4445289"/>
+                    <a:pt x="4682991" y="4381021"/>
+                    <a:pt x="4731963" y="4309870"/>
+                  </a:cubicBezTo>
+                  <a:cubicBezTo>
+                    <a:pt x="4781043" y="4238747"/>
+                    <a:pt x="4821275" y="4160848"/>
+                    <a:pt x="4852344" y="4078640"/>
+                  </a:cubicBezTo>
+                  <a:lnTo>
+                    <a:pt x="4863972" y="4047790"/>
+                  </a:lnTo>
+                  <a:lnTo>
+                    <a:pt x="4874144" y="4016320"/>
+                  </a:lnTo>
+                  <a:lnTo>
+                    <a:pt x="4884127" y="3984682"/>
+                  </a:lnTo>
+                  <a:cubicBezTo>
+                    <a:pt x="4887242" y="3973925"/>
+                    <a:pt x="4889981" y="3962835"/>
+                    <a:pt x="4892800" y="3951883"/>
+                  </a:cubicBezTo>
+                  <a:lnTo>
+                    <a:pt x="4909526" y="3886001"/>
+                  </a:lnTo>
+                  <a:lnTo>
+                    <a:pt x="4917687" y="3852948"/>
+                  </a:lnTo>
+                  <a:lnTo>
+                    <a:pt x="4921768" y="3836422"/>
+                  </a:lnTo>
+                  <a:lnTo>
+                    <a:pt x="4924845" y="3819742"/>
+                  </a:lnTo>
+                  <a:cubicBezTo>
+                    <a:pt x="4933092" y="3775120"/>
+                    <a:pt x="4941231" y="3730469"/>
+                    <a:pt x="4948230" y="3685744"/>
+                  </a:cubicBezTo>
+                  <a:cubicBezTo>
+                    <a:pt x="4953579" y="3640694"/>
+                    <a:pt x="4958249" y="3595577"/>
+                    <a:pt x="4962782" y="3550540"/>
+                  </a:cubicBezTo>
+                  <a:cubicBezTo>
+                    <a:pt x="4976580" y="3369692"/>
+                    <a:pt x="4965812" y="3187942"/>
+                    <a:pt x="4939468" y="3010249"/>
+                  </a:cubicBezTo>
+                  <a:cubicBezTo>
+                    <a:pt x="4912965" y="2832281"/>
+                    <a:pt x="4870237" y="2658196"/>
+                    <a:pt x="4816901" y="2488224"/>
+                  </a:cubicBezTo>
+                  <a:cubicBezTo>
+                    <a:pt x="4810197" y="2466954"/>
+                    <a:pt x="4803984" y="2445582"/>
+                    <a:pt x="4797005" y="2424470"/>
+                  </a:cubicBezTo>
+                  <a:cubicBezTo>
+                    <a:pt x="4789399" y="2403537"/>
+                    <a:pt x="4781686" y="2382574"/>
+                    <a:pt x="4774433" y="2361620"/>
+                  </a:cubicBezTo>
+                  <a:lnTo>
+                    <a:pt x="4752459" y="2298700"/>
+                  </a:lnTo>
+                  <a:lnTo>
+                    <a:pt x="4728083" y="2236526"/>
+                  </a:lnTo>
+                  <a:cubicBezTo>
+                    <a:pt x="4719957" y="2215802"/>
+                    <a:pt x="4712352" y="2194869"/>
+                    <a:pt x="4704471" y="2174095"/>
+                  </a:cubicBezTo>
+                  <a:lnTo>
+                    <a:pt x="4678399" y="2112626"/>
+                  </a:lnTo>
+                  <a:lnTo>
+                    <a:pt x="4652601" y="2050999"/>
+                  </a:lnTo>
+                  <a:cubicBezTo>
+                    <a:pt x="4643711" y="2030533"/>
+                    <a:pt x="4633616" y="2010672"/>
+                    <a:pt x="4624205" y="1990415"/>
+                  </a:cubicBezTo>
+                  <a:lnTo>
+                    <a:pt x="4595398" y="1930069"/>
+                  </a:lnTo>
+                  <a:cubicBezTo>
+                    <a:pt x="4585714" y="1909969"/>
+                    <a:pt x="4574413" y="1890713"/>
+                    <a:pt x="4563827" y="1870952"/>
+                  </a:cubicBezTo>
+                  <a:lnTo>
+                    <a:pt x="4531433" y="1812311"/>
+                  </a:lnTo>
+                  <a:lnTo>
+                    <a:pt x="4523315" y="1797616"/>
+                  </a:lnTo>
+                  <a:lnTo>
+                    <a:pt x="4514482" y="1783425"/>
+                  </a:lnTo>
+                  <a:lnTo>
+                    <a:pt x="4496845" y="1754936"/>
+                  </a:lnTo>
+                  <a:lnTo>
+                    <a:pt x="4461463" y="1697929"/>
+                  </a:lnTo>
+                  <a:lnTo>
+                    <a:pt x="4452660" y="1683629"/>
+                  </a:lnTo>
+                  <a:lnTo>
+                    <a:pt x="4443141" y="1669834"/>
+                  </a:lnTo>
+                  <a:lnTo>
+                    <a:pt x="4424241" y="1642166"/>
+                  </a:lnTo>
+                  <a:cubicBezTo>
+                    <a:pt x="4399005" y="1605265"/>
+                    <a:pt x="4374512" y="1567751"/>
+                    <a:pt x="4346886" y="1532412"/>
+                  </a:cubicBezTo>
+                  <a:cubicBezTo>
+                    <a:pt x="4240477" y="1388328"/>
+                    <a:pt x="4120362" y="1253437"/>
+                    <a:pt x="3985497" y="1134649"/>
+                  </a:cubicBezTo>
+                  <a:cubicBezTo>
+                    <a:pt x="3850799" y="1015675"/>
+                    <a:pt x="3702920" y="911715"/>
+                    <a:pt x="3545665" y="825877"/>
+                  </a:cubicBezTo>
+                  <a:lnTo>
+                    <a:pt x="3486190" y="794756"/>
+                  </a:lnTo>
+                  <a:cubicBezTo>
+                    <a:pt x="3466181" y="784640"/>
+                    <a:pt x="3446893" y="773560"/>
+                    <a:pt x="3426182" y="764765"/>
+                  </a:cubicBezTo>
+                  <a:lnTo>
+                    <a:pt x="3365044" y="737255"/>
+                  </a:lnTo>
+                  <a:lnTo>
+                    <a:pt x="3334529" y="723514"/>
+                  </a:lnTo>
+                  <a:cubicBezTo>
+                    <a:pt x="3324394" y="718943"/>
+                    <a:pt x="3314287" y="714265"/>
+                    <a:pt x="3303733" y="710395"/>
+                  </a:cubicBezTo>
+                  <a:cubicBezTo>
+                    <a:pt x="3262013" y="694346"/>
+                    <a:pt x="3220711" y="677599"/>
+                    <a:pt x="3179033" y="662259"/>
+                  </a:cubicBezTo>
+                  <a:lnTo>
+                    <a:pt x="3052408" y="620447"/>
+                  </a:lnTo>
+                  <a:lnTo>
+                    <a:pt x="2924325" y="584505"/>
+                  </a:lnTo>
+                  <a:cubicBezTo>
+                    <a:pt x="2903106" y="578471"/>
+                    <a:pt x="2881119" y="574434"/>
+                    <a:pt x="2859667" y="569266"/>
+                  </a:cubicBezTo>
+                  <a:lnTo>
+                    <a:pt x="2795226" y="554085"/>
+                  </a:lnTo>
+                  <a:cubicBezTo>
+                    <a:pt x="2774078" y="548652"/>
+                    <a:pt x="2751709" y="544744"/>
+                    <a:pt x="2729702" y="540354"/>
+                  </a:cubicBezTo>
+                  <a:lnTo>
+                    <a:pt x="2663758" y="527322"/>
+                  </a:lnTo>
+                  <a:lnTo>
+                    <a:pt x="2630927" y="520495"/>
+                  </a:lnTo>
+                  <a:lnTo>
+                    <a:pt x="2597965" y="515024"/>
+                  </a:lnTo>
+                  <a:cubicBezTo>
+                    <a:pt x="2575970" y="511449"/>
+                    <a:pt x="2554112" y="507795"/>
+                    <a:pt x="2532205" y="503895"/>
+                  </a:cubicBezTo>
+                  <a:cubicBezTo>
+                    <a:pt x="2357016" y="475037"/>
+                    <a:pt x="2182954" y="456682"/>
+                    <a:pt x="2010064" y="452552"/>
+                  </a:cubicBezTo>
+                  <a:cubicBezTo>
+                    <a:pt x="1837255" y="448558"/>
+                    <a:pt x="1665388" y="457916"/>
+                    <a:pt x="1494552" y="485055"/>
+                  </a:cubicBezTo>
+                  <a:cubicBezTo>
+                    <a:pt x="1452133" y="492816"/>
+                    <a:pt x="1409569" y="501117"/>
+                    <a:pt x="1366896" y="509389"/>
+                  </a:cubicBezTo>
+                  <a:cubicBezTo>
+                    <a:pt x="1324862" y="520035"/>
+                    <a:pt x="1282333" y="529505"/>
+                    <a:pt x="1240175" y="541045"/>
+                  </a:cubicBezTo>
+                  <a:lnTo>
+                    <a:pt x="1177438" y="560170"/>
+                  </a:lnTo>
+                  <a:lnTo>
+                    <a:pt x="1145987" y="569826"/>
+                  </a:lnTo>
+                  <a:lnTo>
+                    <a:pt x="1130315" y="574669"/>
+                  </a:lnTo>
+                  <a:lnTo>
+                    <a:pt x="1114873" y="580384"/>
+                  </a:lnTo>
+                  <a:lnTo>
+                    <a:pt x="1052839" y="602943"/>
+                  </a:lnTo>
+                  <a:cubicBezTo>
+                    <a:pt x="1032151" y="610499"/>
+                    <a:pt x="1011255" y="617535"/>
+                    <a:pt x="991135" y="626866"/>
+                  </a:cubicBezTo>
+                  <a:lnTo>
+                    <a:pt x="930179" y="653191"/>
+                  </a:lnTo>
+                  <a:cubicBezTo>
+                    <a:pt x="909850" y="662002"/>
+                    <a:pt x="889443" y="670676"/>
+                    <a:pt x="869768" y="680937"/>
+                  </a:cubicBezTo>
+                  <a:lnTo>
+                    <a:pt x="810085" y="710734"/>
+                  </a:lnTo>
+                  <a:cubicBezTo>
+                    <a:pt x="790331" y="720859"/>
+                    <a:pt x="770124" y="730514"/>
+                    <a:pt x="751220" y="741794"/>
+                  </a:cubicBezTo>
+                  <a:cubicBezTo>
+                    <a:pt x="673929" y="784955"/>
+                    <a:pt x="598827" y="830326"/>
+                    <a:pt x="532669" y="881688"/>
+                  </a:cubicBezTo>
+                  <a:cubicBezTo>
+                    <a:pt x="464226" y="931625"/>
+                    <a:pt x="406969" y="988270"/>
+                    <a:pt x="354185" y="1050286"/>
+                  </a:cubicBezTo>
+                  <a:lnTo>
+                    <a:pt x="315980" y="1098125"/>
+                  </a:lnTo>
+                  <a:lnTo>
+                    <a:pt x="280345" y="1149782"/>
+                  </a:lnTo>
+                  <a:cubicBezTo>
+                    <a:pt x="268144" y="1166335"/>
+                    <a:pt x="257438" y="1185955"/>
+                    <a:pt x="245890" y="1203959"/>
+                  </a:cubicBezTo>
+                  <a:cubicBezTo>
+                    <a:pt x="234552" y="1222481"/>
+                    <a:pt x="223171" y="1240298"/>
+                    <a:pt x="212162" y="1260184"/>
+                  </a:cubicBezTo>
+                  <a:cubicBezTo>
+                    <a:pt x="168299" y="1337574"/>
+                    <a:pt x="125055" y="1419360"/>
+                    <a:pt x="80716" y="1502476"/>
+                  </a:cubicBezTo>
+                  <a:lnTo>
+                    <a:pt x="0" y="1648841"/>
+                  </a:lnTo>
+                  <a:lnTo>
+                    <a:pt x="0" y="954863"/>
+                  </a:lnTo>
+                  <a:lnTo>
+                    <a:pt x="43491" y="895513"/>
+                  </a:lnTo>
+                  <a:cubicBezTo>
+                    <a:pt x="59888" y="874984"/>
+                    <a:pt x="77014" y="854766"/>
+                    <a:pt x="93923" y="834489"/>
+                  </a:cubicBezTo>
+                  <a:cubicBezTo>
+                    <a:pt x="163245" y="754880"/>
+                    <a:pt x="240806" y="679565"/>
+                    <a:pt x="323465" y="617671"/>
+                  </a:cubicBezTo>
+                  <a:cubicBezTo>
+                    <a:pt x="405002" y="553042"/>
+                    <a:pt x="490132" y="499230"/>
+                    <a:pt x="574777" y="446794"/>
+                  </a:cubicBezTo>
+                  <a:cubicBezTo>
+                    <a:pt x="595733" y="433050"/>
+                    <a:pt x="617442" y="421248"/>
+                    <a:pt x="638943" y="408925"/>
+                  </a:cubicBezTo>
+                  <a:lnTo>
+                    <a:pt x="703505" y="371742"/>
+                  </a:lnTo>
+                  <a:cubicBezTo>
+                    <a:pt x="724798" y="358900"/>
+                    <a:pt x="747120" y="347842"/>
+                    <a:pt x="769262" y="336154"/>
+                  </a:cubicBezTo>
+                  <a:lnTo>
+                    <a:pt x="835552" y="301173"/>
+                  </a:lnTo>
+                  <a:cubicBezTo>
+                    <a:pt x="857427" y="289183"/>
+                    <a:pt x="880470" y="278896"/>
+                    <a:pt x="902979" y="268004"/>
+                  </a:cubicBezTo>
+                  <a:lnTo>
+                    <a:pt x="971127" y="235607"/>
+                  </a:lnTo>
+                  <a:lnTo>
+                    <a:pt x="988238" y="227556"/>
+                  </a:lnTo>
+                  <a:lnTo>
+                    <a:pt x="1005744" y="220191"/>
+                  </a:lnTo>
+                  <a:lnTo>
+                    <a:pt x="1040729" y="205569"/>
+                  </a:lnTo>
+                  <a:lnTo>
+                    <a:pt x="1110835" y="176248"/>
+                  </a:lnTo>
+                  <a:cubicBezTo>
+                    <a:pt x="1157999" y="157703"/>
+                    <a:pt x="1206322" y="141323"/>
+                    <a:pt x="1254256" y="123796"/>
+                  </a:cubicBezTo>
+                  <a:cubicBezTo>
+                    <a:pt x="1302938" y="108671"/>
+                    <a:pt x="1352074" y="94017"/>
+                    <a:pt x="1401310" y="79852"/>
+                  </a:cubicBezTo>
+                  <a:cubicBezTo>
+                    <a:pt x="1599497" y="26774"/>
+                    <a:pt x="1806373" y="-329"/>
+                    <a:pt x="2011811" y="4"/>
+                  </a:cubicBezTo>
+                  <a:close/>
+                </a:path>
+              </a:pathLst>
+            </a:custGeom>
+            <a:gradFill>
+              <a:gsLst>
+                <a:gs pos="2000">
+                  <a:schemeClr val="bg1">
+                    <a:alpha val="10000"/>
+                  </a:schemeClr>
+                </a:gs>
+                <a:gs pos="16000">
+                  <a:schemeClr val="accent6">
+                    <a:alpha val="10000"/>
+                  </a:schemeClr>
+                </a:gs>
+                <a:gs pos="100000">
+                  <a:schemeClr val="bg1">
+                    <a:alpha val="10000"/>
+                  </a:schemeClr>
+                </a:gs>
+                <a:gs pos="85000">
+                  <a:schemeClr val="accent1">
+                    <a:alpha val="10000"/>
+                  </a:schemeClr>
+                </a:gs>
+              </a:gsLst>
+              <a:lin ang="12000000" scaled="0"/>
+            </a:gradFill>
+            <a:ln>
+              <a:noFill/>
+            </a:ln>
+          </p:spPr>
+          <p:style>
+            <a:lnRef idx="2">
+              <a:schemeClr val="accent1">
+                <a:shade val="50000"/>
+              </a:schemeClr>
+            </a:lnRef>
+            <a:fillRef idx="1">
+              <a:schemeClr val="accent1"/>
+            </a:fillRef>
+            <a:effectRef idx="0">
+              <a:schemeClr val="accent1"/>
+            </a:effectRef>
+            <a:fontRef idx="minor">
+              <a:schemeClr val="lt1"/>
+            </a:fontRef>
+          </p:style>
+          <p:txBody>
+            <a:bodyPr wrap="square" rtlCol="0" anchor="ctr">
+              <a:noAutofit/>
+            </a:bodyPr>
+            <a:lstStyle/>
+            <a:p>
+              <a:pPr algn="ctr"/>
+              <a:endParaRPr lang="en-US"/>
+            </a:p>
+          </p:txBody>
+        </p:sp>
+        <p:sp>
+          <p:nvSpPr>
+            <p:cNvPr id="14" name="Freeform: Shape 13">
+              <a:extLst>
+                <a:ext uri="{FF2B5EF4-FFF2-40B4-BE49-F238E27FC236}">
+                  <a16:creationId xmlns:a16="http://schemas.microsoft.com/office/drawing/2014/main" id="{06AC5DCC-C3CC-4FD5-AD4E-13A1BE5F7F68}"/>
+                </a:ext>
+                <a:ext uri="{C183D7F6-B498-43B3-948B-1728B52AA6E4}">
+                  <adec:decorative xmlns:adec="http://schemas.microsoft.com/office/drawing/2017/decorative" val="1"/>
+                </a:ext>
+              </a:extLst>
+            </p:cNvPr>
+            <p:cNvSpPr/>
+            <p:nvPr>
+              <p:extLst>
+                <p:ext uri="{386F3935-93C4-4BCD-93E2-E3B085C9AB24}">
+                  <p16:designElem xmlns:p16="http://schemas.microsoft.com/office/powerpoint/2015/main" val="1"/>
+                </p:ext>
+              </p:extLst>
+            </p:nvPr>
+          </p:nvSpPr>
+          <p:spPr>
+            <a:xfrm>
+              <a:off x="-19220" y="297400"/>
+              <a:ext cx="5215811" cy="6107388"/>
+            </a:xfrm>
+            <a:custGeom>
+              <a:avLst/>
+              <a:gdLst>
+                <a:gd name="connsiteX0" fmla="*/ 1869139 w 5215811"/>
+                <a:gd name="connsiteY0" fmla="*/ 9 h 6107388"/>
+                <a:gd name="connsiteX1" fmla="*/ 2791149 w 5215811"/>
+                <a:gd name="connsiteY1" fmla="*/ 130229 h 6107388"/>
+                <a:gd name="connsiteX2" fmla="*/ 4760307 w 5215811"/>
+                <a:gd name="connsiteY2" fmla="*/ 1608408 h 6107388"/>
+                <a:gd name="connsiteX3" fmla="*/ 5108574 w 5215811"/>
+                <a:gd name="connsiteY3" fmla="*/ 4050383 h 6107388"/>
+                <a:gd name="connsiteX4" fmla="*/ 3434916 w 5215811"/>
+                <a:gd name="connsiteY4" fmla="*/ 5503134 h 6107388"/>
+                <a:gd name="connsiteX5" fmla="*/ 1137841 w 5215811"/>
+                <a:gd name="connsiteY5" fmla="*/ 6033968 h 6107388"/>
+                <a:gd name="connsiteX6" fmla="*/ 217555 w 5215811"/>
+                <a:gd name="connsiteY6" fmla="*/ 5598945 h 6107388"/>
+                <a:gd name="connsiteX7" fmla="*/ 0 w 5215811"/>
+                <a:gd name="connsiteY7" fmla="*/ 5419622 h 6107388"/>
+                <a:gd name="connsiteX8" fmla="*/ 0 w 5215811"/>
+                <a:gd name="connsiteY8" fmla="*/ 4571683 h 6107388"/>
+                <a:gd name="connsiteX9" fmla="*/ 18056 w 5215811"/>
+                <a:gd name="connsiteY9" fmla="*/ 4599282 h 6107388"/>
+                <a:gd name="connsiteX10" fmla="*/ 358324 w 5215811"/>
+                <a:gd name="connsiteY10" fmla="*/ 4988154 h 6107388"/>
+                <a:gd name="connsiteX11" fmla="*/ 1282741 w 5215811"/>
+                <a:gd name="connsiteY11" fmla="*/ 5493193 h 6107388"/>
+                <a:gd name="connsiteX12" fmla="*/ 2172794 w 5215811"/>
+                <a:gd name="connsiteY12" fmla="*/ 5470630 h 6107388"/>
+                <a:gd name="connsiteX13" fmla="*/ 3146893 w 5215811"/>
+                <a:gd name="connsiteY13" fmla="*/ 5016296 h 6107388"/>
+                <a:gd name="connsiteX14" fmla="*/ 3574114 w 5215811"/>
+                <a:gd name="connsiteY14" fmla="*/ 4791124 h 6107388"/>
+                <a:gd name="connsiteX15" fmla="*/ 4244948 w 5215811"/>
+                <a:gd name="connsiteY15" fmla="*/ 4392664 h 6107388"/>
+                <a:gd name="connsiteX16" fmla="*/ 4556385 w 5215811"/>
+                <a:gd name="connsiteY16" fmla="*/ 3902656 h 6107388"/>
+                <a:gd name="connsiteX17" fmla="*/ 4616354 w 5215811"/>
+                <a:gd name="connsiteY17" fmla="*/ 2851680 h 6107388"/>
+                <a:gd name="connsiteX18" fmla="*/ 4269266 w 5215811"/>
+                <a:gd name="connsiteY18" fmla="*/ 1889625 h 6107388"/>
+                <a:gd name="connsiteX19" fmla="*/ 2645976 w 5215811"/>
+                <a:gd name="connsiteY19" fmla="*/ 671162 h 6107388"/>
+                <a:gd name="connsiteX20" fmla="*/ 1648930 w 5215811"/>
+                <a:gd name="connsiteY20" fmla="*/ 573017 h 6107388"/>
+                <a:gd name="connsiteX21" fmla="*/ 771768 w 5215811"/>
+                <a:gd name="connsiteY21" fmla="*/ 865882 h 6107388"/>
+                <a:gd name="connsiteX22" fmla="*/ 433617 w 5215811"/>
+                <a:gd name="connsiteY22" fmla="*/ 1119441 h 6107388"/>
+                <a:gd name="connsiteX23" fmla="*/ 200571 w 5215811"/>
+                <a:gd name="connsiteY23" fmla="*/ 1486480 h 6107388"/>
+                <a:gd name="connsiteX24" fmla="*/ 47077 w 5215811"/>
+                <a:gd name="connsiteY24" fmla="*/ 1753604 h 6107388"/>
+                <a:gd name="connsiteX25" fmla="*/ 0 w 5215811"/>
+                <a:gd name="connsiteY25" fmla="*/ 1831655 h 6107388"/>
+                <a:gd name="connsiteX26" fmla="*/ 0 w 5215811"/>
+                <a:gd name="connsiteY26" fmla="*/ 751112 h 6107388"/>
+                <a:gd name="connsiteX27" fmla="*/ 6994 w 5215811"/>
+                <a:gd name="connsiteY27" fmla="*/ 742614 h 6107388"/>
+                <a:gd name="connsiteX28" fmla="*/ 484047 w 5215811"/>
+                <a:gd name="connsiteY28" fmla="*/ 378777 h 6107388"/>
+                <a:gd name="connsiteX29" fmla="*/ 1869139 w 5215811"/>
+                <a:gd name="connsiteY29" fmla="*/ 9 h 6107388"/>
+              </a:gdLst>
+              <a:ahLst/>
+              <a:cxnLst>
+                <a:cxn ang="0">
+                  <a:pos x="connsiteX0" y="connsiteY0"/>
+                </a:cxn>
+                <a:cxn ang="0">
+                  <a:pos x="connsiteX1" y="connsiteY1"/>
+                </a:cxn>
+                <a:cxn ang="0">
+                  <a:pos x="connsiteX2" y="connsiteY2"/>
+                </a:cxn>
+                <a:cxn ang="0">
+                  <a:pos x="connsiteX3" y="connsiteY3"/>
+                </a:cxn>
+                <a:cxn ang="0">
+                  <a:pos x="connsiteX4" y="connsiteY4"/>
+                </a:cxn>
+                <a:cxn ang="0">
+                  <a:pos x="connsiteX5" y="connsiteY5"/>
+                </a:cxn>
+                <a:cxn ang="0">
+                  <a:pos x="connsiteX6" y="connsiteY6"/>
+                </a:cxn>
+                <a:cxn ang="0">
+                  <a:pos x="connsiteX7" y="connsiteY7"/>
+                </a:cxn>
+                <a:cxn ang="0">
+                  <a:pos x="connsiteX8" y="connsiteY8"/>
+                </a:cxn>
+                <a:cxn ang="0">
+                  <a:pos x="connsiteX9" y="connsiteY9"/>
+                </a:cxn>
+                <a:cxn ang="0">
+                  <a:pos x="connsiteX10" y="connsiteY10"/>
+                </a:cxn>
+                <a:cxn ang="0">
+                  <a:pos x="connsiteX11" y="connsiteY11"/>
+                </a:cxn>
+                <a:cxn ang="0">
+                  <a:pos x="connsiteX12" y="connsiteY12"/>
+                </a:cxn>
+                <a:cxn ang="0">
+                  <a:pos x="connsiteX13" y="connsiteY13"/>
+                </a:cxn>
+                <a:cxn ang="0">
+                  <a:pos x="connsiteX14" y="connsiteY14"/>
+                </a:cxn>
+                <a:cxn ang="0">
+                  <a:pos x="connsiteX15" y="connsiteY15"/>
+                </a:cxn>
+                <a:cxn ang="0">
+                  <a:pos x="connsiteX16" y="connsiteY16"/>
+                </a:cxn>
+                <a:cxn ang="0">
+                  <a:pos x="connsiteX17" y="connsiteY17"/>
+                </a:cxn>
+                <a:cxn ang="0">
+                  <a:pos x="connsiteX18" y="connsiteY18"/>
+                </a:cxn>
+                <a:cxn ang="0">
+                  <a:pos x="connsiteX19" y="connsiteY19"/>
+                </a:cxn>
+                <a:cxn ang="0">
+                  <a:pos x="connsiteX20" y="connsiteY20"/>
+                </a:cxn>
+                <a:cxn ang="0">
+                  <a:pos x="connsiteX21" y="connsiteY21"/>
+                </a:cxn>
+                <a:cxn ang="0">
+                  <a:pos x="connsiteX22" y="connsiteY22"/>
+                </a:cxn>
+                <a:cxn ang="0">
+                  <a:pos x="connsiteX23" y="connsiteY23"/>
+                </a:cxn>
+                <a:cxn ang="0">
+                  <a:pos x="connsiteX24" y="connsiteY24"/>
+                </a:cxn>
+                <a:cxn ang="0">
+                  <a:pos x="connsiteX25" y="connsiteY25"/>
+                </a:cxn>
+                <a:cxn ang="0">
+                  <a:pos x="connsiteX26" y="connsiteY26"/>
+                </a:cxn>
+                <a:cxn ang="0">
+                  <a:pos x="connsiteX27" y="connsiteY27"/>
+                </a:cxn>
+                <a:cxn ang="0">
+                  <a:pos x="connsiteX28" y="connsiteY28"/>
+                </a:cxn>
+                <a:cxn ang="0">
+                  <a:pos x="connsiteX29" y="connsiteY29"/>
+                </a:cxn>
+              </a:cxnLst>
+              <a:rect l="l" t="t" r="r" b="b"/>
+              <a:pathLst>
+                <a:path w="5215811" h="6107388">
+                  <a:moveTo>
+                    <a:pt x="1869139" y="9"/>
+                  </a:moveTo>
+                  <a:cubicBezTo>
+                    <a:pt x="2160924" y="-706"/>
+                    <a:pt x="2465752" y="43039"/>
+                    <a:pt x="2791149" y="130229"/>
+                  </a:cubicBezTo>
+                  <a:cubicBezTo>
+                    <a:pt x="3651198" y="360678"/>
+                    <a:pt x="4339884" y="907924"/>
+                    <a:pt x="4760307" y="1608408"/>
+                  </a:cubicBezTo>
+                  <a:cubicBezTo>
+                    <a:pt x="5188180" y="2321320"/>
+                    <a:pt x="5338357" y="3192822"/>
+                    <a:pt x="5108574" y="4050383"/>
+                  </a:cubicBezTo>
+                  <a:cubicBezTo>
+                    <a:pt x="4880820" y="4900373"/>
+                    <a:pt x="4152841" y="5098512"/>
+                    <a:pt x="3434916" y="5503134"/>
+                  </a:cubicBezTo>
+                  <a:cubicBezTo>
+                    <a:pt x="2717099" y="5907783"/>
+                    <a:pt x="2005568" y="6266474"/>
+                    <a:pt x="1137841" y="6033968"/>
+                  </a:cubicBezTo>
+                  <a:cubicBezTo>
+                    <a:pt x="783079" y="5938910"/>
+                    <a:pt x="479573" y="5790114"/>
+                    <a:pt x="217555" y="5598945"/>
+                  </a:cubicBezTo>
+                  <a:lnTo>
+                    <a:pt x="0" y="5419622"/>
+                  </a:lnTo>
+                  <a:lnTo>
+                    <a:pt x="0" y="4571683"/>
+                  </a:lnTo>
+                  <a:lnTo>
+                    <a:pt x="18056" y="4599282"/>
+                  </a:lnTo>
+                  <a:cubicBezTo>
+                    <a:pt x="124071" y="4746782"/>
+                    <a:pt x="237002" y="4875718"/>
+                    <a:pt x="358324" y="4988154"/>
+                  </a:cubicBezTo>
+                  <a:cubicBezTo>
+                    <a:pt x="621323" y="5231809"/>
+                    <a:pt x="923667" y="5396979"/>
+                    <a:pt x="1282741" y="5493193"/>
+                  </a:cubicBezTo>
+                  <a:cubicBezTo>
+                    <a:pt x="1573894" y="5571207"/>
+                    <a:pt x="1856732" y="5563878"/>
+                    <a:pt x="2172794" y="5470630"/>
+                  </a:cubicBezTo>
+                  <a:cubicBezTo>
+                    <a:pt x="2498985" y="5374183"/>
+                    <a:pt x="2832844" y="5193315"/>
+                    <a:pt x="3146893" y="5016296"/>
+                  </a:cubicBezTo>
+                  <a:cubicBezTo>
+                    <a:pt x="3293538" y="4933641"/>
+                    <a:pt x="3436182" y="4861160"/>
+                    <a:pt x="3574114" y="4791124"/>
+                  </a:cubicBezTo>
+                  <a:cubicBezTo>
+                    <a:pt x="3841238" y="4655550"/>
+                    <a:pt x="4071901" y="4538375"/>
+                    <a:pt x="4244948" y="4392664"/>
+                  </a:cubicBezTo>
+                  <a:cubicBezTo>
+                    <a:pt x="4405844" y="4257259"/>
+                    <a:pt x="4501845" y="4106204"/>
+                    <a:pt x="4556385" y="3902656"/>
+                  </a:cubicBezTo>
+                  <a:cubicBezTo>
+                    <a:pt x="4649063" y="3556776"/>
+                    <a:pt x="4669271" y="3203187"/>
+                    <a:pt x="4616354" y="2851680"/>
+                  </a:cubicBezTo>
+                  <a:cubicBezTo>
+                    <a:pt x="4565198" y="2511774"/>
+                    <a:pt x="4448474" y="2188147"/>
+                    <a:pt x="4269266" y="1889625"/>
+                  </a:cubicBezTo>
+                  <a:cubicBezTo>
+                    <a:pt x="3907781" y="1287586"/>
+                    <a:pt x="3331245" y="854780"/>
+                    <a:pt x="2645976" y="671162"/>
+                  </a:cubicBezTo>
+                  <a:cubicBezTo>
+                    <a:pt x="2278249" y="572630"/>
+                    <a:pt x="1952074" y="540526"/>
+                    <a:pt x="1648930" y="573017"/>
+                  </a:cubicBezTo>
+                  <a:cubicBezTo>
+                    <a:pt x="1351746" y="604901"/>
+                    <a:pt x="1064785" y="700731"/>
+                    <a:pt x="771768" y="865882"/>
+                  </a:cubicBezTo>
+                  <a:cubicBezTo>
+                    <a:pt x="568061" y="980657"/>
+                    <a:pt x="486465" y="1058486"/>
+                    <a:pt x="433617" y="1119441"/>
+                  </a:cubicBezTo>
+                  <a:cubicBezTo>
+                    <a:pt x="358307" y="1206256"/>
+                    <a:pt x="292149" y="1323808"/>
+                    <a:pt x="200571" y="1486480"/>
+                  </a:cubicBezTo>
+                  <a:cubicBezTo>
+                    <a:pt x="156644" y="1564432"/>
+                    <a:pt x="106654" y="1653214"/>
+                    <a:pt x="47077" y="1753604"/>
+                  </a:cubicBezTo>
+                  <a:lnTo>
+                    <a:pt x="0" y="1831655"/>
+                  </a:lnTo>
+                  <a:lnTo>
+                    <a:pt x="0" y="751112"/>
+                  </a:lnTo>
+                  <a:lnTo>
+                    <a:pt x="6994" y="742614"/>
+                  </a:lnTo>
+                  <a:cubicBezTo>
+                    <a:pt x="117721" y="617683"/>
+                    <a:pt x="259696" y="505222"/>
+                    <a:pt x="484047" y="378777"/>
+                  </a:cubicBezTo>
+                  <a:cubicBezTo>
+                    <a:pt x="932751" y="125890"/>
+                    <a:pt x="1382831" y="1200"/>
+                    <a:pt x="1869139" y="9"/>
+                  </a:cubicBezTo>
+                  <a:close/>
+                </a:path>
+              </a:pathLst>
+            </a:custGeom>
+            <a:gradFill>
+              <a:gsLst>
+                <a:gs pos="2000">
+                  <a:schemeClr val="bg1">
+                    <a:alpha val="10000"/>
+                  </a:schemeClr>
+                </a:gs>
+                <a:gs pos="16000">
+                  <a:schemeClr val="accent6">
+                    <a:alpha val="10000"/>
+                  </a:schemeClr>
+                </a:gs>
+                <a:gs pos="100000">
+                  <a:schemeClr val="bg1">
+                    <a:alpha val="10000"/>
+                  </a:schemeClr>
+                </a:gs>
+                <a:gs pos="85000">
+                  <a:schemeClr val="accent1">
+                    <a:alpha val="10000"/>
+                  </a:schemeClr>
+                </a:gs>
+              </a:gsLst>
+              <a:lin ang="12000000" scaled="0"/>
+            </a:gradFill>
+            <a:ln>
+              <a:noFill/>
+            </a:ln>
+          </p:spPr>
+          <p:style>
+            <a:lnRef idx="2">
+              <a:schemeClr val="accent1">
+                <a:shade val="50000"/>
+              </a:schemeClr>
+            </a:lnRef>
+            <a:fillRef idx="1">
+              <a:schemeClr val="accent1"/>
+            </a:fillRef>
+            <a:effectRef idx="0">
+              <a:schemeClr val="accent1"/>
+            </a:effectRef>
+            <a:fontRef idx="minor">
+              <a:schemeClr val="lt1"/>
+            </a:fontRef>
+          </p:style>
+          <p:txBody>
+            <a:bodyPr wrap="square" rtlCol="0" anchor="ctr">
+              <a:noAutofit/>
+            </a:bodyPr>
+            <a:lstStyle/>
+            <a:p>
+              <a:pPr algn="ctr"/>
+              <a:endParaRPr lang="en-US"/>
+            </a:p>
+          </p:txBody>
+        </p:sp>
+        <p:sp>
+          <p:nvSpPr>
+            <p:cNvPr id="15" name="Freeform: Shape 14">
+              <a:extLst>
+                <a:ext uri="{FF2B5EF4-FFF2-40B4-BE49-F238E27FC236}">
+                  <a16:creationId xmlns:a16="http://schemas.microsoft.com/office/drawing/2014/main" id="{4BBCC2F4-EFA7-4AF4-B538-AC4022D90F47}"/>
+                </a:ext>
+                <a:ext uri="{C183D7F6-B498-43B3-948B-1728B52AA6E4}">
+                  <adec:decorative xmlns:adec="http://schemas.microsoft.com/office/drawing/2017/decorative" val="1"/>
+                </a:ext>
+              </a:extLst>
+            </p:cNvPr>
+            <p:cNvSpPr/>
+            <p:nvPr>
+              <p:extLst>
+                <p:ext uri="{386F3935-93C4-4BCD-93E2-E3B085C9AB24}">
+                  <p16:designElem xmlns:p16="http://schemas.microsoft.com/office/powerpoint/2015/main" val="1"/>
+                </p:ext>
+              </p:extLst>
+            </p:nvPr>
+          </p:nvSpPr>
+          <p:spPr>
+            <a:xfrm>
+              <a:off x="-19221" y="319367"/>
+              <a:ext cx="5217956" cy="6100079"/>
+            </a:xfrm>
+            <a:custGeom>
+              <a:avLst/>
+              <a:gdLst>
+                <a:gd name="connsiteX0" fmla="*/ 1951393 w 5217956"/>
+                <a:gd name="connsiteY0" fmla="*/ 82 h 6100079"/>
+                <a:gd name="connsiteX1" fmla="*/ 2855177 w 5217956"/>
+                <a:gd name="connsiteY1" fmla="*/ 125419 h 6100079"/>
+                <a:gd name="connsiteX2" fmla="*/ 4779341 w 5217956"/>
+                <a:gd name="connsiteY2" fmla="*/ 1591542 h 6100079"/>
+                <a:gd name="connsiteX3" fmla="*/ 5108573 w 5217956"/>
+                <a:gd name="connsiteY3" fmla="*/ 4028416 h 6100079"/>
+                <a:gd name="connsiteX4" fmla="*/ 3459358 w 5217956"/>
+                <a:gd name="connsiteY4" fmla="*/ 5487716 h 6100079"/>
+                <a:gd name="connsiteX5" fmla="*/ 1203274 w 5217956"/>
+                <a:gd name="connsiteY5" fmla="*/ 6029534 h 6100079"/>
+                <a:gd name="connsiteX6" fmla="*/ 59920 w 5217956"/>
+                <a:gd name="connsiteY6" fmla="*/ 5396467 h 6100079"/>
+                <a:gd name="connsiteX7" fmla="*/ 0 w 5217956"/>
+                <a:gd name="connsiteY7" fmla="*/ 5333382 h 6100079"/>
+                <a:gd name="connsiteX8" fmla="*/ 0 w 5217956"/>
+                <a:gd name="connsiteY8" fmla="*/ 4205833 h 6100079"/>
+                <a:gd name="connsiteX9" fmla="*/ 58036 w 5217956"/>
+                <a:gd name="connsiteY9" fmla="*/ 4310048 h 6100079"/>
+                <a:gd name="connsiteX10" fmla="*/ 520779 w 5217956"/>
+                <a:gd name="connsiteY10" fmla="*/ 4907591 h 6100079"/>
+                <a:gd name="connsiteX11" fmla="*/ 1377154 w 5217956"/>
+                <a:gd name="connsiteY11" fmla="*/ 5380604 h 6100079"/>
+                <a:gd name="connsiteX12" fmla="*/ 3123340 w 5217956"/>
+                <a:gd name="connsiteY12" fmla="*/ 4905715 h 6100079"/>
+                <a:gd name="connsiteX13" fmla="*/ 3547863 w 5217956"/>
+                <a:gd name="connsiteY13" fmla="*/ 4676342 h 6100079"/>
+                <a:gd name="connsiteX14" fmla="*/ 4186753 w 5217956"/>
+                <a:gd name="connsiteY14" fmla="*/ 4289376 h 6100079"/>
+                <a:gd name="connsiteX15" fmla="*/ 4459565 w 5217956"/>
+                <a:gd name="connsiteY15" fmla="*/ 3854399 h 6100079"/>
+                <a:gd name="connsiteX16" fmla="*/ 4521015 w 5217956"/>
+                <a:gd name="connsiteY16" fmla="*/ 2849377 h 6100079"/>
+                <a:gd name="connsiteX17" fmla="*/ 4199723 w 5217956"/>
+                <a:gd name="connsiteY17" fmla="*/ 1931213 h 6100079"/>
+                <a:gd name="connsiteX18" fmla="*/ 2681217 w 5217956"/>
+                <a:gd name="connsiteY18" fmla="*/ 774211 h 6100079"/>
+                <a:gd name="connsiteX19" fmla="*/ 926547 w 5217956"/>
+                <a:gd name="connsiteY19" fmla="*/ 967112 h 6100079"/>
+                <a:gd name="connsiteX20" fmla="*/ 622677 w 5217956"/>
+                <a:gd name="connsiteY20" fmla="*/ 1197863 h 6100079"/>
+                <a:gd name="connsiteX21" fmla="*/ 404892 w 5217956"/>
+                <a:gd name="connsiteY21" fmla="*/ 1547314 h 6100079"/>
+                <a:gd name="connsiteX22" fmla="*/ 40135 w 5217956"/>
+                <a:gd name="connsiteY22" fmla="*/ 2159090 h 6100079"/>
+                <a:gd name="connsiteX23" fmla="*/ 0 w 5217956"/>
+                <a:gd name="connsiteY23" fmla="*/ 2219367 h 6100079"/>
+                <a:gd name="connsiteX24" fmla="*/ 0 w 5217956"/>
+                <a:gd name="connsiteY24" fmla="*/ 915659 h 6100079"/>
+                <a:gd name="connsiteX25" fmla="*/ 58609 w 5217956"/>
+                <a:gd name="connsiteY25" fmla="*/ 828051 h 6100079"/>
+                <a:gd name="connsiteX26" fmla="*/ 590688 w 5217956"/>
+                <a:gd name="connsiteY26" fmla="*/ 385385 h 6100079"/>
+                <a:gd name="connsiteX27" fmla="*/ 1951393 w 5217956"/>
+                <a:gd name="connsiteY27" fmla="*/ 82 h 6100079"/>
+              </a:gdLst>
+              <a:ahLst/>
+              <a:cxnLst>
+                <a:cxn ang="0">
+                  <a:pos x="connsiteX0" y="connsiteY0"/>
+                </a:cxn>
+                <a:cxn ang="0">
+                  <a:pos x="connsiteX1" y="connsiteY1"/>
+                </a:cxn>
+                <a:cxn ang="0">
+                  <a:pos x="connsiteX2" y="connsiteY2"/>
+                </a:cxn>
+                <a:cxn ang="0">
+                  <a:pos x="connsiteX3" y="connsiteY3"/>
+                </a:cxn>
+                <a:cxn ang="0">
+                  <a:pos x="connsiteX4" y="connsiteY4"/>
+                </a:cxn>
+                <a:cxn ang="0">
+                  <a:pos x="connsiteX5" y="connsiteY5"/>
+                </a:cxn>
+                <a:cxn ang="0">
+                  <a:pos x="connsiteX6" y="connsiteY6"/>
+                </a:cxn>
+                <a:cxn ang="0">
+                  <a:pos x="connsiteX7" y="connsiteY7"/>
+                </a:cxn>
+                <a:cxn ang="0">
+                  <a:pos x="connsiteX8" y="connsiteY8"/>
+                </a:cxn>
+                <a:cxn ang="0">
+                  <a:pos x="connsiteX9" y="connsiteY9"/>
+                </a:cxn>
+                <a:cxn ang="0">
+                  <a:pos x="connsiteX10" y="connsiteY10"/>
+                </a:cxn>
+                <a:cxn ang="0">
+                  <a:pos x="connsiteX11" y="connsiteY11"/>
+                </a:cxn>
+                <a:cxn ang="0">
+                  <a:pos x="connsiteX12" y="connsiteY12"/>
+                </a:cxn>
+                <a:cxn ang="0">
+                  <a:pos x="connsiteX13" y="connsiteY13"/>
+                </a:cxn>
+                <a:cxn ang="0">
+                  <a:pos x="connsiteX14" y="connsiteY14"/>
+                </a:cxn>
+                <a:cxn ang="0">
+                  <a:pos x="connsiteX15" y="connsiteY15"/>
+                </a:cxn>
+                <a:cxn ang="0">
+                  <a:pos x="connsiteX16" y="connsiteY16"/>
+                </a:cxn>
+                <a:cxn ang="0">
+                  <a:pos x="connsiteX17" y="connsiteY17"/>
+                </a:cxn>
+                <a:cxn ang="0">
+                  <a:pos x="connsiteX18" y="connsiteY18"/>
+                </a:cxn>
+                <a:cxn ang="0">
+                  <a:pos x="connsiteX19" y="connsiteY19"/>
+                </a:cxn>
+                <a:cxn ang="0">
+                  <a:pos x="connsiteX20" y="connsiteY20"/>
+                </a:cxn>
+                <a:cxn ang="0">
+                  <a:pos x="connsiteX21" y="connsiteY21"/>
+                </a:cxn>
+                <a:cxn ang="0">
+                  <a:pos x="connsiteX22" y="connsiteY22"/>
+                </a:cxn>
+                <a:cxn ang="0">
+                  <a:pos x="connsiteX23" y="connsiteY23"/>
+                </a:cxn>
+                <a:cxn ang="0">
+                  <a:pos x="connsiteX24" y="connsiteY24"/>
+                </a:cxn>
+                <a:cxn ang="0">
+                  <a:pos x="connsiteX25" y="connsiteY25"/>
+                </a:cxn>
+                <a:cxn ang="0">
+                  <a:pos x="connsiteX26" y="connsiteY26"/>
+                </a:cxn>
+                <a:cxn ang="0">
+                  <a:pos x="connsiteX27" y="connsiteY27"/>
+                </a:cxn>
+              </a:cxnLst>
+              <a:rect l="l" t="t" r="r" b="b"/>
+              <a:pathLst>
+                <a:path w="5217956" h="6100079">
+                  <a:moveTo>
+                    <a:pt x="1951393" y="82"/>
+                  </a:moveTo>
+                  <a:cubicBezTo>
+                    <a:pt x="2237631" y="-2119"/>
+                    <a:pt x="2536431" y="40011"/>
+                    <a:pt x="2855177" y="125419"/>
+                  </a:cubicBezTo>
+                  <a:cubicBezTo>
+                    <a:pt x="3697704" y="351173"/>
+                    <a:pt x="4370490" y="894159"/>
+                    <a:pt x="4779341" y="1591542"/>
+                  </a:cubicBezTo>
+                  <a:cubicBezTo>
+                    <a:pt x="5195534" y="2301324"/>
+                    <a:pt x="5338356" y="3170855"/>
+                    <a:pt x="5108573" y="4028416"/>
+                  </a:cubicBezTo>
+                  <a:cubicBezTo>
+                    <a:pt x="4880819" y="4878406"/>
+                    <a:pt x="4165603" y="5079965"/>
+                    <a:pt x="3459358" y="5487716"/>
+                  </a:cubicBezTo>
+                  <a:cubicBezTo>
+                    <a:pt x="2753114" y="5895466"/>
+                    <a:pt x="2053264" y="6257288"/>
+                    <a:pt x="1203274" y="6029534"/>
+                  </a:cubicBezTo>
+                  <a:cubicBezTo>
+                    <a:pt x="739884" y="5905369"/>
+                    <a:pt x="366399" y="5685345"/>
+                    <a:pt x="59920" y="5396467"/>
+                  </a:cubicBezTo>
+                  <a:lnTo>
+                    <a:pt x="0" y="5333382"/>
+                  </a:lnTo>
+                  <a:lnTo>
+                    <a:pt x="0" y="4205833"/>
+                  </a:lnTo>
+                  <a:lnTo>
+                    <a:pt x="58036" y="4310048"/>
+                  </a:lnTo>
+                  <a:cubicBezTo>
+                    <a:pt x="197935" y="4550245"/>
+                    <a:pt x="350594" y="4747142"/>
+                    <a:pt x="520779" y="4907591"/>
+                  </a:cubicBezTo>
+                  <a:cubicBezTo>
+                    <a:pt x="763600" y="5136565"/>
+                    <a:pt x="1043821" y="5291288"/>
+                    <a:pt x="1377154" y="5380604"/>
+                  </a:cubicBezTo>
+                  <a:cubicBezTo>
+                    <a:pt x="1963029" y="5537589"/>
+                    <a:pt x="2470519" y="5282804"/>
+                    <a:pt x="3123340" y="4905715"/>
+                  </a:cubicBezTo>
+                  <a:cubicBezTo>
+                    <a:pt x="3269800" y="4821157"/>
+                    <a:pt x="3411134" y="4747512"/>
+                    <a:pt x="3547863" y="4676342"/>
+                  </a:cubicBezTo>
+                  <a:cubicBezTo>
+                    <a:pt x="3804497" y="4542710"/>
+                    <a:pt x="4026085" y="4427393"/>
+                    <a:pt x="4186753" y="4289376"/>
+                  </a:cubicBezTo>
+                  <a:cubicBezTo>
+                    <a:pt x="4329009" y="4167293"/>
+                    <a:pt x="4410589" y="4037181"/>
+                    <a:pt x="4459565" y="3854399"/>
+                  </a:cubicBezTo>
+                  <a:cubicBezTo>
+                    <a:pt x="4548302" y="3523229"/>
+                    <a:pt x="4568981" y="3185183"/>
+                    <a:pt x="4521015" y="2849377"/>
+                  </a:cubicBezTo>
+                  <a:cubicBezTo>
+                    <a:pt x="4474709" y="2524680"/>
+                    <a:pt x="4366564" y="2215756"/>
+                    <a:pt x="4199723" y="1931213"/>
+                  </a:cubicBezTo>
+                  <a:cubicBezTo>
+                    <a:pt x="3863270" y="1357325"/>
+                    <a:pt x="3323982" y="946439"/>
+                    <a:pt x="2681217" y="774211"/>
+                  </a:cubicBezTo>
+                  <a:cubicBezTo>
+                    <a:pt x="2001139" y="591984"/>
+                    <a:pt x="1476322" y="649699"/>
+                    <a:pt x="926547" y="967112"/>
+                  </a:cubicBezTo>
+                  <a:cubicBezTo>
+                    <a:pt x="740730" y="1074393"/>
+                    <a:pt x="668642" y="1143989"/>
+                    <a:pt x="622677" y="1197863"/>
+                  </a:cubicBezTo>
+                  <a:cubicBezTo>
+                    <a:pt x="555599" y="1276450"/>
+                    <a:pt x="492360" y="1390031"/>
+                    <a:pt x="404892" y="1547314"/>
+                  </a:cubicBezTo>
+                  <a:cubicBezTo>
+                    <a:pt x="317047" y="1705133"/>
+                    <a:pt x="204816" y="1906756"/>
+                    <a:pt x="40135" y="2159090"/>
+                  </a:cubicBezTo>
+                  <a:lnTo>
+                    <a:pt x="0" y="2219367"/>
+                  </a:lnTo>
+                  <a:lnTo>
+                    <a:pt x="0" y="915659"/>
+                  </a:lnTo>
+                  <a:lnTo>
+                    <a:pt x="58609" y="828051"/>
+                  </a:lnTo>
+                  <a:cubicBezTo>
+                    <a:pt x="177453" y="670481"/>
+                    <a:pt x="325846" y="538291"/>
+                    <a:pt x="590688" y="385385"/>
+                  </a:cubicBezTo>
+                  <a:cubicBezTo>
+                    <a:pt x="1032158" y="130559"/>
+                    <a:pt x="1474329" y="3750"/>
+                    <a:pt x="1951393" y="82"/>
+                  </a:cubicBezTo>
+                  <a:close/>
+                </a:path>
+              </a:pathLst>
+            </a:custGeom>
+            <a:gradFill>
+              <a:gsLst>
+                <a:gs pos="2000">
+                  <a:schemeClr val="bg1">
+                    <a:alpha val="10000"/>
+                  </a:schemeClr>
+                </a:gs>
+                <a:gs pos="16000">
+                  <a:schemeClr val="accent6">
+                    <a:alpha val="10000"/>
+                  </a:schemeClr>
+                </a:gs>
+                <a:gs pos="100000">
+                  <a:schemeClr val="bg1">
+                    <a:alpha val="10000"/>
+                  </a:schemeClr>
+                </a:gs>
+                <a:gs pos="85000">
+                  <a:schemeClr val="accent1">
+                    <a:alpha val="10000"/>
+                  </a:schemeClr>
+                </a:gs>
+              </a:gsLst>
+              <a:lin ang="12000000" scaled="0"/>
+            </a:gradFill>
+            <a:ln>
+              <a:noFill/>
+            </a:ln>
+          </p:spPr>
+          <p:style>
+            <a:lnRef idx="2">
+              <a:schemeClr val="accent1">
+                <a:shade val="50000"/>
+              </a:schemeClr>
+            </a:lnRef>
+            <a:fillRef idx="1">
+              <a:schemeClr val="accent1"/>
+            </a:fillRef>
+            <a:effectRef idx="0">
+              <a:schemeClr val="accent1"/>
+            </a:effectRef>
+            <a:fontRef idx="minor">
+              <a:schemeClr val="lt1"/>
+            </a:fontRef>
+          </p:style>
+          <p:txBody>
+            <a:bodyPr wrap="square" rtlCol="0" anchor="ctr">
+              <a:noAutofit/>
+            </a:bodyPr>
+            <a:lstStyle/>
+            <a:p>
+              <a:pPr algn="ctr"/>
+              <a:endParaRPr lang="en-US"/>
+            </a:p>
+          </p:txBody>
+        </p:sp>
+        <p:sp>
+          <p:nvSpPr>
+            <p:cNvPr id="16" name="Freeform: Shape 15">
+              <a:extLst>
+                <a:ext uri="{FF2B5EF4-FFF2-40B4-BE49-F238E27FC236}">
+                  <a16:creationId xmlns:a16="http://schemas.microsoft.com/office/drawing/2014/main" id="{2A9D1364-B6A3-44CB-9FBA-C528F0CE909D}"/>
+                </a:ext>
+                <a:ext uri="{C183D7F6-B498-43B3-948B-1728B52AA6E4}">
+                  <adec:decorative xmlns:adec="http://schemas.microsoft.com/office/drawing/2017/decorative" val="1"/>
+                </a:ext>
+              </a:extLst>
+            </p:cNvPr>
+            <p:cNvSpPr/>
+            <p:nvPr>
+              <p:extLst>
+                <p:ext uri="{386F3935-93C4-4BCD-93E2-E3B085C9AB24}">
+                  <p16:designElem xmlns:p16="http://schemas.microsoft.com/office/powerpoint/2015/main" val="1"/>
+                </p:ext>
+              </p:extLst>
+            </p:nvPr>
+          </p:nvSpPr>
+          <p:spPr>
+            <a:xfrm>
+              <a:off x="-19220" y="319367"/>
+              <a:ext cx="5217957" cy="6100079"/>
+            </a:xfrm>
+            <a:custGeom>
+              <a:avLst/>
+              <a:gdLst>
+                <a:gd name="connsiteX0" fmla="*/ 1951394 w 5217957"/>
+                <a:gd name="connsiteY0" fmla="*/ 82 h 6100079"/>
+                <a:gd name="connsiteX1" fmla="*/ 2855178 w 5217957"/>
+                <a:gd name="connsiteY1" fmla="*/ 125419 h 6100079"/>
+                <a:gd name="connsiteX2" fmla="*/ 4779341 w 5217957"/>
+                <a:gd name="connsiteY2" fmla="*/ 1591542 h 6100079"/>
+                <a:gd name="connsiteX3" fmla="*/ 5108574 w 5217957"/>
+                <a:gd name="connsiteY3" fmla="*/ 4028416 h 6100079"/>
+                <a:gd name="connsiteX4" fmla="*/ 3459359 w 5217957"/>
+                <a:gd name="connsiteY4" fmla="*/ 5487716 h 6100079"/>
+                <a:gd name="connsiteX5" fmla="*/ 1203275 w 5217957"/>
+                <a:gd name="connsiteY5" fmla="*/ 6029534 h 6100079"/>
+                <a:gd name="connsiteX6" fmla="*/ 59921 w 5217957"/>
+                <a:gd name="connsiteY6" fmla="*/ 5396467 h 6100079"/>
+                <a:gd name="connsiteX7" fmla="*/ 0 w 5217957"/>
+                <a:gd name="connsiteY7" fmla="*/ 5333381 h 6100079"/>
+                <a:gd name="connsiteX8" fmla="*/ 0 w 5217957"/>
+                <a:gd name="connsiteY8" fmla="*/ 4427327 h 6100079"/>
+                <a:gd name="connsiteX9" fmla="*/ 112056 w 5217957"/>
+                <a:gd name="connsiteY9" fmla="*/ 4602502 h 6100079"/>
+                <a:gd name="connsiteX10" fmla="*/ 443875 w 5217957"/>
+                <a:gd name="connsiteY10" fmla="*/ 4989110 h 6100079"/>
+                <a:gd name="connsiteX11" fmla="*/ 1348175 w 5217957"/>
+                <a:gd name="connsiteY11" fmla="*/ 5488759 h 6100079"/>
+                <a:gd name="connsiteX12" fmla="*/ 2221463 w 5217957"/>
+                <a:gd name="connsiteY12" fmla="*/ 5461704 h 6100079"/>
+                <a:gd name="connsiteX13" fmla="*/ 3179339 w 5217957"/>
+                <a:gd name="connsiteY13" fmla="*/ 5003023 h 6100079"/>
+                <a:gd name="connsiteX14" fmla="*/ 3599638 w 5217957"/>
+                <a:gd name="connsiteY14" fmla="*/ 4775996 h 6100079"/>
+                <a:gd name="connsiteX15" fmla="*/ 4259765 w 5217957"/>
+                <a:gd name="connsiteY15" fmla="*/ 4374667 h 6100079"/>
+                <a:gd name="connsiteX16" fmla="*/ 4567742 w 5217957"/>
+                <a:gd name="connsiteY16" fmla="*/ 3883732 h 6100079"/>
+                <a:gd name="connsiteX17" fmla="*/ 4631929 w 5217957"/>
+                <a:gd name="connsiteY17" fmla="*/ 2833886 h 6100079"/>
+                <a:gd name="connsiteX18" fmla="*/ 4296412 w 5217957"/>
+                <a:gd name="connsiteY18" fmla="*/ 1874932 h 6100079"/>
+                <a:gd name="connsiteX19" fmla="*/ 2710219 w 5217957"/>
+                <a:gd name="connsiteY19" fmla="*/ 666410 h 6100079"/>
+                <a:gd name="connsiteX20" fmla="*/ 1732642 w 5217957"/>
+                <a:gd name="connsiteY20" fmla="*/ 573480 h 6100079"/>
+                <a:gd name="connsiteX21" fmla="*/ 870621 w 5217957"/>
+                <a:gd name="connsiteY21" fmla="*/ 870402 h 6100079"/>
+                <a:gd name="connsiteX22" fmla="*/ 537555 w 5217957"/>
+                <a:gd name="connsiteY22" fmla="*/ 1125324 h 6100079"/>
+                <a:gd name="connsiteX23" fmla="*/ 306995 w 5217957"/>
+                <a:gd name="connsiteY23" fmla="*/ 1493030 h 6100079"/>
+                <a:gd name="connsiteX24" fmla="*/ 23579 w 5217957"/>
+                <a:gd name="connsiteY24" fmla="*/ 1977465 h 6100079"/>
+                <a:gd name="connsiteX25" fmla="*/ 0 w 5217957"/>
+                <a:gd name="connsiteY25" fmla="*/ 2014291 h 6100079"/>
+                <a:gd name="connsiteX26" fmla="*/ 0 w 5217957"/>
+                <a:gd name="connsiteY26" fmla="*/ 915660 h 6100079"/>
+                <a:gd name="connsiteX27" fmla="*/ 58609 w 5217957"/>
+                <a:gd name="connsiteY27" fmla="*/ 828051 h 6100079"/>
+                <a:gd name="connsiteX28" fmla="*/ 590689 w 5217957"/>
+                <a:gd name="connsiteY28" fmla="*/ 385385 h 6100079"/>
+                <a:gd name="connsiteX29" fmla="*/ 1951394 w 5217957"/>
+                <a:gd name="connsiteY29" fmla="*/ 82 h 6100079"/>
+              </a:gdLst>
+              <a:ahLst/>
+              <a:cxnLst>
+                <a:cxn ang="0">
+                  <a:pos x="connsiteX0" y="connsiteY0"/>
+                </a:cxn>
+                <a:cxn ang="0">
+                  <a:pos x="connsiteX1" y="connsiteY1"/>
+                </a:cxn>
+                <a:cxn ang="0">
+                  <a:pos x="connsiteX2" y="connsiteY2"/>
+                </a:cxn>
+                <a:cxn ang="0">
+                  <a:pos x="connsiteX3" y="connsiteY3"/>
+                </a:cxn>
+                <a:cxn ang="0">
+                  <a:pos x="connsiteX4" y="connsiteY4"/>
+                </a:cxn>
+                <a:cxn ang="0">
+                  <a:pos x="connsiteX5" y="connsiteY5"/>
+                </a:cxn>
+                <a:cxn ang="0">
+                  <a:pos x="connsiteX6" y="connsiteY6"/>
+                </a:cxn>
+                <a:cxn ang="0">
+                  <a:pos x="connsiteX7" y="connsiteY7"/>
+                </a:cxn>
+                <a:cxn ang="0">
+                  <a:pos x="connsiteX8" y="connsiteY8"/>
+                </a:cxn>
+                <a:cxn ang="0">
+                  <a:pos x="connsiteX9" y="connsiteY9"/>
+                </a:cxn>
+                <a:cxn ang="0">
+                  <a:pos x="connsiteX10" y="connsiteY10"/>
+                </a:cxn>
+                <a:cxn ang="0">
+                  <a:pos x="connsiteX11" y="connsiteY11"/>
+                </a:cxn>
+                <a:cxn ang="0">
+                  <a:pos x="connsiteX12" y="connsiteY12"/>
+                </a:cxn>
+                <a:cxn ang="0">
+                  <a:pos x="connsiteX13" y="connsiteY13"/>
+                </a:cxn>
+                <a:cxn ang="0">
+                  <a:pos x="connsiteX14" y="connsiteY14"/>
+                </a:cxn>
+                <a:cxn ang="0">
+                  <a:pos x="connsiteX15" y="connsiteY15"/>
+                </a:cxn>
+                <a:cxn ang="0">
+                  <a:pos x="connsiteX16" y="connsiteY16"/>
+                </a:cxn>
+                <a:cxn ang="0">
+                  <a:pos x="connsiteX17" y="connsiteY17"/>
+                </a:cxn>
+                <a:cxn ang="0">
+                  <a:pos x="connsiteX18" y="connsiteY18"/>
+                </a:cxn>
+                <a:cxn ang="0">
+                  <a:pos x="connsiteX19" y="connsiteY19"/>
+                </a:cxn>
+                <a:cxn ang="0">
+                  <a:pos x="connsiteX20" y="connsiteY20"/>
+                </a:cxn>
+                <a:cxn ang="0">
+                  <a:pos x="connsiteX21" y="connsiteY21"/>
+                </a:cxn>
+                <a:cxn ang="0">
+                  <a:pos x="connsiteX22" y="connsiteY22"/>
+                </a:cxn>
+                <a:cxn ang="0">
+                  <a:pos x="connsiteX23" y="connsiteY23"/>
+                </a:cxn>
+                <a:cxn ang="0">
+                  <a:pos x="connsiteX24" y="connsiteY24"/>
+                </a:cxn>
+                <a:cxn ang="0">
+                  <a:pos x="connsiteX25" y="connsiteY25"/>
+                </a:cxn>
+                <a:cxn ang="0">
+                  <a:pos x="connsiteX26" y="connsiteY26"/>
+                </a:cxn>
+                <a:cxn ang="0">
+                  <a:pos x="connsiteX27" y="connsiteY27"/>
+                </a:cxn>
+                <a:cxn ang="0">
+                  <a:pos x="connsiteX28" y="connsiteY28"/>
+                </a:cxn>
+                <a:cxn ang="0">
+                  <a:pos x="connsiteX29" y="connsiteY29"/>
+                </a:cxn>
+              </a:cxnLst>
+              <a:rect l="l" t="t" r="r" b="b"/>
+              <a:pathLst>
+                <a:path w="5217957" h="6100079">
+                  <a:moveTo>
+                    <a:pt x="1951394" y="82"/>
+                  </a:moveTo>
+                  <a:cubicBezTo>
+                    <a:pt x="2237632" y="-2119"/>
+                    <a:pt x="2536431" y="40011"/>
+                    <a:pt x="2855178" y="125419"/>
+                  </a:cubicBezTo>
+                  <a:cubicBezTo>
+                    <a:pt x="3697704" y="351173"/>
+                    <a:pt x="4370491" y="894159"/>
+                    <a:pt x="4779341" y="1591542"/>
+                  </a:cubicBezTo>
+                  <a:cubicBezTo>
+                    <a:pt x="5195535" y="2301324"/>
+                    <a:pt x="5338357" y="3170855"/>
+                    <a:pt x="5108574" y="4028416"/>
+                  </a:cubicBezTo>
+                  <a:cubicBezTo>
+                    <a:pt x="4880820" y="4878406"/>
+                    <a:pt x="4165604" y="5079965"/>
+                    <a:pt x="3459359" y="5487716"/>
+                  </a:cubicBezTo>
+                  <a:cubicBezTo>
+                    <a:pt x="2753115" y="5895466"/>
+                    <a:pt x="2053265" y="6257288"/>
+                    <a:pt x="1203275" y="6029534"/>
+                  </a:cubicBezTo>
+                  <a:cubicBezTo>
+                    <a:pt x="739885" y="5905369"/>
+                    <a:pt x="366400" y="5685345"/>
+                    <a:pt x="59921" y="5396467"/>
+                  </a:cubicBezTo>
+                  <a:lnTo>
+                    <a:pt x="0" y="5333381"/>
+                  </a:lnTo>
+                  <a:lnTo>
+                    <a:pt x="0" y="4427327"/>
+                  </a:lnTo>
+                  <a:lnTo>
+                    <a:pt x="112056" y="4602502"/>
+                  </a:lnTo>
+                  <a:cubicBezTo>
+                    <a:pt x="215300" y="4749260"/>
+                    <a:pt x="325419" y="4877443"/>
+                    <a:pt x="443875" y="4989110"/>
+                  </a:cubicBezTo>
+                  <a:cubicBezTo>
+                    <a:pt x="700709" y="5231113"/>
+                    <a:pt x="996455" y="5394516"/>
+                    <a:pt x="1348175" y="5488759"/>
+                  </a:cubicBezTo>
+                  <a:cubicBezTo>
+                    <a:pt x="1633379" y="5565179"/>
+                    <a:pt x="1910917" y="5556430"/>
+                    <a:pt x="2221463" y="5461704"/>
+                  </a:cubicBezTo>
+                  <a:cubicBezTo>
+                    <a:pt x="2541923" y="5363721"/>
+                    <a:pt x="2870374" y="5181404"/>
+                    <a:pt x="3179339" y="5003023"/>
+                  </a:cubicBezTo>
+                  <a:cubicBezTo>
+                    <a:pt x="3323713" y="4919760"/>
+                    <a:pt x="3463978" y="4846641"/>
+                    <a:pt x="3599638" y="4775996"/>
+                  </a:cubicBezTo>
+                  <a:cubicBezTo>
+                    <a:pt x="3862436" y="4639263"/>
+                    <a:pt x="4089314" y="4521074"/>
+                    <a:pt x="4259765" y="4374667"/>
+                  </a:cubicBezTo>
+                  <a:cubicBezTo>
+                    <a:pt x="4418282" y="4238625"/>
+                    <a:pt x="4513201" y="4087280"/>
+                    <a:pt x="4567742" y="3883732"/>
+                  </a:cubicBezTo>
+                  <a:cubicBezTo>
+                    <a:pt x="4660420" y="3537853"/>
+                    <a:pt x="4682033" y="3184640"/>
+                    <a:pt x="4631929" y="2833886"/>
+                  </a:cubicBezTo>
+                  <a:cubicBezTo>
+                    <a:pt x="4583584" y="2494734"/>
+                    <a:pt x="4470646" y="2172121"/>
+                    <a:pt x="4296412" y="1874932"/>
+                  </a:cubicBezTo>
+                  <a:cubicBezTo>
+                    <a:pt x="3944879" y="1275559"/>
+                    <a:pt x="3381537" y="846289"/>
+                    <a:pt x="2710219" y="666410"/>
+                  </a:cubicBezTo>
+                  <a:cubicBezTo>
+                    <a:pt x="2349955" y="569877"/>
+                    <a:pt x="2030161" y="539483"/>
+                    <a:pt x="1732642" y="573480"/>
+                  </a:cubicBezTo>
+                  <a:cubicBezTo>
+                    <a:pt x="1440866" y="606814"/>
+                    <a:pt x="1158880" y="703976"/>
+                    <a:pt x="870621" y="870402"/>
+                  </a:cubicBezTo>
+                  <a:cubicBezTo>
+                    <a:pt x="670160" y="986048"/>
+                    <a:pt x="589753" y="1064195"/>
+                    <a:pt x="537555" y="1125324"/>
+                  </a:cubicBezTo>
+                  <a:cubicBezTo>
+                    <a:pt x="463218" y="1212400"/>
+                    <a:pt x="397708" y="1330125"/>
+                    <a:pt x="306995" y="1493030"/>
+                  </a:cubicBezTo>
+                  <a:cubicBezTo>
+                    <a:pt x="234596" y="1623167"/>
+                    <a:pt x="145436" y="1783409"/>
+                    <a:pt x="23579" y="1977465"/>
+                  </a:cubicBezTo>
+                  <a:lnTo>
+                    <a:pt x="0" y="2014291"/>
+                  </a:lnTo>
+                  <a:lnTo>
+                    <a:pt x="0" y="915660"/>
+                  </a:lnTo>
+                  <a:lnTo>
+                    <a:pt x="58609" y="828051"/>
+                  </a:lnTo>
+                  <a:cubicBezTo>
+                    <a:pt x="177453" y="670481"/>
+                    <a:pt x="325847" y="538291"/>
+                    <a:pt x="590689" y="385385"/>
+                  </a:cubicBezTo>
+                  <a:cubicBezTo>
+                    <a:pt x="1032159" y="130559"/>
+                    <a:pt x="1474330" y="3750"/>
+                    <a:pt x="1951394" y="82"/>
+                  </a:cubicBezTo>
+                  <a:close/>
+                </a:path>
+              </a:pathLst>
+            </a:custGeom>
+            <a:gradFill>
+              <a:gsLst>
+                <a:gs pos="2000">
+                  <a:schemeClr val="bg1">
+                    <a:alpha val="10000"/>
+                  </a:schemeClr>
+                </a:gs>
+                <a:gs pos="16000">
+                  <a:schemeClr val="accent6">
+                    <a:alpha val="10000"/>
+                  </a:schemeClr>
+                </a:gs>
+                <a:gs pos="100000">
+                  <a:schemeClr val="bg1">
+                    <a:alpha val="10000"/>
+                  </a:schemeClr>
+                </a:gs>
+                <a:gs pos="85000">
+                  <a:schemeClr val="accent1">
+                    <a:alpha val="10000"/>
+                  </a:schemeClr>
+                </a:gs>
+              </a:gsLst>
+              <a:lin ang="12000000" scaled="0"/>
+            </a:gradFill>
+            <a:ln>
+              <a:noFill/>
+            </a:ln>
+          </p:spPr>
+          <p:style>
+            <a:lnRef idx="2">
+              <a:schemeClr val="accent1">
+                <a:shade val="50000"/>
+              </a:schemeClr>
+            </a:lnRef>
+            <a:fillRef idx="1">
+              <a:schemeClr val="accent1"/>
+            </a:fillRef>
+            <a:effectRef idx="0">
+              <a:schemeClr val="accent1"/>
+            </a:effectRef>
+            <a:fontRef idx="minor">
+              <a:schemeClr val="lt1"/>
+            </a:fontRef>
+          </p:style>
+          <p:txBody>
+            <a:bodyPr wrap="square" rtlCol="0" anchor="ctr">
+              <a:noAutofit/>
+            </a:bodyPr>
+            <a:lstStyle/>
+            <a:p>
+              <a:pPr algn="ctr"/>
+              <a:endParaRPr lang="en-US"/>
+            </a:p>
+          </p:txBody>
+        </p:sp>
+      </p:grpSp>
+      <p:sp>
+        <p:nvSpPr>
+          <p:cNvPr id="2" name="Title 1">
+            <a:extLst>
+              <a:ext uri="{FF2B5EF4-FFF2-40B4-BE49-F238E27FC236}">
+                <a16:creationId xmlns:a16="http://schemas.microsoft.com/office/drawing/2014/main" id="{1E2A9273-D762-372A-CAEA-2EB6FF7AE9E9}"/>
+              </a:ext>
+            </a:extLst>
+          </p:cNvPr>
+          <p:cNvSpPr>
+            <a:spLocks noGrp="1"/>
+          </p:cNvSpPr>
+          <p:nvPr>
+            <p:ph type="title"/>
+          </p:nvPr>
+        </p:nvSpPr>
+        <p:spPr>
+          <a:xfrm>
+            <a:off x="640080" y="1243013"/>
+            <a:ext cx="3855720" cy="4371974"/>
+          </a:xfrm>
+        </p:spPr>
+        <p:txBody>
+          <a:bodyPr>
+            <a:normAutofit/>
+          </a:bodyPr>
+          <a:lstStyle/>
+          <a:p>
+            <a:r>
+              <a:rPr lang="en-US" sz="3600">
+                <a:solidFill>
+                  <a:schemeClr val="tx2"/>
+                </a:solidFill>
+              </a:rPr>
+              <a:t>Definition of Data Set</a:t>
+            </a:r>
+          </a:p>
+        </p:txBody>
+      </p:sp>
+      <p:sp>
+        <p:nvSpPr>
+          <p:cNvPr id="3" name="Content Placeholder 2">
+            <a:extLst>
+              <a:ext uri="{FF2B5EF4-FFF2-40B4-BE49-F238E27FC236}">
+                <a16:creationId xmlns:a16="http://schemas.microsoft.com/office/drawing/2014/main" id="{E3415F60-84C8-2DF9-B6A7-3C83EDD21133}"/>
+              </a:ext>
+            </a:extLst>
+          </p:cNvPr>
+          <p:cNvSpPr>
+            <a:spLocks noGrp="1"/>
+          </p:cNvSpPr>
+          <p:nvPr>
+            <p:ph idx="1"/>
+          </p:nvPr>
+        </p:nvSpPr>
+        <p:spPr>
+          <a:xfrm>
+            <a:off x="6172200" y="804672"/>
+            <a:ext cx="5221224" cy="5230368"/>
+          </a:xfrm>
+        </p:spPr>
+        <p:txBody>
+          <a:bodyPr anchor="ctr">
+            <a:normAutofit/>
+          </a:bodyPr>
+          <a:lstStyle/>
+          <a:p>
+            <a:r>
+              <a:rPr lang="en-US" sz="1800" dirty="0">
+                <a:solidFill>
+                  <a:schemeClr val="tx2"/>
+                </a:solidFill>
+              </a:rPr>
+              <a:t>Our data contains different characteristics about various households in the Philippines. To talk about these features in general;  information about household members, information about the utilities of their house, and income-expenditure attributes.</a:t>
+            </a:r>
+          </a:p>
+        </p:txBody>
+      </p:sp>
+    </p:spTree>
+    <p:extLst>
+      <p:ext uri="{BB962C8B-B14F-4D97-AF65-F5344CB8AC3E}">
+        <p14:creationId xmlns:p14="http://schemas.microsoft.com/office/powerpoint/2010/main" val="735200876"/>
+      </p:ext>
+    </p:extLst>
+  </p:cSld>
+  <p:clrMapOvr>
+    <a:masterClrMapping/>
+  </p:clrMapOvr>
+</p:sld>
+</file>
+
+<file path=ppt/slides/slide5.xml><?xml version="1.0" encoding="utf-8"?>
+<p:sld xmlns:a="http://schemas.openxmlformats.org/drawingml/2006/main" xmlns:r="http://schemas.openxmlformats.org/officeDocument/2006/relationships" xmlns:p="http://schemas.openxmlformats.org/presentationml/2006/main">
+  <p:cSld>
+    <p:bg>
+      <p:bgPr>
+        <a:solidFill>
+          <a:schemeClr val="bg1"/>
+        </a:solidFill>
+        <a:effectLst/>
+      </p:bgPr>
+    </p:bg>
+    <p:spTree>
+      <p:nvGrpSpPr>
+        <p:cNvPr id="1" name=""/>
+        <p:cNvGrpSpPr/>
+        <p:nvPr/>
+      </p:nvGrpSpPr>
+      <p:grpSpPr>
+        <a:xfrm>
+          <a:off x="0" y="0"/>
+          <a:ext cx="0" cy="0"/>
+          <a:chOff x="0" y="0"/>
+          <a:chExt cx="0" cy="0"/>
+        </a:xfrm>
+      </p:grpSpPr>
+      <p:sp useBgFill="1">
+        <p:nvSpPr>
           <p:cNvPr id="10" name="Rectangle 9">
             <a:extLst>
               <a:ext uri="{FF2B5EF4-FFF2-40B4-BE49-F238E27FC236}">
@@ -25160,7 +28919,7 @@
 </p:sld>
 </file>
 
-<file path=ppt/slides/slide5.xml><?xml version="1.0" encoding="utf-8"?>
+<file path=ppt/slides/slide6.xml><?xml version="1.0" encoding="utf-8"?>
 <p:sld xmlns:a="http://schemas.openxmlformats.org/drawingml/2006/main" xmlns:r="http://schemas.openxmlformats.org/officeDocument/2006/relationships" xmlns:p="http://schemas.openxmlformats.org/presentationml/2006/main">
   <p:cSld>
     <p:bg>
@@ -25927,7 +29686,7 @@
 </p:sld>
 </file>
 
-<file path=ppt/slides/slide6.xml><?xml version="1.0" encoding="utf-8"?>
+<file path=ppt/slides/slide7.xml><?xml version="1.0" encoding="utf-8"?>
 <p:sld xmlns:a="http://schemas.openxmlformats.org/drawingml/2006/main" xmlns:r="http://schemas.openxmlformats.org/officeDocument/2006/relationships" xmlns:p="http://schemas.openxmlformats.org/presentationml/2006/main">
   <p:cSld>
     <p:bg>
@@ -26091,7 +29850,7 @@
 </p:sld>
 </file>
 
-<file path=ppt/slides/slide7.xml><?xml version="1.0" encoding="utf-8"?>
+<file path=ppt/slides/slide8.xml><?xml version="1.0" encoding="utf-8"?>
 <p:sld xmlns:a="http://schemas.openxmlformats.org/drawingml/2006/main" xmlns:r="http://schemas.openxmlformats.org/officeDocument/2006/relationships" xmlns:p="http://schemas.openxmlformats.org/presentationml/2006/main">
   <p:cSld>
     <p:bg>
@@ -26559,7 +30318,7 @@
 </p:sld>
 </file>
 
-<file path=ppt/slides/slide8.xml><?xml version="1.0" encoding="utf-8"?>
+<file path=ppt/slides/slide9.xml><?xml version="1.0" encoding="utf-8"?>
 <p:sld xmlns:a="http://schemas.openxmlformats.org/drawingml/2006/main" xmlns:r="http://schemas.openxmlformats.org/officeDocument/2006/relationships" xmlns:p="http://schemas.openxmlformats.org/presentationml/2006/main">
   <p:cSld>
     <p:bg>
@@ -27027,474 +30786,6 @@
 </p:sld>
 </file>
 
-<file path=ppt/slides/slide9.xml><?xml version="1.0" encoding="utf-8"?>
-<p:sld xmlns:a="http://schemas.openxmlformats.org/drawingml/2006/main" xmlns:r="http://schemas.openxmlformats.org/officeDocument/2006/relationships" xmlns:p="http://schemas.openxmlformats.org/presentationml/2006/main">
-  <p:cSld>
-    <p:bg>
-      <p:bgPr>
-        <a:solidFill>
-          <a:schemeClr val="bg1"/>
-        </a:solidFill>
-        <a:effectLst/>
-      </p:bgPr>
-    </p:bg>
-    <p:spTree>
-      <p:nvGrpSpPr>
-        <p:cNvPr id="1" name=""/>
-        <p:cNvGrpSpPr/>
-        <p:nvPr/>
-      </p:nvGrpSpPr>
-      <p:grpSpPr>
-        <a:xfrm>
-          <a:off x="0" y="0"/>
-          <a:ext cx="0" cy="0"/>
-          <a:chOff x="0" y="0"/>
-          <a:chExt cx="0" cy="0"/>
-        </a:xfrm>
-      </p:grpSpPr>
-      <p:sp useBgFill="1">
-        <p:nvSpPr>
-          <p:cNvPr id="33" name="Rectangle 32">
-            <a:extLst>
-              <a:ext uri="{FF2B5EF4-FFF2-40B4-BE49-F238E27FC236}">
-                <a16:creationId xmlns:a16="http://schemas.microsoft.com/office/drawing/2014/main" id="{2B97F24A-32CE-4C1C-A50D-3016B394DCFB}"/>
-              </a:ext>
-              <a:ext uri="{C183D7F6-B498-43B3-948B-1728B52AA6E4}">
-                <adec:decorative xmlns:adec="http://schemas.microsoft.com/office/drawing/2017/decorative" val="1"/>
-              </a:ext>
-            </a:extLst>
-          </p:cNvPr>
-          <p:cNvSpPr>
-            <a:spLocks noGrp="1" noRot="1" noChangeAspect="1" noMove="1" noResize="1" noEditPoints="1" noAdjustHandles="1" noChangeArrowheads="1" noChangeShapeType="1" noTextEdit="1"/>
-          </p:cNvSpPr>
-          <p:nvPr>
-            <p:extLst>
-              <p:ext uri="{386F3935-93C4-4BCD-93E2-E3B085C9AB24}">
-                <p16:designElem xmlns:p16="http://schemas.microsoft.com/office/powerpoint/2015/main" val="1"/>
-              </p:ext>
-            </p:extLst>
-          </p:nvPr>
-        </p:nvSpPr>
-        <p:spPr>
-          <a:xfrm>
-            <a:off x="0" y="0"/>
-            <a:ext cx="12192000" cy="6858000"/>
-          </a:xfrm>
-          <a:prstGeom prst="rect">
-            <a:avLst/>
-          </a:prstGeom>
-          <a:ln>
-            <a:noFill/>
-          </a:ln>
-        </p:spPr>
-        <p:style>
-          <a:lnRef idx="2">
-            <a:schemeClr val="accent1">
-              <a:shade val="50000"/>
-            </a:schemeClr>
-          </a:lnRef>
-          <a:fillRef idx="1">
-            <a:schemeClr val="accent1"/>
-          </a:fillRef>
-          <a:effectRef idx="0">
-            <a:schemeClr val="accent1"/>
-          </a:effectRef>
-          <a:fontRef idx="minor">
-            <a:schemeClr val="lt1"/>
-          </a:fontRef>
-        </p:style>
-        <p:txBody>
-          <a:bodyPr rtlCol="0" anchor="ctr"/>
-          <a:lstStyle/>
-          <a:p>
-            <a:pPr algn="ctr"/>
-            <a:endParaRPr lang="en-US"/>
-          </a:p>
-        </p:txBody>
-      </p:sp>
-      <p:sp>
-        <p:nvSpPr>
-          <p:cNvPr id="2" name="Title 1">
-            <a:extLst>
-              <a:ext uri="{FF2B5EF4-FFF2-40B4-BE49-F238E27FC236}">
-                <a16:creationId xmlns:a16="http://schemas.microsoft.com/office/drawing/2014/main" id="{1CB61A8B-7742-3454-8AB0-CAB8116E2A76}"/>
-              </a:ext>
-            </a:extLst>
-          </p:cNvPr>
-          <p:cNvSpPr>
-            <a:spLocks noGrp="1"/>
-          </p:cNvSpPr>
-          <p:nvPr>
-            <p:ph type="title"/>
-          </p:nvPr>
-        </p:nvSpPr>
-        <p:spPr>
-          <a:xfrm>
-            <a:off x="630936" y="639520"/>
-            <a:ext cx="3429000" cy="1719072"/>
-          </a:xfrm>
-        </p:spPr>
-        <p:txBody>
-          <a:bodyPr anchor="b">
-            <a:normAutofit/>
-          </a:bodyPr>
-          <a:lstStyle/>
-          <a:p>
-            <a:r>
-              <a:rPr lang="en-US" sz="3800"/>
-              <a:t>Dataset Attribute Descriptions</a:t>
-            </a:r>
-          </a:p>
-        </p:txBody>
-      </p:sp>
-      <p:sp>
-        <p:nvSpPr>
-          <p:cNvPr id="35" name="sketch line">
-            <a:extLst>
-              <a:ext uri="{FF2B5EF4-FFF2-40B4-BE49-F238E27FC236}">
-                <a16:creationId xmlns:a16="http://schemas.microsoft.com/office/drawing/2014/main" id="{6357EC4F-235E-4222-A36F-C7878ACE37F2}"/>
-              </a:ext>
-              <a:ext uri="{C183D7F6-B498-43B3-948B-1728B52AA6E4}">
-                <adec:decorative xmlns:adec="http://schemas.microsoft.com/office/drawing/2017/decorative" val="1"/>
-              </a:ext>
-            </a:extLst>
-          </p:cNvPr>
-          <p:cNvSpPr>
-            <a:spLocks noGrp="1" noRot="1" noChangeAspect="1" noMove="1" noResize="1" noEditPoints="1" noAdjustHandles="1" noChangeArrowheads="1" noChangeShapeType="1" noTextEdit="1"/>
-          </p:cNvSpPr>
-          <p:nvPr>
-            <p:extLst>
-              <p:ext uri="{386F3935-93C4-4BCD-93E2-E3B085C9AB24}">
-                <p16:designElem xmlns:p16="http://schemas.microsoft.com/office/powerpoint/2015/main" val="1"/>
-              </p:ext>
-            </p:extLst>
-          </p:nvPr>
-        </p:nvSpPr>
-        <p:spPr>
-          <a:xfrm>
-            <a:off x="643278" y="2573756"/>
-            <a:ext cx="3255095" cy="18288"/>
-          </a:xfrm>
-          <a:custGeom>
-            <a:avLst/>
-            <a:gdLst>
-              <a:gd name="connsiteX0" fmla="*/ 0 w 3255095"/>
-              <a:gd name="connsiteY0" fmla="*/ 0 h 18288"/>
-              <a:gd name="connsiteX1" fmla="*/ 618468 w 3255095"/>
-              <a:gd name="connsiteY1" fmla="*/ 0 h 18288"/>
-              <a:gd name="connsiteX2" fmla="*/ 1269487 w 3255095"/>
-              <a:gd name="connsiteY2" fmla="*/ 0 h 18288"/>
-              <a:gd name="connsiteX3" fmla="*/ 1953057 w 3255095"/>
-              <a:gd name="connsiteY3" fmla="*/ 0 h 18288"/>
-              <a:gd name="connsiteX4" fmla="*/ 2636627 w 3255095"/>
-              <a:gd name="connsiteY4" fmla="*/ 0 h 18288"/>
-              <a:gd name="connsiteX5" fmla="*/ 3255095 w 3255095"/>
-              <a:gd name="connsiteY5" fmla="*/ 0 h 18288"/>
-              <a:gd name="connsiteX6" fmla="*/ 3255095 w 3255095"/>
-              <a:gd name="connsiteY6" fmla="*/ 18288 h 18288"/>
-              <a:gd name="connsiteX7" fmla="*/ 2538974 w 3255095"/>
-              <a:gd name="connsiteY7" fmla="*/ 18288 h 18288"/>
-              <a:gd name="connsiteX8" fmla="*/ 1822853 w 3255095"/>
-              <a:gd name="connsiteY8" fmla="*/ 18288 h 18288"/>
-              <a:gd name="connsiteX9" fmla="*/ 1171834 w 3255095"/>
-              <a:gd name="connsiteY9" fmla="*/ 18288 h 18288"/>
-              <a:gd name="connsiteX10" fmla="*/ 0 w 3255095"/>
-              <a:gd name="connsiteY10" fmla="*/ 18288 h 18288"/>
-              <a:gd name="connsiteX11" fmla="*/ 0 w 3255095"/>
-              <a:gd name="connsiteY11" fmla="*/ 0 h 18288"/>
-            </a:gdLst>
-            <a:ahLst/>
-            <a:cxnLst>
-              <a:cxn ang="0">
-                <a:pos x="connsiteX0" y="connsiteY0"/>
-              </a:cxn>
-              <a:cxn ang="0">
-                <a:pos x="connsiteX1" y="connsiteY1"/>
-              </a:cxn>
-              <a:cxn ang="0">
-                <a:pos x="connsiteX2" y="connsiteY2"/>
-              </a:cxn>
-              <a:cxn ang="0">
-                <a:pos x="connsiteX3" y="connsiteY3"/>
-              </a:cxn>
-              <a:cxn ang="0">
-                <a:pos x="connsiteX4" y="connsiteY4"/>
-              </a:cxn>
-              <a:cxn ang="0">
-                <a:pos x="connsiteX5" y="connsiteY5"/>
-              </a:cxn>
-              <a:cxn ang="0">
-                <a:pos x="connsiteX6" y="connsiteY6"/>
-              </a:cxn>
-              <a:cxn ang="0">
-                <a:pos x="connsiteX7" y="connsiteY7"/>
-              </a:cxn>
-              <a:cxn ang="0">
-                <a:pos x="connsiteX8" y="connsiteY8"/>
-              </a:cxn>
-              <a:cxn ang="0">
-                <a:pos x="connsiteX9" y="connsiteY9"/>
-              </a:cxn>
-              <a:cxn ang="0">
-                <a:pos x="connsiteX10" y="connsiteY10"/>
-              </a:cxn>
-              <a:cxn ang="0">
-                <a:pos x="connsiteX11" y="connsiteY11"/>
-              </a:cxn>
-            </a:cxnLst>
-            <a:rect l="l" t="t" r="r" b="b"/>
-            <a:pathLst>
-              <a:path w="3255095" h="18288" fill="none" extrusionOk="0">
-                <a:moveTo>
-                  <a:pt x="0" y="0"/>
-                </a:moveTo>
-                <a:cubicBezTo>
-                  <a:pt x="240201" y="-22123"/>
-                  <a:pt x="462021" y="-19623"/>
-                  <a:pt x="618468" y="0"/>
-                </a:cubicBezTo>
-                <a:cubicBezTo>
-                  <a:pt x="774915" y="19623"/>
-                  <a:pt x="974734" y="2035"/>
-                  <a:pt x="1269487" y="0"/>
-                </a:cubicBezTo>
-                <a:cubicBezTo>
-                  <a:pt x="1564240" y="-2035"/>
-                  <a:pt x="1733579" y="10639"/>
-                  <a:pt x="1953057" y="0"/>
-                </a:cubicBezTo>
-                <a:cubicBezTo>
-                  <a:pt x="2172535" y="-10639"/>
-                  <a:pt x="2453962" y="14018"/>
-                  <a:pt x="2636627" y="0"/>
-                </a:cubicBezTo>
-                <a:cubicBezTo>
-                  <a:pt x="2819292" y="-14018"/>
-                  <a:pt x="3121375" y="5399"/>
-                  <a:pt x="3255095" y="0"/>
-                </a:cubicBezTo>
-                <a:cubicBezTo>
-                  <a:pt x="3254386" y="8157"/>
-                  <a:pt x="3254682" y="12125"/>
-                  <a:pt x="3255095" y="18288"/>
-                </a:cubicBezTo>
-                <a:cubicBezTo>
-                  <a:pt x="3088545" y="23203"/>
-                  <a:pt x="2687475" y="7419"/>
-                  <a:pt x="2538974" y="18288"/>
-                </a:cubicBezTo>
-                <a:cubicBezTo>
-                  <a:pt x="2390473" y="29157"/>
-                  <a:pt x="2137381" y="-8959"/>
-                  <a:pt x="1822853" y="18288"/>
-                </a:cubicBezTo>
-                <a:cubicBezTo>
-                  <a:pt x="1508325" y="45535"/>
-                  <a:pt x="1466437" y="20385"/>
-                  <a:pt x="1171834" y="18288"/>
-                </a:cubicBezTo>
-                <a:cubicBezTo>
-                  <a:pt x="877231" y="16191"/>
-                  <a:pt x="561097" y="37643"/>
-                  <a:pt x="0" y="18288"/>
-                </a:cubicBezTo>
-                <a:cubicBezTo>
-                  <a:pt x="-46" y="12483"/>
-                  <a:pt x="-203" y="6491"/>
-                  <a:pt x="0" y="0"/>
-                </a:cubicBezTo>
-                <a:close/>
-              </a:path>
-              <a:path w="3255095" h="18288" stroke="0" extrusionOk="0">
-                <a:moveTo>
-                  <a:pt x="0" y="0"/>
-                </a:moveTo>
-                <a:cubicBezTo>
-                  <a:pt x="291965" y="19429"/>
-                  <a:pt x="363155" y="8568"/>
-                  <a:pt x="618468" y="0"/>
-                </a:cubicBezTo>
-                <a:cubicBezTo>
-                  <a:pt x="873781" y="-8568"/>
-                  <a:pt x="904459" y="-19505"/>
-                  <a:pt x="1171834" y="0"/>
-                </a:cubicBezTo>
-                <a:cubicBezTo>
-                  <a:pt x="1439209" y="19505"/>
-                  <a:pt x="1744369" y="9790"/>
-                  <a:pt x="1887955" y="0"/>
-                </a:cubicBezTo>
-                <a:cubicBezTo>
-                  <a:pt x="2031541" y="-9790"/>
-                  <a:pt x="2346378" y="21240"/>
-                  <a:pt x="2506423" y="0"/>
-                </a:cubicBezTo>
-                <a:cubicBezTo>
-                  <a:pt x="2666468" y="-21240"/>
-                  <a:pt x="2990257" y="30414"/>
-                  <a:pt x="3255095" y="0"/>
-                </a:cubicBezTo>
-                <a:cubicBezTo>
-                  <a:pt x="3254831" y="4493"/>
-                  <a:pt x="3255479" y="9472"/>
-                  <a:pt x="3255095" y="18288"/>
-                </a:cubicBezTo>
-                <a:cubicBezTo>
-                  <a:pt x="3120743" y="16690"/>
-                  <a:pt x="2759628" y="42462"/>
-                  <a:pt x="2604076" y="18288"/>
-                </a:cubicBezTo>
-                <a:cubicBezTo>
-                  <a:pt x="2448524" y="-5886"/>
-                  <a:pt x="2184336" y="19599"/>
-                  <a:pt x="1887955" y="18288"/>
-                </a:cubicBezTo>
-                <a:cubicBezTo>
-                  <a:pt x="1591574" y="16977"/>
-                  <a:pt x="1548845" y="6870"/>
-                  <a:pt x="1334589" y="18288"/>
-                </a:cubicBezTo>
-                <a:cubicBezTo>
-                  <a:pt x="1120333" y="29706"/>
-                  <a:pt x="996014" y="9662"/>
-                  <a:pt x="683570" y="18288"/>
-                </a:cubicBezTo>
-                <a:cubicBezTo>
-                  <a:pt x="371126" y="26914"/>
-                  <a:pt x="198687" y="16167"/>
-                  <a:pt x="0" y="18288"/>
-                </a:cubicBezTo>
-                <a:cubicBezTo>
-                  <a:pt x="843" y="9577"/>
-                  <a:pt x="371" y="6900"/>
-                  <a:pt x="0" y="0"/>
-                </a:cubicBezTo>
-                <a:close/>
-              </a:path>
-            </a:pathLst>
-          </a:custGeom>
-          <a:solidFill>
-            <a:schemeClr val="accent2"/>
-          </a:solidFill>
-          <a:ln w="38100" cap="rnd">
-            <a:solidFill>
-              <a:schemeClr val="accent2"/>
-            </a:solidFill>
-            <a:round/>
-            <a:extLst>
-              <a:ext uri="{C807C97D-BFC1-408E-A445-0C87EB9F89A2}">
-                <ask:lineSketchStyleProps xmlns:ask="http://schemas.microsoft.com/office/drawing/2018/sketchyshapes" sd="1219033472">
-                  <a:prstGeom prst="rect">
-                    <a:avLst/>
-                  </a:prstGeom>
-                  <ask:type>
-                    <ask:lineSketchFreehand/>
-                  </ask:type>
-                </ask:lineSketchStyleProps>
-              </a:ext>
-            </a:extLst>
-          </a:ln>
-        </p:spPr>
-        <p:style>
-          <a:lnRef idx="2">
-            <a:schemeClr val="accent1">
-              <a:shade val="50000"/>
-            </a:schemeClr>
-          </a:lnRef>
-          <a:fillRef idx="1">
-            <a:schemeClr val="accent1"/>
-          </a:fillRef>
-          <a:effectRef idx="0">
-            <a:schemeClr val="accent1"/>
-          </a:effectRef>
-          <a:fontRef idx="minor">
-            <a:schemeClr val="lt1"/>
-          </a:fontRef>
-        </p:style>
-        <p:txBody>
-          <a:bodyPr rtlCol="0" anchor="ctr"/>
-          <a:lstStyle/>
-          <a:p>
-            <a:pPr algn="ctr"/>
-            <a:endParaRPr lang="en-US"/>
-          </a:p>
-        </p:txBody>
-      </p:sp>
-      <p:sp>
-        <p:nvSpPr>
-          <p:cNvPr id="9" name="Content Placeholder 8">
-            <a:extLst>
-              <a:ext uri="{FF2B5EF4-FFF2-40B4-BE49-F238E27FC236}">
-                <a16:creationId xmlns:a16="http://schemas.microsoft.com/office/drawing/2014/main" id="{DE2F42F5-1311-0E36-F275-63E29D4B3284}"/>
-              </a:ext>
-            </a:extLst>
-          </p:cNvPr>
-          <p:cNvSpPr>
-            <a:spLocks noGrp="1"/>
-          </p:cNvSpPr>
-          <p:nvPr>
-            <p:ph idx="1"/>
-          </p:nvPr>
-        </p:nvSpPr>
-        <p:spPr>
-          <a:xfrm>
-            <a:off x="630936" y="2807208"/>
-            <a:ext cx="3429000" cy="3410712"/>
-          </a:xfrm>
-        </p:spPr>
-        <p:txBody>
-          <a:bodyPr anchor="t">
-            <a:normAutofit/>
-          </a:bodyPr>
-          <a:lstStyle/>
-          <a:p>
-            <a:endParaRPr lang="en-US" sz="2200"/>
-          </a:p>
-        </p:txBody>
-      </p:sp>
-      <p:pic>
-        <p:nvPicPr>
-          <p:cNvPr id="7" name="Picture 6">
-            <a:extLst>
-              <a:ext uri="{FF2B5EF4-FFF2-40B4-BE49-F238E27FC236}">
-                <a16:creationId xmlns:a16="http://schemas.microsoft.com/office/drawing/2014/main" id="{70865A98-CDCA-0C60-40BC-32CE56CE097B}"/>
-              </a:ext>
-            </a:extLst>
-          </p:cNvPr>
-          <p:cNvPicPr>
-            <a:picLocks noChangeAspect="1"/>
-          </p:cNvPicPr>
-          <p:nvPr/>
-        </p:nvPicPr>
-        <p:blipFill>
-          <a:blip r:embed="rId2"/>
-          <a:stretch>
-            <a:fillRect/>
-          </a:stretch>
-        </p:blipFill>
-        <p:spPr>
-          <a:xfrm>
-            <a:off x="727788" y="2807207"/>
-            <a:ext cx="11228614" cy="3490955"/>
-          </a:xfrm>
-          <a:prstGeom prst="rect">
-            <a:avLst/>
-          </a:prstGeom>
-        </p:spPr>
-      </p:pic>
-    </p:spTree>
-    <p:extLst>
-      <p:ext uri="{BB962C8B-B14F-4D97-AF65-F5344CB8AC3E}">
-        <p14:creationId xmlns:p14="http://schemas.microsoft.com/office/powerpoint/2010/main" val="1720333153"/>
-      </p:ext>
-    </p:extLst>
-  </p:cSld>
-  <p:clrMapOvr>
-    <a:masterClrMapping/>
-  </p:clrMapOvr>
-</p:sld>
-</file>
-
 <file path=ppt/theme/theme1.xml><?xml version="1.0" encoding="utf-8"?>
 <a:theme xmlns:a="http://schemas.openxmlformats.org/drawingml/2006/main" name="Office Theme">
   <a:themeElements>

--- a/dataPowerPoint.pptx
+++ b/dataPowerPoint.pptx
@@ -15,9 +15,10 @@
     <p:sldId id="260" r:id="rId9"/>
     <p:sldId id="262" r:id="rId10"/>
     <p:sldId id="263" r:id="rId11"/>
-    <p:sldId id="264" r:id="rId12"/>
-    <p:sldId id="266" r:id="rId13"/>
-    <p:sldId id="265" r:id="rId14"/>
+    <p:sldId id="269" r:id="rId12"/>
+    <p:sldId id="264" r:id="rId13"/>
+    <p:sldId id="266" r:id="rId14"/>
+    <p:sldId id="265" r:id="rId15"/>
   </p:sldIdLst>
   <p:sldSz cx="12192000" cy="6858000"/>
   <p:notesSz cx="6858000" cy="9144000"/>
@@ -15066,6 +15067,556 @@
       </p:grpSpPr>
       <p:sp useBgFill="1">
         <p:nvSpPr>
+          <p:cNvPr id="12" name="Rectangle 11">
+            <a:extLst>
+              <a:ext uri="{FF2B5EF4-FFF2-40B4-BE49-F238E27FC236}">
+                <a16:creationId xmlns:a16="http://schemas.microsoft.com/office/drawing/2014/main" id="{201CC55D-ED54-4C5C-95E6-10947BD1103B}"/>
+              </a:ext>
+              <a:ext uri="{C183D7F6-B498-43B3-948B-1728B52AA6E4}">
+                <adec:decorative xmlns:adec="http://schemas.microsoft.com/office/drawing/2017/decorative" val="1"/>
+              </a:ext>
+            </a:extLst>
+          </p:cNvPr>
+          <p:cNvSpPr>
+            <a:spLocks noGrp="1" noRot="1" noChangeAspect="1" noMove="1" noResize="1" noEditPoints="1" noAdjustHandles="1" noChangeArrowheads="1" noChangeShapeType="1" noTextEdit="1"/>
+          </p:cNvSpPr>
+          <p:nvPr>
+            <p:extLst>
+              <p:ext uri="{386F3935-93C4-4BCD-93E2-E3B085C9AB24}">
+                <p16:designElem xmlns:p16="http://schemas.microsoft.com/office/powerpoint/2015/main" val="1"/>
+              </p:ext>
+            </p:extLst>
+          </p:nvPr>
+        </p:nvSpPr>
+        <p:spPr>
+          <a:xfrm>
+            <a:off x="0" y="0"/>
+            <a:ext cx="12191999" cy="6857365"/>
+          </a:xfrm>
+          <a:prstGeom prst="rect">
+            <a:avLst/>
+          </a:prstGeom>
+          <a:ln>
+            <a:noFill/>
+          </a:ln>
+        </p:spPr>
+        <p:style>
+          <a:lnRef idx="2">
+            <a:schemeClr val="accent1">
+              <a:shade val="50000"/>
+            </a:schemeClr>
+          </a:lnRef>
+          <a:fillRef idx="1">
+            <a:schemeClr val="accent1"/>
+          </a:fillRef>
+          <a:effectRef idx="0">
+            <a:schemeClr val="accent1"/>
+          </a:effectRef>
+          <a:fontRef idx="minor">
+            <a:schemeClr val="lt1"/>
+          </a:fontRef>
+        </p:style>
+        <p:txBody>
+          <a:bodyPr rtlCol="0" anchor="ctr"/>
+          <a:lstStyle/>
+          <a:p>
+            <a:pPr algn="ctr"/>
+            <a:endParaRPr lang="en-US"/>
+          </a:p>
+        </p:txBody>
+      </p:sp>
+      <p:sp>
+        <p:nvSpPr>
+          <p:cNvPr id="2" name="Title 1">
+            <a:extLst>
+              <a:ext uri="{FF2B5EF4-FFF2-40B4-BE49-F238E27FC236}">
+                <a16:creationId xmlns:a16="http://schemas.microsoft.com/office/drawing/2014/main" id="{2B2E6007-EC9A-0B26-729F-FF2A1654527D}"/>
+              </a:ext>
+            </a:extLst>
+          </p:cNvPr>
+          <p:cNvSpPr>
+            <a:spLocks noGrp="1"/>
+          </p:cNvSpPr>
+          <p:nvPr>
+            <p:ph type="title"/>
+          </p:nvPr>
+        </p:nvSpPr>
+        <p:spPr>
+          <a:xfrm>
+            <a:off x="589560" y="856180"/>
+            <a:ext cx="4560584" cy="1128068"/>
+          </a:xfrm>
+        </p:spPr>
+        <p:txBody>
+          <a:bodyPr anchor="ctr">
+            <a:normAutofit/>
+          </a:bodyPr>
+          <a:lstStyle/>
+          <a:p>
+            <a:r>
+              <a:rPr lang="en-US" sz="3700"/>
+              <a:t>Example of One Entity</a:t>
+            </a:r>
+          </a:p>
+        </p:txBody>
+      </p:sp>
+      <p:grpSp>
+        <p:nvGrpSpPr>
+          <p:cNvPr id="14" name="Group 13">
+            <a:extLst>
+              <a:ext uri="{FF2B5EF4-FFF2-40B4-BE49-F238E27FC236}">
+                <a16:creationId xmlns:a16="http://schemas.microsoft.com/office/drawing/2014/main" id="{1DE889C7-FAD6-4397-98E2-05D503484459}"/>
+              </a:ext>
+              <a:ext uri="{C183D7F6-B498-43B3-948B-1728B52AA6E4}">
+                <adec:decorative xmlns:adec="http://schemas.microsoft.com/office/drawing/2017/decorative" val="1"/>
+              </a:ext>
+            </a:extLst>
+          </p:cNvPr>
+          <p:cNvGrpSpPr>
+            <a:grpSpLocks noGrp="1" noUngrp="1" noRot="1" noChangeAspect="1" noMove="1" noResize="1"/>
+          </p:cNvGrpSpPr>
+          <p:nvPr>
+            <p:extLst>
+              <p:ext uri="{386F3935-93C4-4BCD-93E2-E3B085C9AB24}">
+                <p16:designElem xmlns:p16="http://schemas.microsoft.com/office/powerpoint/2015/main" val="1"/>
+              </p:ext>
+            </p:extLst>
+          </p:nvPr>
+        </p:nvGrpSpPr>
+        <p:grpSpPr>
+          <a:xfrm>
+            <a:off x="0" y="1083484"/>
+            <a:ext cx="355196" cy="673460"/>
+            <a:chOff x="0" y="823811"/>
+            <a:chExt cx="355196" cy="673460"/>
+          </a:xfrm>
+        </p:grpSpPr>
+        <p:sp>
+          <p:nvSpPr>
+            <p:cNvPr id="15" name="Rectangle 14">
+              <a:extLst>
+                <a:ext uri="{FF2B5EF4-FFF2-40B4-BE49-F238E27FC236}">
+                  <a16:creationId xmlns:a16="http://schemas.microsoft.com/office/drawing/2014/main" id="{F399A70F-F8CD-4992-9EF5-6CF15472E73F}"/>
+                </a:ext>
+                <a:ext uri="{C183D7F6-B498-43B3-948B-1728B52AA6E4}">
+                  <adec:decorative xmlns:adec="http://schemas.microsoft.com/office/drawing/2017/decorative" val="1"/>
+                </a:ext>
+              </a:extLst>
+            </p:cNvPr>
+            <p:cNvSpPr/>
+            <p:nvPr>
+              <p:extLst>
+                <p:ext uri="{386F3935-93C4-4BCD-93E2-E3B085C9AB24}">
+                  <p16:designElem xmlns:p16="http://schemas.microsoft.com/office/powerpoint/2015/main" val="1"/>
+                </p:ext>
+              </p:extLst>
+            </p:nvPr>
+          </p:nvSpPr>
+          <p:spPr>
+            <a:xfrm>
+              <a:off x="0" y="823811"/>
+              <a:ext cx="87363" cy="673460"/>
+            </a:xfrm>
+            <a:prstGeom prst="rect">
+              <a:avLst/>
+            </a:prstGeom>
+            <a:solidFill>
+              <a:schemeClr val="accent4"/>
+            </a:solidFill>
+            <a:ln>
+              <a:noFill/>
+            </a:ln>
+          </p:spPr>
+          <p:style>
+            <a:lnRef idx="2">
+              <a:schemeClr val="accent1">
+                <a:shade val="50000"/>
+              </a:schemeClr>
+            </a:lnRef>
+            <a:fillRef idx="1">
+              <a:schemeClr val="accent1"/>
+            </a:fillRef>
+            <a:effectRef idx="0">
+              <a:schemeClr val="accent1"/>
+            </a:effectRef>
+            <a:fontRef idx="minor">
+              <a:schemeClr val="lt1"/>
+            </a:fontRef>
+          </p:style>
+          <p:txBody>
+            <a:bodyPr rtlCol="0" anchor="ctr"/>
+            <a:lstStyle/>
+            <a:p>
+              <a:pPr algn="ctr"/>
+              <a:endParaRPr lang="en-US"/>
+            </a:p>
+          </p:txBody>
+        </p:sp>
+        <p:sp>
+          <p:nvSpPr>
+            <p:cNvPr id="16" name="Rectangle 15">
+              <a:extLst>
+                <a:ext uri="{FF2B5EF4-FFF2-40B4-BE49-F238E27FC236}">
+                  <a16:creationId xmlns:a16="http://schemas.microsoft.com/office/drawing/2014/main" id="{48F4FEDC-6D80-458C-A665-075D9B9500FD}"/>
+                </a:ext>
+                <a:ext uri="{C183D7F6-B498-43B3-948B-1728B52AA6E4}">
+                  <adec:decorative xmlns:adec="http://schemas.microsoft.com/office/drawing/2017/decorative" val="1"/>
+                </a:ext>
+              </a:extLst>
+            </p:cNvPr>
+            <p:cNvSpPr/>
+            <p:nvPr>
+              <p:extLst>
+                <p:ext uri="{386F3935-93C4-4BCD-93E2-E3B085C9AB24}">
+                  <p16:designElem xmlns:p16="http://schemas.microsoft.com/office/powerpoint/2015/main" val="1"/>
+                </p:ext>
+              </p:extLst>
+            </p:nvPr>
+          </p:nvSpPr>
+          <p:spPr>
+            <a:xfrm>
+              <a:off x="159341" y="823811"/>
+              <a:ext cx="195855" cy="673460"/>
+            </a:xfrm>
+            <a:prstGeom prst="rect">
+              <a:avLst/>
+            </a:prstGeom>
+            <a:solidFill>
+              <a:schemeClr val="accent4"/>
+            </a:solidFill>
+            <a:ln>
+              <a:noFill/>
+            </a:ln>
+          </p:spPr>
+          <p:style>
+            <a:lnRef idx="2">
+              <a:schemeClr val="accent1">
+                <a:shade val="50000"/>
+              </a:schemeClr>
+            </a:lnRef>
+            <a:fillRef idx="1">
+              <a:schemeClr val="accent1"/>
+            </a:fillRef>
+            <a:effectRef idx="0">
+              <a:schemeClr val="accent1"/>
+            </a:effectRef>
+            <a:fontRef idx="minor">
+              <a:schemeClr val="lt1"/>
+            </a:fontRef>
+          </p:style>
+          <p:txBody>
+            <a:bodyPr rtlCol="0" anchor="ctr"/>
+            <a:lstStyle/>
+            <a:p>
+              <a:pPr algn="ctr"/>
+              <a:endParaRPr lang="en-US"/>
+            </a:p>
+          </p:txBody>
+        </p:sp>
+      </p:grpSp>
+      <p:sp>
+        <p:nvSpPr>
+          <p:cNvPr id="18" name="Rectangle 17">
+            <a:extLst>
+              <a:ext uri="{FF2B5EF4-FFF2-40B4-BE49-F238E27FC236}">
+                <a16:creationId xmlns:a16="http://schemas.microsoft.com/office/drawing/2014/main" id="{3873B707-463F-40B0-8227-E8CC6C67EB25}"/>
+              </a:ext>
+              <a:ext uri="{C183D7F6-B498-43B3-948B-1728B52AA6E4}">
+                <adec:decorative xmlns:adec="http://schemas.microsoft.com/office/drawing/2017/decorative" val="1"/>
+              </a:ext>
+            </a:extLst>
+          </p:cNvPr>
+          <p:cNvSpPr>
+            <a:spLocks noGrp="1" noRot="1" noChangeAspect="1" noMove="1" noResize="1" noEditPoints="1" noAdjustHandles="1" noChangeArrowheads="1" noChangeShapeType="1" noTextEdit="1"/>
+          </p:cNvSpPr>
+          <p:nvPr>
+            <p:extLst>
+              <p:ext uri="{386F3935-93C4-4BCD-93E2-E3B085C9AB24}">
+                <p16:designElem xmlns:p16="http://schemas.microsoft.com/office/powerpoint/2015/main" val="1"/>
+              </p:ext>
+            </p:extLst>
+          </p:nvPr>
+        </p:nvSpPr>
+        <p:spPr>
+          <a:xfrm flipH="1">
+            <a:off x="665085" y="2090569"/>
+            <a:ext cx="4297680" cy="27432"/>
+          </a:xfrm>
+          <a:prstGeom prst="rect">
+            <a:avLst/>
+          </a:prstGeom>
+          <a:solidFill>
+            <a:schemeClr val="accent4"/>
+          </a:solidFill>
+          <a:ln>
+            <a:noFill/>
+          </a:ln>
+        </p:spPr>
+        <p:style>
+          <a:lnRef idx="2">
+            <a:schemeClr val="accent1">
+              <a:shade val="50000"/>
+            </a:schemeClr>
+          </a:lnRef>
+          <a:fillRef idx="1">
+            <a:schemeClr val="accent1"/>
+          </a:fillRef>
+          <a:effectRef idx="0">
+            <a:schemeClr val="accent1"/>
+          </a:effectRef>
+          <a:fontRef idx="minor">
+            <a:schemeClr val="lt1"/>
+          </a:fontRef>
+        </p:style>
+        <p:txBody>
+          <a:bodyPr rtlCol="0" anchor="ctr"/>
+          <a:lstStyle/>
+          <a:p>
+            <a:pPr algn="ctr"/>
+            <a:endParaRPr lang="en-US"/>
+          </a:p>
+        </p:txBody>
+      </p:sp>
+      <p:sp>
+        <p:nvSpPr>
+          <p:cNvPr id="9" name="Content Placeholder 8">
+            <a:extLst>
+              <a:ext uri="{FF2B5EF4-FFF2-40B4-BE49-F238E27FC236}">
+                <a16:creationId xmlns:a16="http://schemas.microsoft.com/office/drawing/2014/main" id="{AA4476C0-9562-8E33-1C6C-7580BFC3F1FA}"/>
+              </a:ext>
+            </a:extLst>
+          </p:cNvPr>
+          <p:cNvSpPr>
+            <a:spLocks noGrp="1"/>
+          </p:cNvSpPr>
+          <p:nvPr>
+            <p:ph idx="1"/>
+          </p:nvPr>
+        </p:nvSpPr>
+        <p:spPr>
+          <a:xfrm>
+            <a:off x="590719" y="2330505"/>
+            <a:ext cx="4559425" cy="3979585"/>
+          </a:xfrm>
+        </p:spPr>
+        <p:txBody>
+          <a:bodyPr anchor="ctr">
+            <a:normAutofit/>
+          </a:bodyPr>
+          <a:lstStyle/>
+          <a:p>
+            <a:endParaRPr lang="en-US" sz="2000"/>
+          </a:p>
+        </p:txBody>
+      </p:sp>
+      <p:sp>
+        <p:nvSpPr>
+          <p:cNvPr id="20" name="Rectangle 19">
+            <a:extLst>
+              <a:ext uri="{FF2B5EF4-FFF2-40B4-BE49-F238E27FC236}">
+                <a16:creationId xmlns:a16="http://schemas.microsoft.com/office/drawing/2014/main" id="{C13237C8-E62C-4F0D-A318-BD6FB6C2D138}"/>
+              </a:ext>
+              <a:ext uri="{C183D7F6-B498-43B3-948B-1728B52AA6E4}">
+                <adec:decorative xmlns:adec="http://schemas.microsoft.com/office/drawing/2017/decorative" val="1"/>
+              </a:ext>
+            </a:extLst>
+          </p:cNvPr>
+          <p:cNvSpPr>
+            <a:spLocks noGrp="1" noRot="1" noChangeAspect="1" noMove="1" noResize="1" noEditPoints="1" noAdjustHandles="1" noChangeArrowheads="1" noChangeShapeType="1" noTextEdit="1"/>
+          </p:cNvSpPr>
+          <p:nvPr>
+            <p:extLst>
+              <p:ext uri="{386F3935-93C4-4BCD-93E2-E3B085C9AB24}">
+                <p16:designElem xmlns:p16="http://schemas.microsoft.com/office/powerpoint/2015/main" val="1"/>
+              </p:ext>
+            </p:extLst>
+          </p:nvPr>
+        </p:nvSpPr>
+        <p:spPr>
+          <a:xfrm flipH="1">
+            <a:off x="10697670" y="0"/>
+            <a:ext cx="1494330" cy="6858000"/>
+          </a:xfrm>
+          <a:prstGeom prst="rect">
+            <a:avLst/>
+          </a:prstGeom>
+          <a:solidFill>
+            <a:schemeClr val="accent4"/>
+          </a:solidFill>
+          <a:ln>
+            <a:noFill/>
+          </a:ln>
+        </p:spPr>
+        <p:style>
+          <a:lnRef idx="2">
+            <a:schemeClr val="accent1">
+              <a:shade val="50000"/>
+            </a:schemeClr>
+          </a:lnRef>
+          <a:fillRef idx="1">
+            <a:schemeClr val="accent1"/>
+          </a:fillRef>
+          <a:effectRef idx="0">
+            <a:schemeClr val="accent1"/>
+          </a:effectRef>
+          <a:fontRef idx="minor">
+            <a:schemeClr val="lt1"/>
+          </a:fontRef>
+        </p:style>
+        <p:txBody>
+          <a:bodyPr rtlCol="0" anchor="ctr"/>
+          <a:lstStyle/>
+          <a:p>
+            <a:pPr algn="ctr"/>
+            <a:endParaRPr lang="en-US"/>
+          </a:p>
+        </p:txBody>
+      </p:sp>
+      <p:sp>
+        <p:nvSpPr>
+          <p:cNvPr id="22" name="Rectangle 21">
+            <a:extLst>
+              <a:ext uri="{FF2B5EF4-FFF2-40B4-BE49-F238E27FC236}">
+                <a16:creationId xmlns:a16="http://schemas.microsoft.com/office/drawing/2014/main" id="{19C9EAEA-39D0-4B0E-A0EB-51E7B26740B1}"/>
+              </a:ext>
+              <a:ext uri="{C183D7F6-B498-43B3-948B-1728B52AA6E4}">
+                <adec:decorative xmlns:adec="http://schemas.microsoft.com/office/drawing/2017/decorative" val="1"/>
+              </a:ext>
+            </a:extLst>
+          </p:cNvPr>
+          <p:cNvSpPr>
+            <a:spLocks noGrp="1" noRot="1" noChangeAspect="1" noMove="1" noResize="1" noEditPoints="1" noAdjustHandles="1" noChangeArrowheads="1" noChangeShapeType="1" noTextEdit="1"/>
+          </p:cNvSpPr>
+          <p:nvPr>
+            <p:extLst>
+              <p:ext uri="{386F3935-93C4-4BCD-93E2-E3B085C9AB24}">
+                <p16:designElem xmlns:p16="http://schemas.microsoft.com/office/powerpoint/2015/main" val="1"/>
+              </p:ext>
+            </p:extLst>
+          </p:nvPr>
+        </p:nvSpPr>
+        <p:spPr>
+          <a:xfrm>
+            <a:off x="5685810" y="513853"/>
+            <a:ext cx="6009366" cy="5834577"/>
+          </a:xfrm>
+          <a:prstGeom prst="rect">
+            <a:avLst/>
+          </a:prstGeom>
+          <a:solidFill>
+            <a:schemeClr val="bg1"/>
+          </a:solidFill>
+          <a:ln>
+            <a:noFill/>
+          </a:ln>
+          <a:effectLst>
+            <a:outerShdw blurRad="139700" dist="127000" dir="5400000" algn="t" rotWithShape="0">
+              <a:prstClr val="black">
+                <a:alpha val="15000"/>
+              </a:prstClr>
+            </a:outerShdw>
+          </a:effectLst>
+        </p:spPr>
+        <p:style>
+          <a:lnRef idx="2">
+            <a:schemeClr val="accent1">
+              <a:shade val="50000"/>
+            </a:schemeClr>
+          </a:lnRef>
+          <a:fillRef idx="1">
+            <a:schemeClr val="accent1"/>
+          </a:fillRef>
+          <a:effectRef idx="0">
+            <a:schemeClr val="accent1"/>
+          </a:effectRef>
+          <a:fontRef idx="minor">
+            <a:schemeClr val="lt1"/>
+          </a:fontRef>
+        </p:style>
+        <p:txBody>
+          <a:bodyPr rtlCol="0" anchor="ctr"/>
+          <a:lstStyle/>
+          <a:p>
+            <a:pPr algn="ctr"/>
+            <a:endParaRPr lang="en-US"/>
+          </a:p>
+        </p:txBody>
+      </p:sp>
+      <p:pic>
+        <p:nvPicPr>
+          <p:cNvPr id="5" name="Content Placeholder 4" descr="Graphical user interface, text, application, chat or text message&#10;&#10;Description automatically generated">
+            <a:extLst>
+              <a:ext uri="{FF2B5EF4-FFF2-40B4-BE49-F238E27FC236}">
+                <a16:creationId xmlns:a16="http://schemas.microsoft.com/office/drawing/2014/main" id="{4CFA7626-BEC3-6B79-F484-A0AD7961D0FA}"/>
+              </a:ext>
+            </a:extLst>
+          </p:cNvPr>
+          <p:cNvPicPr>
+            <a:picLocks noChangeAspect="1"/>
+          </p:cNvPicPr>
+          <p:nvPr/>
+        </p:nvPicPr>
+        <p:blipFill rotWithShape="1">
+          <a:blip r:embed="rId2">
+            <a:extLst>
+              <a:ext uri="{28A0092B-C50C-407E-A947-70E740481C1C}">
+                <a14:useLocalDpi xmlns:a14="http://schemas.microsoft.com/office/drawing/2010/main" val="0"/>
+              </a:ext>
+            </a:extLst>
+          </a:blip>
+          <a:srcRect r="4" b="834"/>
+          <a:stretch/>
+        </p:blipFill>
+        <p:spPr>
+          <a:xfrm>
+            <a:off x="5977788" y="799352"/>
+            <a:ext cx="5425410" cy="5259296"/>
+          </a:xfrm>
+          <a:prstGeom prst="rect">
+            <a:avLst/>
+          </a:prstGeom>
+        </p:spPr>
+      </p:pic>
+    </p:spTree>
+    <p:extLst>
+      <p:ext uri="{BB962C8B-B14F-4D97-AF65-F5344CB8AC3E}">
+        <p14:creationId xmlns:p14="http://schemas.microsoft.com/office/powerpoint/2010/main" val="426756201"/>
+      </p:ext>
+    </p:extLst>
+  </p:cSld>
+  <p:clrMapOvr>
+    <a:masterClrMapping/>
+  </p:clrMapOvr>
+</p:sld>
+</file>
+
+<file path=ppt/slides/slide12.xml><?xml version="1.0" encoding="utf-8"?>
+<p:sld xmlns:a="http://schemas.openxmlformats.org/drawingml/2006/main" xmlns:r="http://schemas.openxmlformats.org/officeDocument/2006/relationships" xmlns:p="http://schemas.openxmlformats.org/presentationml/2006/main">
+  <p:cSld>
+    <p:bg>
+      <p:bgPr>
+        <a:solidFill>
+          <a:schemeClr val="bg1"/>
+        </a:solidFill>
+        <a:effectLst/>
+      </p:bgPr>
+    </p:bg>
+    <p:spTree>
+      <p:nvGrpSpPr>
+        <p:cNvPr id="1" name=""/>
+        <p:cNvGrpSpPr/>
+        <p:nvPr/>
+      </p:nvGrpSpPr>
+      <p:grpSpPr>
+        <a:xfrm>
+          <a:off x="0" y="0"/>
+          <a:ext cx="0" cy="0"/>
+          <a:chOff x="0" y="0"/>
+          <a:chExt cx="0" cy="0"/>
+        </a:xfrm>
+      </p:grpSpPr>
+      <p:sp useBgFill="1">
+        <p:nvSpPr>
           <p:cNvPr id="8" name="Rectangle 7">
             <a:extLst>
               <a:ext uri="{FF2B5EF4-FFF2-40B4-BE49-F238E27FC236}">
@@ -17143,7 +17694,7 @@
 </p:sld>
 </file>
 
-<file path=ppt/slides/slide12.xml><?xml version="1.0" encoding="utf-8"?>
+<file path=ppt/slides/slide13.xml><?xml version="1.0" encoding="utf-8"?>
 <p:sld xmlns:a="http://schemas.openxmlformats.org/drawingml/2006/main" xmlns:r="http://schemas.openxmlformats.org/officeDocument/2006/relationships" xmlns:p="http://schemas.openxmlformats.org/presentationml/2006/main">
   <p:cSld>
     <p:spTree>
@@ -17229,7 +17780,7 @@
 </p:sld>
 </file>
 
-<file path=ppt/slides/slide13.xml><?xml version="1.0" encoding="utf-8"?>
+<file path=ppt/slides/slide14.xml><?xml version="1.0" encoding="utf-8"?>
 <p:sld xmlns:a="http://schemas.openxmlformats.org/drawingml/2006/main" xmlns:r="http://schemas.openxmlformats.org/officeDocument/2006/relationships" xmlns:p="http://schemas.openxmlformats.org/presentationml/2006/main">
   <p:cSld>
     <p:bg>
